--- a/Data-Essentials/01c-Data-Essentials.pptx
+++ b/Data-Essentials/01c-Data-Essentials.pptx
@@ -319,7 +319,7 @@
               <a:pPr>
                 <a:defRPr/>
               </a:pPr>
-              <a:t>3/20/18</a:t>
+              <a:t>3/23/18</a:t>
             </a:fld>
             <a:endParaRPr lang="en-US" altLang="x-none"/>
           </a:p>
@@ -16666,21 +16666,7 @@
                 <a:latin typeface="Courier New" panose="02070309020205020404" pitchFamily="49" charset="0"/>
                 <a:cs typeface="Courier New" panose="02070309020205020404" pitchFamily="49" charset="0"/>
               </a:rPr>
-              <a:t>, </a:t>
-            </a:r>
-            <a:r>
-              <a:rPr lang="en-US" sz="2000" dirty="0" err="1">
-                <a:latin typeface="Courier New" panose="02070309020205020404" pitchFamily="49" charset="0"/>
-                <a:cs typeface="Courier New" panose="02070309020205020404" pitchFamily="49" charset="0"/>
-              </a:rPr>
-              <a:t>tags,views</a:t>
-            </a:r>
-            <a:r>
-              <a:rPr lang="en-US" sz="2000" dirty="0">
-                <a:latin typeface="Courier New" panose="02070309020205020404" pitchFamily="49" charset="0"/>
-                <a:cs typeface="Courier New" panose="02070309020205020404" pitchFamily="49" charset="0"/>
-              </a:rPr>
-              <a:t>, </a:t>
+              <a:t>, tags, views, </a:t>
             </a:r>
             <a:r>
               <a:rPr lang="en-US" sz="2000" dirty="0" err="1">
@@ -17309,103 +17295,19 @@
             <p:ph type="title"/>
           </p:nvPr>
         </p:nvSpPr>
-        <p:spPr/>
-        <p:txBody>
-          <a:bodyPr/>
-          <a:lstStyle/>
-          <a:p>
-            <a:r>
-              <a:rPr lang="en-US" dirty="0"/>
-              <a:t>Joining Tables</a:t>
-            </a:r>
-          </a:p>
-        </p:txBody>
-      </p:sp>
-      <p:sp>
-        <p:nvSpPr>
-          <p:cNvPr id="5" name="Content Placeholder 4">
-            <a:extLst>
-              <a:ext uri="{FF2B5EF4-FFF2-40B4-BE49-F238E27FC236}">
-                <a16:creationId xmlns:a16="http://schemas.microsoft.com/office/drawing/2014/main" id="{C393430B-B4DC-2F41-8141-0C19CD8CCF82}"/>
-              </a:ext>
-            </a:extLst>
-          </p:cNvPr>
-          <p:cNvSpPr>
-            <a:spLocks noGrp="1"/>
-          </p:cNvSpPr>
-          <p:nvPr>
-            <p:ph idx="1"/>
-          </p:nvPr>
-        </p:nvSpPr>
         <p:spPr>
           <a:xfrm>
-            <a:off x="457200" y="3276600"/>
-            <a:ext cx="8229600" cy="2849563"/>
+            <a:off x="6781800" y="274638"/>
+            <a:ext cx="1905000" cy="715962"/>
           </a:xfrm>
         </p:spPr>
         <p:txBody>
           <a:bodyPr/>
           <a:lstStyle/>
           <a:p>
-            <a:pPr marL="0" indent="0">
-              <a:buNone/>
-            </a:pPr>
             <a:r>
               <a:rPr lang="en-US" dirty="0"/>
-              <a:t>SQL for a Table with </a:t>
-            </a:r>
-            <a:r>
-              <a:rPr lang="en-US" dirty="0" err="1"/>
-              <a:t>video_id</a:t>
-            </a:r>
-            <a:r>
-              <a:rPr lang="en-US" dirty="0"/>
-              <a:t>, </a:t>
-            </a:r>
-            <a:r>
-              <a:rPr lang="en-US" dirty="0" err="1"/>
-              <a:t>category_id</a:t>
-            </a:r>
-            <a:endParaRPr lang="en-US" dirty="0"/>
-          </a:p>
-          <a:p>
-            <a:pPr marL="0" indent="0">
-              <a:buNone/>
-            </a:pPr>
-            <a:r>
-              <a:rPr lang="en-US" sz="2400" dirty="0">
-                <a:latin typeface="Courier New" panose="02070309020205020404" pitchFamily="49" charset="0"/>
-                <a:cs typeface="Courier New" panose="02070309020205020404" pitchFamily="49" charset="0"/>
-              </a:rPr>
-              <a:t>SELECT </a:t>
-            </a:r>
-            <a:r>
-              <a:rPr lang="en-US" sz="2400" dirty="0" err="1">
-                <a:latin typeface="Courier New" panose="02070309020205020404" pitchFamily="49" charset="0"/>
-                <a:cs typeface="Courier New" panose="02070309020205020404" pitchFamily="49" charset="0"/>
-              </a:rPr>
-              <a:t>video_id</a:t>
-            </a:r>
-            <a:r>
-              <a:rPr lang="en-US" sz="2400" dirty="0">
-                <a:latin typeface="Courier New" panose="02070309020205020404" pitchFamily="49" charset="0"/>
-                <a:cs typeface="Courier New" panose="02070309020205020404" pitchFamily="49" charset="0"/>
-              </a:rPr>
-              <a:t>, </a:t>
-            </a:r>
-            <a:r>
-              <a:rPr lang="en-US" sz="2400" dirty="0" err="1">
-                <a:latin typeface="Courier New" panose="02070309020205020404" pitchFamily="49" charset="0"/>
-                <a:cs typeface="Courier New" panose="02070309020205020404" pitchFamily="49" charset="0"/>
-              </a:rPr>
-              <a:t>category_id</a:t>
-            </a:r>
-            <a:r>
-              <a:rPr lang="en-US" sz="2400" dirty="0">
-                <a:latin typeface="Courier New" panose="02070309020205020404" pitchFamily="49" charset="0"/>
-                <a:cs typeface="Courier New" panose="02070309020205020404" pitchFamily="49" charset="0"/>
-              </a:rPr>
-              <a:t> from table</a:t>
+              <a:t>Joining Tables</a:t>
             </a:r>
           </a:p>
         </p:txBody>
@@ -17488,11 +17390,17 @@
           <p:cNvGraphicFramePr>
             <a:graphicFrameLocks noGrp="1"/>
           </p:cNvGraphicFramePr>
-          <p:nvPr/>
+          <p:nvPr>
+            <p:extLst>
+              <p:ext uri="{D42A27DB-BD31-4B8C-83A1-F6EECF244321}">
+                <p14:modId xmlns:p14="http://schemas.microsoft.com/office/powerpoint/2010/main" val="1835430961"/>
+              </p:ext>
+            </p:extLst>
+          </p:nvPr>
         </p:nvGraphicFramePr>
         <p:xfrm>
-          <a:off x="381000" y="838200"/>
-          <a:ext cx="8305800" cy="2147632"/>
+          <a:off x="304800" y="381000"/>
+          <a:ext cx="6019800" cy="1584960"/>
         </p:xfrm>
         <a:graphic>
           <a:graphicData uri="http://schemas.openxmlformats.org/drawingml/2006/table">
@@ -17501,21 +17409,21 @@
                 <a:tableStyleId>{5C22544A-7EE6-4342-B048-85BDC9FD1C3A}</a:tableStyleId>
               </a:tblPr>
               <a:tblGrid>
-                <a:gridCol w="2768600">
+                <a:gridCol w="2006600">
                   <a:extLst>
                     <a:ext uri="{9D8B030D-6E8A-4147-A177-3AD203B41FA5}">
                       <a16:colId xmlns:a16="http://schemas.microsoft.com/office/drawing/2014/main" val="2723209"/>
                     </a:ext>
                   </a:extLst>
                 </a:gridCol>
-                <a:gridCol w="2768600">
+                <a:gridCol w="2006600">
                   <a:extLst>
                     <a:ext uri="{9D8B030D-6E8A-4147-A177-3AD203B41FA5}">
                       <a16:colId xmlns:a16="http://schemas.microsoft.com/office/drawing/2014/main" val="851576297"/>
                     </a:ext>
                   </a:extLst>
                 </a:gridCol>
-                <a:gridCol w="2768600">
+                <a:gridCol w="2006600">
                   <a:extLst>
                     <a:ext uri="{9D8B030D-6E8A-4147-A177-3AD203B41FA5}">
                       <a16:colId xmlns:a16="http://schemas.microsoft.com/office/drawing/2014/main" val="1773334228"/>
@@ -17523,17 +17431,17 @@
                   </a:extLst>
                 </a:gridCol>
               </a:tblGrid>
-              <a:tr h="437282">
+              <a:tr h="380399">
                 <a:tc>
                   <a:txBody>
                     <a:bodyPr/>
                     <a:lstStyle/>
                     <a:p>
                       <a:r>
-                        <a:rPr lang="en-US" sz="2800" dirty="0" err="1"/>
+                        <a:rPr lang="en-US" sz="2000" dirty="0" err="1"/>
                         <a:t>video_id</a:t>
                       </a:r>
-                      <a:endParaRPr lang="en-US" sz="2800" dirty="0"/>
+                      <a:endParaRPr lang="en-US" sz="2000" dirty="0"/>
                     </a:p>
                   </a:txBody>
                   <a:tcPr/>
@@ -17544,10 +17452,10 @@
                     <a:lstStyle/>
                     <a:p>
                       <a:r>
-                        <a:rPr lang="en-US" sz="2800" dirty="0" err="1"/>
+                        <a:rPr lang="en-US" sz="2000" dirty="0" err="1"/>
                         <a:t>category_id</a:t>
                       </a:r>
-                      <a:endParaRPr lang="en-US" sz="2800" dirty="0"/>
+                      <a:endParaRPr lang="en-US" sz="2000" dirty="0"/>
                     </a:p>
                   </a:txBody>
                   <a:tcPr/>
@@ -17558,10 +17466,10 @@
                     <a:lstStyle/>
                     <a:p>
                       <a:r>
-                        <a:rPr lang="en-US" sz="2800" dirty="0" err="1"/>
+                        <a:rPr lang="en-US" sz="2000" dirty="0" err="1"/>
                         <a:t>trending_date</a:t>
                       </a:r>
-                      <a:endParaRPr lang="en-US" sz="2800" dirty="0"/>
+                      <a:endParaRPr lang="en-US" sz="2000" dirty="0"/>
                     </a:p>
                   </a:txBody>
                   <a:tcPr/>
@@ -17572,7 +17480,7 @@
                   </a:ext>
                 </a:extLst>
               </a:tr>
-              <a:tr h="437282">
+              <a:tr h="380399">
                 <a:tc>
                   <a:txBody>
                     <a:bodyPr/>
@@ -17580,7 +17488,7 @@
                     <a:p>
                       <a:pPr algn="r"/>
                       <a:r>
-                        <a:rPr lang="en-US" sz="2800" dirty="0"/>
+                        <a:rPr lang="en-US" sz="2000" dirty="0"/>
                         <a:t>a5$xcyda</a:t>
                       </a:r>
                     </a:p>
@@ -17594,7 +17502,7 @@
                     <a:p>
                       <a:pPr algn="r"/>
                       <a:r>
-                        <a:rPr lang="en-US" sz="2800" dirty="0"/>
+                        <a:rPr lang="en-US" sz="2000" dirty="0"/>
                         <a:t>33</a:t>
                       </a:r>
                     </a:p>
@@ -17608,7 +17516,7 @@
                     <a:p>
                       <a:pPr algn="r"/>
                       <a:r>
-                        <a:rPr lang="en-US" sz="2800" dirty="0"/>
+                        <a:rPr lang="en-US" sz="2000" dirty="0"/>
                         <a:t>02/01/2015</a:t>
                       </a:r>
                     </a:p>
@@ -17621,7 +17529,7 @@
                   </a:ext>
                 </a:extLst>
               </a:tr>
-              <a:tr h="437282">
+              <a:tr h="380399">
                 <a:tc>
                   <a:txBody>
                     <a:bodyPr/>
@@ -17629,7 +17537,7 @@
                     <a:p>
                       <a:pPr algn="r"/>
                       <a:r>
-                        <a:rPr lang="en-US" sz="2800" dirty="0"/>
+                        <a:rPr lang="en-US" sz="2000" dirty="0"/>
                         <a:t>xB#2gy8t</a:t>
                       </a:r>
                     </a:p>
@@ -17643,7 +17551,7 @@
                     <a:p>
                       <a:pPr algn="r"/>
                       <a:r>
-                        <a:rPr lang="en-US" sz="2800" dirty="0"/>
+                        <a:rPr lang="en-US" sz="2000" dirty="0"/>
                         <a:t>12</a:t>
                       </a:r>
                     </a:p>
@@ -17657,7 +17565,7 @@
                     <a:p>
                       <a:pPr algn="r"/>
                       <a:r>
-                        <a:rPr lang="en-US" sz="2800" dirty="0"/>
+                        <a:rPr lang="en-US" sz="2000" dirty="0"/>
                         <a:t>03/30/2014</a:t>
                       </a:r>
                     </a:p>
@@ -17670,7 +17578,7 @@
                   </a:ext>
                 </a:extLst>
               </a:tr>
-              <a:tr h="593152">
+              <a:tr h="382803">
                 <a:tc>
                   <a:txBody>
                     <a:bodyPr/>
@@ -17694,11 +17602,11 @@
                         <a:defRPr/>
                       </a:pPr>
                       <a:r>
-                        <a:rPr lang="en-US" sz="2800" dirty="0" err="1"/>
+                        <a:rPr lang="en-US" sz="2000" dirty="0" err="1"/>
                         <a:t>yQ</a:t>
                       </a:r>
                       <a:r>
-                        <a:rPr lang="en-US" sz="2800" dirty="0"/>
+                        <a:rPr lang="en-US" sz="2000" dirty="0"/>
                         <a:t>??2gy8t</a:t>
                       </a:r>
                     </a:p>
@@ -17712,7 +17620,7 @@
                     <a:p>
                       <a:pPr algn="r"/>
                       <a:r>
-                        <a:rPr lang="en-US" sz="2800" dirty="0"/>
+                        <a:rPr lang="en-US" sz="2000" dirty="0"/>
                         <a:t>44</a:t>
                       </a:r>
                     </a:p>
@@ -17726,8 +17634,755 @@
                     <a:p>
                       <a:pPr algn="r"/>
                       <a:r>
-                        <a:rPr lang="en-US" sz="2800" dirty="0"/>
+                        <a:rPr lang="en-US" sz="2000" dirty="0"/>
                         <a:t>10/14/2014</a:t>
+                      </a:r>
+                    </a:p>
+                  </a:txBody>
+                  <a:tcPr/>
+                </a:tc>
+                <a:extLst>
+                  <a:ext uri="{0D108BD9-81ED-4DB2-BD59-A6C34878D82A}">
+                    <a16:rowId xmlns:a16="http://schemas.microsoft.com/office/drawing/2014/main" val="2088838681"/>
+                  </a:ext>
+                </a:extLst>
+              </a:tr>
+            </a:tbl>
+          </a:graphicData>
+        </a:graphic>
+      </p:graphicFrame>
+      <p:graphicFrame>
+        <p:nvGraphicFramePr>
+          <p:cNvPr id="9" name="Table 8">
+            <a:extLst>
+              <a:ext uri="{FF2B5EF4-FFF2-40B4-BE49-F238E27FC236}">
+                <a16:creationId xmlns:a16="http://schemas.microsoft.com/office/drawing/2014/main" id="{7315CFC4-2952-3149-99B0-965B0BA39012}"/>
+              </a:ext>
+            </a:extLst>
+          </p:cNvPr>
+          <p:cNvGraphicFramePr>
+            <a:graphicFrameLocks noGrp="1"/>
+          </p:cNvGraphicFramePr>
+          <p:nvPr>
+            <p:extLst>
+              <p:ext uri="{D42A27DB-BD31-4B8C-83A1-F6EECF244321}">
+                <p14:modId xmlns:p14="http://schemas.microsoft.com/office/powerpoint/2010/main" val="4061875999"/>
+              </p:ext>
+            </p:extLst>
+          </p:nvPr>
+        </p:nvGraphicFramePr>
+        <p:xfrm>
+          <a:off x="381000" y="2042160"/>
+          <a:ext cx="4013200" cy="2377440"/>
+        </p:xfrm>
+        <a:graphic>
+          <a:graphicData uri="http://schemas.openxmlformats.org/drawingml/2006/table">
+            <a:tbl>
+              <a:tblPr firstRow="1" bandRow="1">
+                <a:tableStyleId>{5C22544A-7EE6-4342-B048-85BDC9FD1C3A}</a:tableStyleId>
+              </a:tblPr>
+              <a:tblGrid>
+                <a:gridCol w="2006600">
+                  <a:extLst>
+                    <a:ext uri="{9D8B030D-6E8A-4147-A177-3AD203B41FA5}">
+                      <a16:colId xmlns:a16="http://schemas.microsoft.com/office/drawing/2014/main" val="2723209"/>
+                    </a:ext>
+                  </a:extLst>
+                </a:gridCol>
+                <a:gridCol w="2006600">
+                  <a:extLst>
+                    <a:ext uri="{9D8B030D-6E8A-4147-A177-3AD203B41FA5}">
+                      <a16:colId xmlns:a16="http://schemas.microsoft.com/office/drawing/2014/main" val="851576297"/>
+                    </a:ext>
+                  </a:extLst>
+                </a:gridCol>
+              </a:tblGrid>
+              <a:tr h="380399">
+                <a:tc>
+                  <a:txBody>
+                    <a:bodyPr/>
+                    <a:lstStyle/>
+                    <a:p>
+                      <a:pPr algn="ctr"/>
+                      <a:r>
+                        <a:rPr lang="en-US" sz="2000" dirty="0" err="1"/>
+                        <a:t>video_id</a:t>
+                      </a:r>
+                      <a:endParaRPr lang="en-US" sz="2000" dirty="0"/>
+                    </a:p>
+                  </a:txBody>
+                  <a:tcPr/>
+                </a:tc>
+                <a:tc>
+                  <a:txBody>
+                    <a:bodyPr/>
+                    <a:lstStyle/>
+                    <a:p>
+                      <a:pPr algn="ctr"/>
+                      <a:r>
+                        <a:rPr lang="en-US" sz="2000" dirty="0"/>
+                        <a:t>tags</a:t>
+                      </a:r>
+                    </a:p>
+                  </a:txBody>
+                  <a:tcPr/>
+                </a:tc>
+                <a:extLst>
+                  <a:ext uri="{0D108BD9-81ED-4DB2-BD59-A6C34878D82A}">
+                    <a16:rowId xmlns:a16="http://schemas.microsoft.com/office/drawing/2014/main" val="429027036"/>
+                  </a:ext>
+                </a:extLst>
+              </a:tr>
+              <a:tr h="380399">
+                <a:tc>
+                  <a:txBody>
+                    <a:bodyPr/>
+                    <a:lstStyle/>
+                    <a:p>
+                      <a:pPr algn="r"/>
+                      <a:r>
+                        <a:rPr lang="en-US" sz="2000" dirty="0"/>
+                        <a:t>a5$xcyda</a:t>
+                      </a:r>
+                    </a:p>
+                  </a:txBody>
+                  <a:tcPr/>
+                </a:tc>
+                <a:tc>
+                  <a:txBody>
+                    <a:bodyPr/>
+                    <a:lstStyle/>
+                    <a:p>
+                      <a:pPr algn="r"/>
+                      <a:r>
+                        <a:rPr lang="en-US" sz="2000" dirty="0"/>
+                        <a:t>interesting</a:t>
+                      </a:r>
+                    </a:p>
+                  </a:txBody>
+                  <a:tcPr/>
+                </a:tc>
+                <a:extLst>
+                  <a:ext uri="{0D108BD9-81ED-4DB2-BD59-A6C34878D82A}">
+                    <a16:rowId xmlns:a16="http://schemas.microsoft.com/office/drawing/2014/main" val="2719732550"/>
+                  </a:ext>
+                </a:extLst>
+              </a:tr>
+              <a:tr h="380399">
+                <a:tc>
+                  <a:txBody>
+                    <a:bodyPr/>
+                    <a:lstStyle/>
+                    <a:p>
+                      <a:pPr algn="r"/>
+                      <a:r>
+                        <a:rPr lang="en-US" sz="2000" dirty="0"/>
+                        <a:t>xB#2gy8t</a:t>
+                      </a:r>
+                    </a:p>
+                  </a:txBody>
+                  <a:tcPr/>
+                </a:tc>
+                <a:tc>
+                  <a:txBody>
+                    <a:bodyPr/>
+                    <a:lstStyle/>
+                    <a:p>
+                      <a:pPr algn="r"/>
+                      <a:r>
+                        <a:rPr lang="en-US" sz="2000" dirty="0"/>
+                        <a:t>adult</a:t>
+                      </a:r>
+                    </a:p>
+                  </a:txBody>
+                  <a:tcPr/>
+                </a:tc>
+                <a:extLst>
+                  <a:ext uri="{0D108BD9-81ED-4DB2-BD59-A6C34878D82A}">
+                    <a16:rowId xmlns:a16="http://schemas.microsoft.com/office/drawing/2014/main" val="2207789598"/>
+                  </a:ext>
+                </a:extLst>
+              </a:tr>
+              <a:tr h="382803">
+                <a:tc>
+                  <a:txBody>
+                    <a:bodyPr/>
+                    <a:lstStyle/>
+                    <a:p>
+                      <a:pPr marL="0" marR="0" lvl="0" indent="0" algn="r" defTabSz="457200" rtl="0" eaLnBrk="1" fontAlgn="auto" latinLnBrk="0" hangingPunct="1">
+                        <a:lnSpc>
+                          <a:spcPct val="100000"/>
+                        </a:lnSpc>
+                        <a:spcBef>
+                          <a:spcPts val="0"/>
+                        </a:spcBef>
+                        <a:spcAft>
+                          <a:spcPts val="0"/>
+                        </a:spcAft>
+                        <a:buClrTx/>
+                        <a:buSzTx/>
+                        <a:buFontTx/>
+                        <a:buNone/>
+                        <a:tabLst/>
+                        <a:defRPr/>
+                      </a:pPr>
+                      <a:r>
+                        <a:rPr lang="en-US" sz="2000" dirty="0" err="1"/>
+                        <a:t>yQ</a:t>
+                      </a:r>
+                      <a:r>
+                        <a:rPr lang="en-US" sz="2000" dirty="0"/>
+                        <a:t>??2gy8t</a:t>
+                      </a:r>
+                    </a:p>
+                  </a:txBody>
+                  <a:tcPr/>
+                </a:tc>
+                <a:tc>
+                  <a:txBody>
+                    <a:bodyPr/>
+                    <a:lstStyle/>
+                    <a:p>
+                      <a:pPr algn="r"/>
+                      <a:r>
+                        <a:rPr lang="en-US" sz="2000" dirty="0"/>
+                        <a:t>interesting</a:t>
+                      </a:r>
+                    </a:p>
+                  </a:txBody>
+                  <a:tcPr/>
+                </a:tc>
+                <a:extLst>
+                  <a:ext uri="{0D108BD9-81ED-4DB2-BD59-A6C34878D82A}">
+                    <a16:rowId xmlns:a16="http://schemas.microsoft.com/office/drawing/2014/main" val="2088838681"/>
+                  </a:ext>
+                </a:extLst>
+              </a:tr>
+              <a:tr h="382803">
+                <a:tc>
+                  <a:txBody>
+                    <a:bodyPr/>
+                    <a:lstStyle/>
+                    <a:p>
+                      <a:pPr marL="0" marR="0" lvl="0" indent="0" algn="r" defTabSz="457200" rtl="0" eaLnBrk="1" fontAlgn="auto" latinLnBrk="0" hangingPunct="1">
+                        <a:lnSpc>
+                          <a:spcPct val="100000"/>
+                        </a:lnSpc>
+                        <a:spcBef>
+                          <a:spcPts val="0"/>
+                        </a:spcBef>
+                        <a:spcAft>
+                          <a:spcPts val="0"/>
+                        </a:spcAft>
+                        <a:buClrTx/>
+                        <a:buSzTx/>
+                        <a:buFontTx/>
+                        <a:buNone/>
+                        <a:tabLst/>
+                        <a:defRPr/>
+                      </a:pPr>
+                      <a:r>
+                        <a:rPr lang="en-US" sz="2000" dirty="0"/>
+                        <a:t>a5$xcyda</a:t>
+                      </a:r>
+                    </a:p>
+                  </a:txBody>
+                  <a:tcPr/>
+                </a:tc>
+                <a:tc>
+                  <a:txBody>
+                    <a:bodyPr/>
+                    <a:lstStyle/>
+                    <a:p>
+                      <a:pPr algn="r"/>
+                      <a:r>
+                        <a:rPr lang="en-US" sz="2000" dirty="0"/>
+                        <a:t>adult</a:t>
+                      </a:r>
+                    </a:p>
+                  </a:txBody>
+                  <a:tcPr/>
+                </a:tc>
+                <a:extLst>
+                  <a:ext uri="{0D108BD9-81ED-4DB2-BD59-A6C34878D82A}">
+                    <a16:rowId xmlns:a16="http://schemas.microsoft.com/office/drawing/2014/main" val="3865766424"/>
+                  </a:ext>
+                </a:extLst>
+              </a:tr>
+              <a:tr h="382803">
+                <a:tc>
+                  <a:txBody>
+                    <a:bodyPr/>
+                    <a:lstStyle/>
+                    <a:p>
+                      <a:pPr marL="0" marR="0" lvl="0" indent="0" algn="r" defTabSz="457200" rtl="0" eaLnBrk="1" fontAlgn="auto" latinLnBrk="0" hangingPunct="1">
+                        <a:lnSpc>
+                          <a:spcPct val="100000"/>
+                        </a:lnSpc>
+                        <a:spcBef>
+                          <a:spcPts val="0"/>
+                        </a:spcBef>
+                        <a:spcAft>
+                          <a:spcPts val="0"/>
+                        </a:spcAft>
+                        <a:buClrTx/>
+                        <a:buSzTx/>
+                        <a:buFontTx/>
+                        <a:buNone/>
+                        <a:tabLst/>
+                        <a:defRPr/>
+                      </a:pPr>
+                      <a:r>
+                        <a:rPr lang="en-US" sz="2000" dirty="0"/>
+                        <a:t>Ax$$%34</a:t>
+                      </a:r>
+                    </a:p>
+                  </a:txBody>
+                  <a:tcPr/>
+                </a:tc>
+                <a:tc>
+                  <a:txBody>
+                    <a:bodyPr/>
+                    <a:lstStyle/>
+                    <a:p>
+                      <a:pPr algn="r"/>
+                      <a:r>
+                        <a:rPr lang="en-US" sz="2000" dirty="0"/>
+                        <a:t>interesting</a:t>
+                      </a:r>
+                    </a:p>
+                  </a:txBody>
+                  <a:tcPr/>
+                </a:tc>
+                <a:extLst>
+                  <a:ext uri="{0D108BD9-81ED-4DB2-BD59-A6C34878D82A}">
+                    <a16:rowId xmlns:a16="http://schemas.microsoft.com/office/drawing/2014/main" val="3568200174"/>
+                  </a:ext>
+                </a:extLst>
+              </a:tr>
+            </a:tbl>
+          </a:graphicData>
+        </a:graphic>
+      </p:graphicFrame>
+      <p:graphicFrame>
+        <p:nvGraphicFramePr>
+          <p:cNvPr id="11" name="Table 10">
+            <a:extLst>
+              <a:ext uri="{FF2B5EF4-FFF2-40B4-BE49-F238E27FC236}">
+                <a16:creationId xmlns:a16="http://schemas.microsoft.com/office/drawing/2014/main" id="{3E66CB7C-FACA-5D45-AC47-C01CD4A5CC9C}"/>
+              </a:ext>
+            </a:extLst>
+          </p:cNvPr>
+          <p:cNvGraphicFramePr>
+            <a:graphicFrameLocks noGrp="1"/>
+          </p:cNvGraphicFramePr>
+          <p:nvPr>
+            <p:extLst>
+              <p:ext uri="{D42A27DB-BD31-4B8C-83A1-F6EECF244321}">
+                <p14:modId xmlns:p14="http://schemas.microsoft.com/office/powerpoint/2010/main" val="787283339"/>
+              </p:ext>
+            </p:extLst>
+          </p:nvPr>
+        </p:nvGraphicFramePr>
+        <p:xfrm>
+          <a:off x="457200" y="4495800"/>
+          <a:ext cx="6934200" cy="1981200"/>
+        </p:xfrm>
+        <a:graphic>
+          <a:graphicData uri="http://schemas.openxmlformats.org/drawingml/2006/table">
+            <a:tbl>
+              <a:tblPr firstRow="1" bandRow="1">
+                <a:tableStyleId>{5C22544A-7EE6-4342-B048-85BDC9FD1C3A}</a:tableStyleId>
+              </a:tblPr>
+              <a:tblGrid>
+                <a:gridCol w="1733550">
+                  <a:extLst>
+                    <a:ext uri="{9D8B030D-6E8A-4147-A177-3AD203B41FA5}">
+                      <a16:colId xmlns:a16="http://schemas.microsoft.com/office/drawing/2014/main" val="2723209"/>
+                    </a:ext>
+                  </a:extLst>
+                </a:gridCol>
+                <a:gridCol w="1733550">
+                  <a:extLst>
+                    <a:ext uri="{9D8B030D-6E8A-4147-A177-3AD203B41FA5}">
+                      <a16:colId xmlns:a16="http://schemas.microsoft.com/office/drawing/2014/main" val="851576297"/>
+                    </a:ext>
+                  </a:extLst>
+                </a:gridCol>
+                <a:gridCol w="1733550">
+                  <a:extLst>
+                    <a:ext uri="{9D8B030D-6E8A-4147-A177-3AD203B41FA5}">
+                      <a16:colId xmlns:a16="http://schemas.microsoft.com/office/drawing/2014/main" val="1773334228"/>
+                    </a:ext>
+                  </a:extLst>
+                </a:gridCol>
+                <a:gridCol w="1733550">
+                  <a:extLst>
+                    <a:ext uri="{9D8B030D-6E8A-4147-A177-3AD203B41FA5}">
+                      <a16:colId xmlns:a16="http://schemas.microsoft.com/office/drawing/2014/main" val="531544563"/>
+                    </a:ext>
+                  </a:extLst>
+                </a:gridCol>
+              </a:tblGrid>
+              <a:tr h="380399">
+                <a:tc>
+                  <a:txBody>
+                    <a:bodyPr/>
+                    <a:lstStyle/>
+                    <a:p>
+                      <a:pPr algn="ctr"/>
+                      <a:r>
+                        <a:rPr lang="en-US" sz="2000" dirty="0" err="1"/>
+                        <a:t>video_id</a:t>
+                      </a:r>
+                      <a:endParaRPr lang="en-US" sz="2000" dirty="0"/>
+                    </a:p>
+                  </a:txBody>
+                  <a:tcPr/>
+                </a:tc>
+                <a:tc>
+                  <a:txBody>
+                    <a:bodyPr/>
+                    <a:lstStyle/>
+                    <a:p>
+                      <a:pPr algn="ctr"/>
+                      <a:r>
+                        <a:rPr lang="en-US" sz="2000" dirty="0" err="1"/>
+                        <a:t>category_id</a:t>
+                      </a:r>
+                      <a:endParaRPr lang="en-US" sz="2000" dirty="0"/>
+                    </a:p>
+                  </a:txBody>
+                  <a:tcPr/>
+                </a:tc>
+                <a:tc>
+                  <a:txBody>
+                    <a:bodyPr/>
+                    <a:lstStyle/>
+                    <a:p>
+                      <a:pPr algn="ctr"/>
+                      <a:r>
+                        <a:rPr lang="en-US" sz="2000" dirty="0" err="1"/>
+                        <a:t>trending_date</a:t>
+                      </a:r>
+                      <a:endParaRPr lang="en-US" sz="2000" dirty="0"/>
+                    </a:p>
+                  </a:txBody>
+                  <a:tcPr/>
+                </a:tc>
+                <a:tc>
+                  <a:txBody>
+                    <a:bodyPr/>
+                    <a:lstStyle/>
+                    <a:p>
+                      <a:pPr algn="ctr"/>
+                      <a:r>
+                        <a:rPr lang="en-US" sz="2000" dirty="0"/>
+                        <a:t>tags</a:t>
+                      </a:r>
+                    </a:p>
+                  </a:txBody>
+                  <a:tcPr/>
+                </a:tc>
+                <a:extLst>
+                  <a:ext uri="{0D108BD9-81ED-4DB2-BD59-A6C34878D82A}">
+                    <a16:rowId xmlns:a16="http://schemas.microsoft.com/office/drawing/2014/main" val="429027036"/>
+                  </a:ext>
+                </a:extLst>
+              </a:tr>
+              <a:tr h="380399">
+                <a:tc>
+                  <a:txBody>
+                    <a:bodyPr/>
+                    <a:lstStyle/>
+                    <a:p>
+                      <a:pPr algn="r"/>
+                      <a:r>
+                        <a:rPr lang="en-US" sz="2000" dirty="0"/>
+                        <a:t>a5$xcyda</a:t>
+                      </a:r>
+                    </a:p>
+                  </a:txBody>
+                  <a:tcPr/>
+                </a:tc>
+                <a:tc>
+                  <a:txBody>
+                    <a:bodyPr/>
+                    <a:lstStyle/>
+                    <a:p>
+                      <a:pPr algn="r"/>
+                      <a:r>
+                        <a:rPr lang="en-US" sz="2000" dirty="0"/>
+                        <a:t>33</a:t>
+                      </a:r>
+                    </a:p>
+                  </a:txBody>
+                  <a:tcPr/>
+                </a:tc>
+                <a:tc>
+                  <a:txBody>
+                    <a:bodyPr/>
+                    <a:lstStyle/>
+                    <a:p>
+                      <a:pPr algn="r"/>
+                      <a:r>
+                        <a:rPr lang="en-US" sz="2000" dirty="0"/>
+                        <a:t>02/01/2015</a:t>
+                      </a:r>
+                    </a:p>
+                  </a:txBody>
+                  <a:tcPr/>
+                </a:tc>
+                <a:tc>
+                  <a:txBody>
+                    <a:bodyPr/>
+                    <a:lstStyle/>
+                    <a:p>
+                      <a:pPr algn="r"/>
+                      <a:r>
+                        <a:rPr lang="en-US" sz="2000" dirty="0"/>
+                        <a:t>Interesting</a:t>
+                      </a:r>
+                    </a:p>
+                  </a:txBody>
+                  <a:tcPr/>
+                </a:tc>
+                <a:extLst>
+                  <a:ext uri="{0D108BD9-81ED-4DB2-BD59-A6C34878D82A}">
+                    <a16:rowId xmlns:a16="http://schemas.microsoft.com/office/drawing/2014/main" val="2719732550"/>
+                  </a:ext>
+                </a:extLst>
+              </a:tr>
+              <a:tr h="380399">
+                <a:tc>
+                  <a:txBody>
+                    <a:bodyPr/>
+                    <a:lstStyle/>
+                    <a:p>
+                      <a:pPr marL="0" marR="0" lvl="0" indent="0" algn="r" defTabSz="457200" rtl="0" eaLnBrk="1" fontAlgn="auto" latinLnBrk="0" hangingPunct="1">
+                        <a:lnSpc>
+                          <a:spcPct val="100000"/>
+                        </a:lnSpc>
+                        <a:spcBef>
+                          <a:spcPts val="0"/>
+                        </a:spcBef>
+                        <a:spcAft>
+                          <a:spcPts val="0"/>
+                        </a:spcAft>
+                        <a:buClrTx/>
+                        <a:buSzTx/>
+                        <a:buFontTx/>
+                        <a:buNone/>
+                        <a:tabLst/>
+                        <a:defRPr/>
+                      </a:pPr>
+                      <a:r>
+                        <a:rPr lang="en-US" sz="2000" dirty="0"/>
+                        <a:t>a5$xcyda</a:t>
+                      </a:r>
+                    </a:p>
+                  </a:txBody>
+                  <a:tcPr/>
+                </a:tc>
+                <a:tc>
+                  <a:txBody>
+                    <a:bodyPr/>
+                    <a:lstStyle/>
+                    <a:p>
+                      <a:pPr algn="r"/>
+                      <a:r>
+                        <a:rPr lang="en-US" sz="2000" dirty="0"/>
+                        <a:t>33</a:t>
+                      </a:r>
+                    </a:p>
+                  </a:txBody>
+                  <a:tcPr/>
+                </a:tc>
+                <a:tc>
+                  <a:txBody>
+                    <a:bodyPr/>
+                    <a:lstStyle/>
+                    <a:p>
+                      <a:pPr marL="0" marR="0" lvl="0" indent="0" algn="r" defTabSz="457200" rtl="0" eaLnBrk="1" fontAlgn="auto" latinLnBrk="0" hangingPunct="1">
+                        <a:lnSpc>
+                          <a:spcPct val="100000"/>
+                        </a:lnSpc>
+                        <a:spcBef>
+                          <a:spcPts val="0"/>
+                        </a:spcBef>
+                        <a:spcAft>
+                          <a:spcPts val="0"/>
+                        </a:spcAft>
+                        <a:buClrTx/>
+                        <a:buSzTx/>
+                        <a:buFontTx/>
+                        <a:buNone/>
+                        <a:tabLst/>
+                        <a:defRPr/>
+                      </a:pPr>
+                      <a:r>
+                        <a:rPr lang="en-US" sz="2000" dirty="0"/>
+                        <a:t>02/01/2015</a:t>
+                      </a:r>
+                    </a:p>
+                  </a:txBody>
+                  <a:tcPr/>
+                </a:tc>
+                <a:tc>
+                  <a:txBody>
+                    <a:bodyPr/>
+                    <a:lstStyle/>
+                    <a:p>
+                      <a:pPr algn="r"/>
+                      <a:r>
+                        <a:rPr lang="en-US" sz="2000" dirty="0"/>
+                        <a:t>adult</a:t>
+                      </a:r>
+                    </a:p>
+                  </a:txBody>
+                  <a:tcPr/>
+                </a:tc>
+                <a:extLst>
+                  <a:ext uri="{0D108BD9-81ED-4DB2-BD59-A6C34878D82A}">
+                    <a16:rowId xmlns:a16="http://schemas.microsoft.com/office/drawing/2014/main" val="2583721148"/>
+                  </a:ext>
+                </a:extLst>
+              </a:tr>
+              <a:tr h="380399">
+                <a:tc>
+                  <a:txBody>
+                    <a:bodyPr/>
+                    <a:lstStyle/>
+                    <a:p>
+                      <a:pPr algn="r"/>
+                      <a:r>
+                        <a:rPr lang="en-US" sz="2000" dirty="0"/>
+                        <a:t>xB#2gy8t</a:t>
+                      </a:r>
+                    </a:p>
+                  </a:txBody>
+                  <a:tcPr/>
+                </a:tc>
+                <a:tc>
+                  <a:txBody>
+                    <a:bodyPr/>
+                    <a:lstStyle/>
+                    <a:p>
+                      <a:pPr algn="r"/>
+                      <a:r>
+                        <a:rPr lang="en-US" sz="2000" dirty="0"/>
+                        <a:t>12</a:t>
+                      </a:r>
+                    </a:p>
+                  </a:txBody>
+                  <a:tcPr/>
+                </a:tc>
+                <a:tc>
+                  <a:txBody>
+                    <a:bodyPr/>
+                    <a:lstStyle/>
+                    <a:p>
+                      <a:pPr algn="r"/>
+                      <a:r>
+                        <a:rPr lang="en-US" sz="2000" dirty="0"/>
+                        <a:t>03/30/2014</a:t>
+                      </a:r>
+                    </a:p>
+                  </a:txBody>
+                  <a:tcPr/>
+                </a:tc>
+                <a:tc>
+                  <a:txBody>
+                    <a:bodyPr/>
+                    <a:lstStyle/>
+                    <a:p>
+                      <a:pPr algn="r"/>
+                      <a:r>
+                        <a:rPr lang="en-US" sz="2000" dirty="0"/>
+                        <a:t>adult</a:t>
+                      </a:r>
+                    </a:p>
+                  </a:txBody>
+                  <a:tcPr/>
+                </a:tc>
+                <a:extLst>
+                  <a:ext uri="{0D108BD9-81ED-4DB2-BD59-A6C34878D82A}">
+                    <a16:rowId xmlns:a16="http://schemas.microsoft.com/office/drawing/2014/main" val="2207789598"/>
+                  </a:ext>
+                </a:extLst>
+              </a:tr>
+              <a:tr h="382803">
+                <a:tc>
+                  <a:txBody>
+                    <a:bodyPr/>
+                    <a:lstStyle/>
+                    <a:p>
+                      <a:pPr marL="0" marR="0" lvl="0" indent="0" algn="r" defTabSz="457200" rtl="0" eaLnBrk="1" fontAlgn="auto" latinLnBrk="0" hangingPunct="1">
+                        <a:lnSpc>
+                          <a:spcPct val="100000"/>
+                        </a:lnSpc>
+                        <a:spcBef>
+                          <a:spcPts val="0"/>
+                        </a:spcBef>
+                        <a:spcAft>
+                          <a:spcPts val="0"/>
+                        </a:spcAft>
+                        <a:buClrTx/>
+                        <a:buSzTx/>
+                        <a:buFontTx/>
+                        <a:buNone/>
+                        <a:tabLst/>
+                        <a:defRPr/>
+                      </a:pPr>
+                      <a:r>
+                        <a:rPr lang="en-US" sz="2000" dirty="0" err="1"/>
+                        <a:t>yQ</a:t>
+                      </a:r>
+                      <a:r>
+                        <a:rPr lang="en-US" sz="2000" dirty="0"/>
+                        <a:t>??2gy8t</a:t>
+                      </a:r>
+                    </a:p>
+                  </a:txBody>
+                  <a:tcPr/>
+                </a:tc>
+                <a:tc>
+                  <a:txBody>
+                    <a:bodyPr/>
+                    <a:lstStyle/>
+                    <a:p>
+                      <a:pPr algn="r"/>
+                      <a:r>
+                        <a:rPr lang="en-US" sz="2000" dirty="0"/>
+                        <a:t>44</a:t>
+                      </a:r>
+                    </a:p>
+                  </a:txBody>
+                  <a:tcPr/>
+                </a:tc>
+                <a:tc>
+                  <a:txBody>
+                    <a:bodyPr/>
+                    <a:lstStyle/>
+                    <a:p>
+                      <a:pPr algn="r"/>
+                      <a:r>
+                        <a:rPr lang="en-US" sz="2000" dirty="0"/>
+                        <a:t>10/14/2014</a:t>
+                      </a:r>
+                    </a:p>
+                  </a:txBody>
+                  <a:tcPr/>
+                </a:tc>
+                <a:tc>
+                  <a:txBody>
+                    <a:bodyPr/>
+                    <a:lstStyle/>
+                    <a:p>
+                      <a:pPr algn="r"/>
+                      <a:r>
+                        <a:rPr lang="en-US" sz="2000" dirty="0"/>
+                        <a:t>interesting</a:t>
                       </a:r>
                     </a:p>
                   </a:txBody>
@@ -17787,11 +18442,7 @@
                                           </p:stCondLst>
                                         </p:cTn>
                                         <p:tgtEl>
-                                          <p:spTgt spid="5">
-                                            <p:txEl>
-                                              <p:pRg st="0" end="0"/>
-                                            </p:txEl>
-                                          </p:spTgt>
+                                          <p:spTgt spid="9"/>
                                         </p:tgtEl>
                                         <p:attrNameLst>
                                           <p:attrName>style.visibility</p:attrName>
@@ -17836,11 +18487,7 @@
                                           </p:stCondLst>
                                         </p:cTn>
                                         <p:tgtEl>
-                                          <p:spTgt spid="5">
-                                            <p:txEl>
-                                              <p:pRg st="1" end="1"/>
-                                            </p:txEl>
-                                          </p:spTgt>
+                                          <p:spTgt spid="11"/>
                                         </p:tgtEl>
                                         <p:attrNameLst>
                                           <p:attrName>style.visibility</p:attrName>
@@ -18124,6 +18771,39 @@
       </p:sp>
       <p:sp>
         <p:nvSpPr>
+          <p:cNvPr id="5" name="Content Placeholder 4">
+            <a:extLst>
+              <a:ext uri="{FF2B5EF4-FFF2-40B4-BE49-F238E27FC236}">
+                <a16:creationId xmlns:a16="http://schemas.microsoft.com/office/drawing/2014/main" id="{69B71F55-85A7-E648-A9DB-0816E0EE0C89}"/>
+              </a:ext>
+            </a:extLst>
+          </p:cNvPr>
+          <p:cNvSpPr>
+            <a:spLocks noGrp="1"/>
+          </p:cNvSpPr>
+          <p:nvPr>
+            <p:ph idx="1"/>
+          </p:nvPr>
+        </p:nvSpPr>
+        <p:spPr>
+          <a:xfrm>
+            <a:off x="457200" y="1371601"/>
+            <a:ext cx="8229600" cy="1371600"/>
+          </a:xfrm>
+        </p:spPr>
+        <p:txBody>
+          <a:bodyPr/>
+          <a:lstStyle/>
+          <a:p>
+            <a:r>
+              <a:rPr lang="en-US" dirty="0"/>
+              <a:t>A foreign key is a column in one table that is a key for another table.</a:t>
+            </a:r>
+          </a:p>
+        </p:txBody>
+      </p:sp>
+      <p:sp>
+        <p:nvSpPr>
           <p:cNvPr id="3" name="Footer Placeholder 2">
             <a:extLst>
               <a:ext uri="{FF2B5EF4-FFF2-40B4-BE49-F238E27FC236}">
@@ -18185,6 +18865,640 @@
               <a:t>16</a:t>
             </a:fld>
             <a:endParaRPr lang="en-US" altLang="x-none"/>
+          </a:p>
+        </p:txBody>
+      </p:sp>
+      <p:graphicFrame>
+        <p:nvGraphicFramePr>
+          <p:cNvPr id="6" name="Table 5">
+            <a:extLst>
+              <a:ext uri="{FF2B5EF4-FFF2-40B4-BE49-F238E27FC236}">
+                <a16:creationId xmlns:a16="http://schemas.microsoft.com/office/drawing/2014/main" id="{B01414A9-B592-8E4B-80D9-9A66C949EC58}"/>
+              </a:ext>
+            </a:extLst>
+          </p:cNvPr>
+          <p:cNvGraphicFramePr>
+            <a:graphicFrameLocks noGrp="1"/>
+          </p:cNvGraphicFramePr>
+          <p:nvPr>
+            <p:extLst>
+              <p:ext uri="{D42A27DB-BD31-4B8C-83A1-F6EECF244321}">
+                <p14:modId xmlns:p14="http://schemas.microsoft.com/office/powerpoint/2010/main" val="3619793969"/>
+              </p:ext>
+            </p:extLst>
+          </p:nvPr>
+        </p:nvGraphicFramePr>
+        <p:xfrm>
+          <a:off x="609600" y="2819400"/>
+          <a:ext cx="6019800" cy="1584960"/>
+        </p:xfrm>
+        <a:graphic>
+          <a:graphicData uri="http://schemas.openxmlformats.org/drawingml/2006/table">
+            <a:tbl>
+              <a:tblPr firstRow="1" bandRow="1">
+                <a:tableStyleId>{5C22544A-7EE6-4342-B048-85BDC9FD1C3A}</a:tableStyleId>
+              </a:tblPr>
+              <a:tblGrid>
+                <a:gridCol w="2006600">
+                  <a:extLst>
+                    <a:ext uri="{9D8B030D-6E8A-4147-A177-3AD203B41FA5}">
+                      <a16:colId xmlns:a16="http://schemas.microsoft.com/office/drawing/2014/main" val="2723209"/>
+                    </a:ext>
+                  </a:extLst>
+                </a:gridCol>
+                <a:gridCol w="2006600">
+                  <a:extLst>
+                    <a:ext uri="{9D8B030D-6E8A-4147-A177-3AD203B41FA5}">
+                      <a16:colId xmlns:a16="http://schemas.microsoft.com/office/drawing/2014/main" val="851576297"/>
+                    </a:ext>
+                  </a:extLst>
+                </a:gridCol>
+                <a:gridCol w="2006600">
+                  <a:extLst>
+                    <a:ext uri="{9D8B030D-6E8A-4147-A177-3AD203B41FA5}">
+                      <a16:colId xmlns:a16="http://schemas.microsoft.com/office/drawing/2014/main" val="1773334228"/>
+                    </a:ext>
+                  </a:extLst>
+                </a:gridCol>
+              </a:tblGrid>
+              <a:tr h="380399">
+                <a:tc>
+                  <a:txBody>
+                    <a:bodyPr/>
+                    <a:lstStyle/>
+                    <a:p>
+                      <a:r>
+                        <a:rPr lang="en-US" sz="2000" dirty="0" err="1"/>
+                        <a:t>video_id</a:t>
+                      </a:r>
+                      <a:endParaRPr lang="en-US" sz="2000" dirty="0"/>
+                    </a:p>
+                  </a:txBody>
+                  <a:tcPr/>
+                </a:tc>
+                <a:tc>
+                  <a:txBody>
+                    <a:bodyPr/>
+                    <a:lstStyle/>
+                    <a:p>
+                      <a:r>
+                        <a:rPr lang="en-US" sz="2000" dirty="0" err="1"/>
+                        <a:t>category_id</a:t>
+                      </a:r>
+                      <a:endParaRPr lang="en-US" sz="2000" dirty="0"/>
+                    </a:p>
+                  </a:txBody>
+                  <a:tcPr/>
+                </a:tc>
+                <a:tc>
+                  <a:txBody>
+                    <a:bodyPr/>
+                    <a:lstStyle/>
+                    <a:p>
+                      <a:r>
+                        <a:rPr lang="en-US" sz="2000" dirty="0" err="1"/>
+                        <a:t>trending_date</a:t>
+                      </a:r>
+                      <a:endParaRPr lang="en-US" sz="2000" dirty="0"/>
+                    </a:p>
+                  </a:txBody>
+                  <a:tcPr/>
+                </a:tc>
+                <a:extLst>
+                  <a:ext uri="{0D108BD9-81ED-4DB2-BD59-A6C34878D82A}">
+                    <a16:rowId xmlns:a16="http://schemas.microsoft.com/office/drawing/2014/main" val="429027036"/>
+                  </a:ext>
+                </a:extLst>
+              </a:tr>
+              <a:tr h="380399">
+                <a:tc>
+                  <a:txBody>
+                    <a:bodyPr/>
+                    <a:lstStyle/>
+                    <a:p>
+                      <a:pPr algn="r"/>
+                      <a:r>
+                        <a:rPr lang="en-US" sz="2000" dirty="0"/>
+                        <a:t>a5$xcyda</a:t>
+                      </a:r>
+                    </a:p>
+                  </a:txBody>
+                  <a:tcPr/>
+                </a:tc>
+                <a:tc>
+                  <a:txBody>
+                    <a:bodyPr/>
+                    <a:lstStyle/>
+                    <a:p>
+                      <a:pPr algn="r"/>
+                      <a:r>
+                        <a:rPr lang="en-US" sz="2000" dirty="0"/>
+                        <a:t>33</a:t>
+                      </a:r>
+                    </a:p>
+                  </a:txBody>
+                  <a:tcPr/>
+                </a:tc>
+                <a:tc>
+                  <a:txBody>
+                    <a:bodyPr/>
+                    <a:lstStyle/>
+                    <a:p>
+                      <a:pPr algn="r"/>
+                      <a:r>
+                        <a:rPr lang="en-US" sz="2000" dirty="0"/>
+                        <a:t>02/01/2015</a:t>
+                      </a:r>
+                    </a:p>
+                  </a:txBody>
+                  <a:tcPr/>
+                </a:tc>
+                <a:extLst>
+                  <a:ext uri="{0D108BD9-81ED-4DB2-BD59-A6C34878D82A}">
+                    <a16:rowId xmlns:a16="http://schemas.microsoft.com/office/drawing/2014/main" val="2719732550"/>
+                  </a:ext>
+                </a:extLst>
+              </a:tr>
+              <a:tr h="380399">
+                <a:tc>
+                  <a:txBody>
+                    <a:bodyPr/>
+                    <a:lstStyle/>
+                    <a:p>
+                      <a:pPr algn="r"/>
+                      <a:r>
+                        <a:rPr lang="en-US" sz="2000" dirty="0"/>
+                        <a:t>xB#2gy8t</a:t>
+                      </a:r>
+                    </a:p>
+                  </a:txBody>
+                  <a:tcPr/>
+                </a:tc>
+                <a:tc>
+                  <a:txBody>
+                    <a:bodyPr/>
+                    <a:lstStyle/>
+                    <a:p>
+                      <a:pPr algn="r"/>
+                      <a:r>
+                        <a:rPr lang="en-US" sz="2000" dirty="0"/>
+                        <a:t>12</a:t>
+                      </a:r>
+                    </a:p>
+                  </a:txBody>
+                  <a:tcPr/>
+                </a:tc>
+                <a:tc>
+                  <a:txBody>
+                    <a:bodyPr/>
+                    <a:lstStyle/>
+                    <a:p>
+                      <a:pPr algn="r"/>
+                      <a:r>
+                        <a:rPr lang="en-US" sz="2000" dirty="0"/>
+                        <a:t>03/30/2014</a:t>
+                      </a:r>
+                    </a:p>
+                  </a:txBody>
+                  <a:tcPr/>
+                </a:tc>
+                <a:extLst>
+                  <a:ext uri="{0D108BD9-81ED-4DB2-BD59-A6C34878D82A}">
+                    <a16:rowId xmlns:a16="http://schemas.microsoft.com/office/drawing/2014/main" val="2207789598"/>
+                  </a:ext>
+                </a:extLst>
+              </a:tr>
+              <a:tr h="382803">
+                <a:tc>
+                  <a:txBody>
+                    <a:bodyPr/>
+                    <a:lstStyle/>
+                    <a:p>
+                      <a:pPr marL="0" marR="0" lvl="0" indent="0" algn="r" defTabSz="457200" rtl="0" eaLnBrk="1" fontAlgn="auto" latinLnBrk="0" hangingPunct="1">
+                        <a:lnSpc>
+                          <a:spcPct val="100000"/>
+                        </a:lnSpc>
+                        <a:spcBef>
+                          <a:spcPts val="0"/>
+                        </a:spcBef>
+                        <a:spcAft>
+                          <a:spcPts val="0"/>
+                        </a:spcAft>
+                        <a:buClrTx/>
+                        <a:buSzTx/>
+                        <a:buFontTx/>
+                        <a:buNone/>
+                        <a:tabLst/>
+                        <a:defRPr/>
+                      </a:pPr>
+                      <a:r>
+                        <a:rPr lang="en-US" sz="2000" dirty="0" err="1"/>
+                        <a:t>yQ</a:t>
+                      </a:r>
+                      <a:r>
+                        <a:rPr lang="en-US" sz="2000" dirty="0"/>
+                        <a:t>??2gy8t</a:t>
+                      </a:r>
+                    </a:p>
+                  </a:txBody>
+                  <a:tcPr/>
+                </a:tc>
+                <a:tc>
+                  <a:txBody>
+                    <a:bodyPr/>
+                    <a:lstStyle/>
+                    <a:p>
+                      <a:pPr algn="r"/>
+                      <a:r>
+                        <a:rPr lang="en-US" sz="2000" dirty="0"/>
+                        <a:t>44</a:t>
+                      </a:r>
+                    </a:p>
+                  </a:txBody>
+                  <a:tcPr/>
+                </a:tc>
+                <a:tc>
+                  <a:txBody>
+                    <a:bodyPr/>
+                    <a:lstStyle/>
+                    <a:p>
+                      <a:pPr algn="r"/>
+                      <a:r>
+                        <a:rPr lang="en-US" sz="2000" dirty="0"/>
+                        <a:t>10/14/2014</a:t>
+                      </a:r>
+                    </a:p>
+                  </a:txBody>
+                  <a:tcPr/>
+                </a:tc>
+                <a:extLst>
+                  <a:ext uri="{0D108BD9-81ED-4DB2-BD59-A6C34878D82A}">
+                    <a16:rowId xmlns:a16="http://schemas.microsoft.com/office/drawing/2014/main" val="2088838681"/>
+                  </a:ext>
+                </a:extLst>
+              </a:tr>
+            </a:tbl>
+          </a:graphicData>
+        </a:graphic>
+      </p:graphicFrame>
+      <p:graphicFrame>
+        <p:nvGraphicFramePr>
+          <p:cNvPr id="7" name="Table 6">
+            <a:extLst>
+              <a:ext uri="{FF2B5EF4-FFF2-40B4-BE49-F238E27FC236}">
+                <a16:creationId xmlns:a16="http://schemas.microsoft.com/office/drawing/2014/main" id="{24E9B83B-CBAB-CC4F-AD01-3156FE40327D}"/>
+              </a:ext>
+            </a:extLst>
+          </p:cNvPr>
+          <p:cNvGraphicFramePr>
+            <a:graphicFrameLocks noGrp="1"/>
+          </p:cNvGraphicFramePr>
+          <p:nvPr>
+            <p:extLst>
+              <p:ext uri="{D42A27DB-BD31-4B8C-83A1-F6EECF244321}">
+                <p14:modId xmlns:p14="http://schemas.microsoft.com/office/powerpoint/2010/main" val="1244661250"/>
+              </p:ext>
+            </p:extLst>
+          </p:nvPr>
+        </p:nvGraphicFramePr>
+        <p:xfrm>
+          <a:off x="533400" y="4968240"/>
+          <a:ext cx="6019800" cy="1584960"/>
+        </p:xfrm>
+        <a:graphic>
+          <a:graphicData uri="http://schemas.openxmlformats.org/drawingml/2006/table">
+            <a:tbl>
+              <a:tblPr firstRow="1" bandRow="1">
+                <a:tableStyleId>{5C22544A-7EE6-4342-B048-85BDC9FD1C3A}</a:tableStyleId>
+              </a:tblPr>
+              <a:tblGrid>
+                <a:gridCol w="2006600">
+                  <a:extLst>
+                    <a:ext uri="{9D8B030D-6E8A-4147-A177-3AD203B41FA5}">
+                      <a16:colId xmlns:a16="http://schemas.microsoft.com/office/drawing/2014/main" val="2723209"/>
+                    </a:ext>
+                  </a:extLst>
+                </a:gridCol>
+                <a:gridCol w="2006600">
+                  <a:extLst>
+                    <a:ext uri="{9D8B030D-6E8A-4147-A177-3AD203B41FA5}">
+                      <a16:colId xmlns:a16="http://schemas.microsoft.com/office/drawing/2014/main" val="851576297"/>
+                    </a:ext>
+                  </a:extLst>
+                </a:gridCol>
+                <a:gridCol w="2006600">
+                  <a:extLst>
+                    <a:ext uri="{9D8B030D-6E8A-4147-A177-3AD203B41FA5}">
+                      <a16:colId xmlns:a16="http://schemas.microsoft.com/office/drawing/2014/main" val="1773334228"/>
+                    </a:ext>
+                  </a:extLst>
+                </a:gridCol>
+              </a:tblGrid>
+              <a:tr h="380399">
+                <a:tc>
+                  <a:txBody>
+                    <a:bodyPr/>
+                    <a:lstStyle/>
+                    <a:p>
+                      <a:r>
+                        <a:rPr lang="en-US" sz="2000" dirty="0" err="1"/>
+                        <a:t>video_id</a:t>
+                      </a:r>
+                      <a:endParaRPr lang="en-US" sz="2000" dirty="0"/>
+                    </a:p>
+                  </a:txBody>
+                  <a:tcPr/>
+                </a:tc>
+                <a:tc>
+                  <a:txBody>
+                    <a:bodyPr/>
+                    <a:lstStyle/>
+                    <a:p>
+                      <a:r>
+                        <a:rPr lang="en-US" sz="2000" dirty="0" err="1"/>
+                        <a:t>category_id</a:t>
+                      </a:r>
+                      <a:endParaRPr lang="en-US" sz="2000" dirty="0"/>
+                    </a:p>
+                  </a:txBody>
+                  <a:tcPr/>
+                </a:tc>
+                <a:tc>
+                  <a:txBody>
+                    <a:bodyPr/>
+                    <a:lstStyle/>
+                    <a:p>
+                      <a:r>
+                        <a:rPr lang="en-US" sz="2000" dirty="0" err="1"/>
+                        <a:t>trending_date</a:t>
+                      </a:r>
+                      <a:endParaRPr lang="en-US" sz="2000" dirty="0"/>
+                    </a:p>
+                  </a:txBody>
+                  <a:tcPr/>
+                </a:tc>
+                <a:extLst>
+                  <a:ext uri="{0D108BD9-81ED-4DB2-BD59-A6C34878D82A}">
+                    <a16:rowId xmlns:a16="http://schemas.microsoft.com/office/drawing/2014/main" val="429027036"/>
+                  </a:ext>
+                </a:extLst>
+              </a:tr>
+              <a:tr h="380399">
+                <a:tc>
+                  <a:txBody>
+                    <a:bodyPr/>
+                    <a:lstStyle/>
+                    <a:p>
+                      <a:pPr algn="r"/>
+                      <a:r>
+                        <a:rPr lang="en-US" sz="2000" dirty="0"/>
+                        <a:t>a5$xcyda</a:t>
+                      </a:r>
+                    </a:p>
+                  </a:txBody>
+                  <a:tcPr/>
+                </a:tc>
+                <a:tc>
+                  <a:txBody>
+                    <a:bodyPr/>
+                    <a:lstStyle/>
+                    <a:p>
+                      <a:pPr algn="r"/>
+                      <a:r>
+                        <a:rPr lang="en-US" sz="2000" dirty="0"/>
+                        <a:t>33</a:t>
+                      </a:r>
+                    </a:p>
+                  </a:txBody>
+                  <a:tcPr/>
+                </a:tc>
+                <a:tc>
+                  <a:txBody>
+                    <a:bodyPr/>
+                    <a:lstStyle/>
+                    <a:p>
+                      <a:pPr algn="r"/>
+                      <a:r>
+                        <a:rPr lang="en-US" sz="2000" dirty="0"/>
+                        <a:t>02/12/2015</a:t>
+                      </a:r>
+                    </a:p>
+                  </a:txBody>
+                  <a:tcPr/>
+                </a:tc>
+                <a:extLst>
+                  <a:ext uri="{0D108BD9-81ED-4DB2-BD59-A6C34878D82A}">
+                    <a16:rowId xmlns:a16="http://schemas.microsoft.com/office/drawing/2014/main" val="2719732550"/>
+                  </a:ext>
+                </a:extLst>
+              </a:tr>
+              <a:tr h="380399">
+                <a:tc>
+                  <a:txBody>
+                    <a:bodyPr/>
+                    <a:lstStyle/>
+                    <a:p>
+                      <a:pPr algn="r"/>
+                      <a:r>
+                        <a:rPr lang="en-US" sz="2000" dirty="0"/>
+                        <a:t>xRZ2gy8t</a:t>
+                      </a:r>
+                    </a:p>
+                  </a:txBody>
+                  <a:tcPr/>
+                </a:tc>
+                <a:tc>
+                  <a:txBody>
+                    <a:bodyPr/>
+                    <a:lstStyle/>
+                    <a:p>
+                      <a:pPr algn="r"/>
+                      <a:r>
+                        <a:rPr lang="en-US" sz="2000" dirty="0"/>
+                        <a:t>8</a:t>
+                      </a:r>
+                    </a:p>
+                  </a:txBody>
+                  <a:tcPr/>
+                </a:tc>
+                <a:tc>
+                  <a:txBody>
+                    <a:bodyPr/>
+                    <a:lstStyle/>
+                    <a:p>
+                      <a:pPr algn="r"/>
+                      <a:r>
+                        <a:rPr lang="en-US" sz="2000" dirty="0"/>
+                        <a:t>03/30/2014</a:t>
+                      </a:r>
+                    </a:p>
+                  </a:txBody>
+                  <a:tcPr/>
+                </a:tc>
+                <a:extLst>
+                  <a:ext uri="{0D108BD9-81ED-4DB2-BD59-A6C34878D82A}">
+                    <a16:rowId xmlns:a16="http://schemas.microsoft.com/office/drawing/2014/main" val="2207789598"/>
+                  </a:ext>
+                </a:extLst>
+              </a:tr>
+              <a:tr h="382803">
+                <a:tc>
+                  <a:txBody>
+                    <a:bodyPr/>
+                    <a:lstStyle/>
+                    <a:p>
+                      <a:pPr marL="0" marR="0" lvl="0" indent="0" algn="r" defTabSz="457200" rtl="0" eaLnBrk="1" fontAlgn="auto" latinLnBrk="0" hangingPunct="1">
+                        <a:lnSpc>
+                          <a:spcPct val="100000"/>
+                        </a:lnSpc>
+                        <a:spcBef>
+                          <a:spcPts val="0"/>
+                        </a:spcBef>
+                        <a:spcAft>
+                          <a:spcPts val="0"/>
+                        </a:spcAft>
+                        <a:buClrTx/>
+                        <a:buSzTx/>
+                        <a:buFontTx/>
+                        <a:buNone/>
+                        <a:tabLst/>
+                        <a:defRPr/>
+                      </a:pPr>
+                      <a:r>
+                        <a:rPr lang="en-US" sz="2000" dirty="0" err="1"/>
+                        <a:t>yQ</a:t>
+                      </a:r>
+                      <a:r>
+                        <a:rPr lang="en-US" sz="2000" dirty="0"/>
+                        <a:t>??2gy8t</a:t>
+                      </a:r>
+                    </a:p>
+                  </a:txBody>
+                  <a:tcPr/>
+                </a:tc>
+                <a:tc>
+                  <a:txBody>
+                    <a:bodyPr/>
+                    <a:lstStyle/>
+                    <a:p>
+                      <a:pPr algn="r"/>
+                      <a:r>
+                        <a:rPr lang="en-US" sz="2000" dirty="0"/>
+                        <a:t>44</a:t>
+                      </a:r>
+                    </a:p>
+                  </a:txBody>
+                  <a:tcPr/>
+                </a:tc>
+                <a:tc>
+                  <a:txBody>
+                    <a:bodyPr/>
+                    <a:lstStyle/>
+                    <a:p>
+                      <a:pPr algn="r"/>
+                      <a:r>
+                        <a:rPr lang="en-US" sz="2000" dirty="0"/>
+                        <a:t>10/14/2014</a:t>
+                      </a:r>
+                    </a:p>
+                  </a:txBody>
+                  <a:tcPr/>
+                </a:tc>
+                <a:extLst>
+                  <a:ext uri="{0D108BD9-81ED-4DB2-BD59-A6C34878D82A}">
+                    <a16:rowId xmlns:a16="http://schemas.microsoft.com/office/drawing/2014/main" val="2088838681"/>
+                  </a:ext>
+                </a:extLst>
+              </a:tr>
+            </a:tbl>
+          </a:graphicData>
+        </a:graphic>
+      </p:graphicFrame>
+      <p:sp>
+        <p:nvSpPr>
+          <p:cNvPr id="8" name="TextBox 7">
+            <a:extLst>
+              <a:ext uri="{FF2B5EF4-FFF2-40B4-BE49-F238E27FC236}">
+                <a16:creationId xmlns:a16="http://schemas.microsoft.com/office/drawing/2014/main" id="{0077DD87-F101-6349-B88D-5613E7656CF7}"/>
+              </a:ext>
+            </a:extLst>
+          </p:cNvPr>
+          <p:cNvSpPr txBox="1"/>
+          <p:nvPr/>
+        </p:nvSpPr>
+        <p:spPr>
+          <a:xfrm>
+            <a:off x="6872408" y="3163223"/>
+            <a:ext cx="1498359" cy="461665"/>
+          </a:xfrm>
+          <a:prstGeom prst="rect">
+            <a:avLst/>
+          </a:prstGeom>
+          <a:noFill/>
+        </p:spPr>
+        <p:txBody>
+          <a:bodyPr wrap="none" rtlCol="0">
+            <a:spAutoFit/>
+          </a:bodyPr>
+          <a:lstStyle/>
+          <a:p>
+            <a:r>
+              <a:rPr lang="en-US" dirty="0" err="1">
+                <a:solidFill>
+                  <a:schemeClr val="tx1"/>
+                </a:solidFill>
+              </a:rPr>
+              <a:t>CAvideos</a:t>
+            </a:r>
+            <a:endParaRPr lang="en-US" dirty="0">
+              <a:solidFill>
+                <a:schemeClr val="tx1"/>
+              </a:solidFill>
+            </a:endParaRPr>
+          </a:p>
+        </p:txBody>
+      </p:sp>
+      <p:sp>
+        <p:nvSpPr>
+          <p:cNvPr id="9" name="TextBox 8">
+            <a:extLst>
+              <a:ext uri="{FF2B5EF4-FFF2-40B4-BE49-F238E27FC236}">
+                <a16:creationId xmlns:a16="http://schemas.microsoft.com/office/drawing/2014/main" id="{90F05892-C97C-0C49-9188-37D93DC16BE9}"/>
+              </a:ext>
+            </a:extLst>
+          </p:cNvPr>
+          <p:cNvSpPr txBox="1"/>
+          <p:nvPr/>
+        </p:nvSpPr>
+        <p:spPr>
+          <a:xfrm>
+            <a:off x="6872408" y="5135880"/>
+            <a:ext cx="1503938" cy="461665"/>
+          </a:xfrm>
+          <a:prstGeom prst="rect">
+            <a:avLst/>
+          </a:prstGeom>
+          <a:noFill/>
+        </p:spPr>
+        <p:txBody>
+          <a:bodyPr wrap="none" rtlCol="0">
+            <a:spAutoFit/>
+          </a:bodyPr>
+          <a:lstStyle/>
+          <a:p>
+            <a:r>
+              <a:rPr lang="en-US" dirty="0" err="1">
+                <a:solidFill>
+                  <a:schemeClr val="tx1"/>
+                </a:solidFill>
+              </a:rPr>
+              <a:t>USvideos</a:t>
+            </a:r>
+            <a:endParaRPr lang="en-US" dirty="0">
+              <a:solidFill>
+                <a:schemeClr val="tx1"/>
+              </a:solidFill>
+            </a:endParaRPr>
           </a:p>
         </p:txBody>
       </p:sp>
@@ -22397,7 +23711,7 @@
           <a:effectLst/>
           <a:extLst>
             <a:ext uri="{AF507438-7753-43e0-B8FC-AC1667EBCBE1}">
-              <a14:hiddenEffects xmlns:a14="http://schemas.microsoft.com/office/drawing/2010/main" xmlns="">
+              <a14:hiddenEffects xmlns="" xmlns:a14="http://schemas.microsoft.com/office/drawing/2010/main">
                 <a:effectLst>
                   <a:outerShdw blurRad="63500" dist="38099" dir="2700000" algn="ctr" rotWithShape="0">
                     <a:schemeClr val="bg2">
@@ -22483,7 +23797,7 @@
           <a:effectLst/>
           <a:extLst>
             <a:ext uri="{AF507438-7753-43e0-B8FC-AC1667EBCBE1}">
-              <a14:hiddenEffects xmlns:a14="http://schemas.microsoft.com/office/drawing/2010/main" xmlns="">
+              <a14:hiddenEffects xmlns="" xmlns:a14="http://schemas.microsoft.com/office/drawing/2010/main">
                 <a:effectLst>
                   <a:outerShdw blurRad="63500" dist="38099" dir="2700000" algn="ctr" rotWithShape="0">
                     <a:schemeClr val="bg2">
@@ -24600,7 +25914,7 @@
           <a:effectLst/>
           <a:extLst>
             <a:ext uri="{AF507438-7753-43e0-B8FC-AC1667EBCBE1}">
-              <a14:hiddenEffects xmlns:a14="http://schemas.microsoft.com/office/drawing/2010/main" xmlns="">
+              <a14:hiddenEffects xmlns="" xmlns:a14="http://schemas.microsoft.com/office/drawing/2010/main">
                 <a:effectLst>
                   <a:outerShdw blurRad="63500" dist="38099" dir="2700000" algn="ctr" rotWithShape="0">
                     <a:schemeClr val="bg2">
@@ -24990,7 +26304,7 @@
         <a:effectLst/>
         <a:extLst>
           <a:ext uri="{AF507438-7753-43e0-B8FC-AC1667EBCBE1}">
-            <a14:hiddenEffects xmlns:a14="http://schemas.microsoft.com/office/drawing/2010/main" xmlns="">
+            <a14:hiddenEffects xmlns="" xmlns:a14="http://schemas.microsoft.com/office/drawing/2010/main">
               <a:effectLst>
                 <a:outerShdw blurRad="63500" dist="38099" dir="2700000" algn="ctr" rotWithShape="0">
                   <a:schemeClr val="bg2">
@@ -25069,7 +26383,7 @@
         <a:effectLst/>
         <a:extLst>
           <a:ext uri="{AF507438-7753-43e0-B8FC-AC1667EBCBE1}">
-            <a14:hiddenEffects xmlns:a14="http://schemas.microsoft.com/office/drawing/2010/main" xmlns="">
+            <a14:hiddenEffects xmlns="" xmlns:a14="http://schemas.microsoft.com/office/drawing/2010/main">
               <a:effectLst>
                 <a:outerShdw blurRad="63500" dist="38099" dir="2700000" algn="ctr" rotWithShape="0">
                   <a:schemeClr val="bg2">
@@ -25658,7 +26972,7 @@
         <a:effectLst/>
         <a:extLst>
           <a:ext uri="{AF507438-7753-43e0-B8FC-AC1667EBCBE1}">
-            <a14:hiddenEffects xmlns:a14="http://schemas.microsoft.com/office/drawing/2010/main" xmlns="">
+            <a14:hiddenEffects xmlns="" xmlns:a14="http://schemas.microsoft.com/office/drawing/2010/main">
               <a:effectLst>
                 <a:outerShdw blurRad="63500" dist="38099" dir="2700000" algn="ctr" rotWithShape="0">
                   <a:schemeClr val="bg2">
@@ -25737,7 +27051,7 @@
         <a:effectLst/>
         <a:extLst>
           <a:ext uri="{AF507438-7753-43e0-B8FC-AC1667EBCBE1}">
-            <a14:hiddenEffects xmlns:a14="http://schemas.microsoft.com/office/drawing/2010/main" xmlns="">
+            <a14:hiddenEffects xmlns="" xmlns:a14="http://schemas.microsoft.com/office/drawing/2010/main">
               <a:effectLst>
                 <a:outerShdw blurRad="63500" dist="38099" dir="2700000" algn="ctr" rotWithShape="0">
                   <a:schemeClr val="bg2">

--- a/Data-Essentials/01c-Data-Essentials.pptx
+++ b/Data-Essentials/01c-Data-Essentials.pptx
@@ -6,29 +6,27 @@
     <p:sldMasterId id="2147483649" r:id="rId2"/>
   </p:sldMasterIdLst>
   <p:notesMasterIdLst>
-    <p:notesMasterId r:id="rId20"/>
+    <p:notesMasterId r:id="rId18"/>
   </p:notesMasterIdLst>
   <p:handoutMasterIdLst>
-    <p:handoutMasterId r:id="rId21"/>
+    <p:handoutMasterId r:id="rId19"/>
   </p:handoutMasterIdLst>
   <p:sldIdLst>
     <p:sldId id="256" r:id="rId3"/>
-    <p:sldId id="257" r:id="rId4"/>
-    <p:sldId id="259" r:id="rId5"/>
-    <p:sldId id="261" r:id="rId6"/>
-    <p:sldId id="262" r:id="rId7"/>
-    <p:sldId id="263" r:id="rId8"/>
-    <p:sldId id="265" r:id="rId9"/>
-    <p:sldId id="264" r:id="rId10"/>
-    <p:sldId id="272" r:id="rId11"/>
-    <p:sldId id="267" r:id="rId12"/>
-    <p:sldId id="271" r:id="rId13"/>
-    <p:sldId id="275" r:id="rId14"/>
-    <p:sldId id="268" r:id="rId15"/>
-    <p:sldId id="274" r:id="rId16"/>
-    <p:sldId id="273" r:id="rId17"/>
-    <p:sldId id="269" r:id="rId18"/>
-    <p:sldId id="276" r:id="rId19"/>
+    <p:sldId id="259" r:id="rId4"/>
+    <p:sldId id="261" r:id="rId5"/>
+    <p:sldId id="262" r:id="rId6"/>
+    <p:sldId id="263" r:id="rId7"/>
+    <p:sldId id="265" r:id="rId8"/>
+    <p:sldId id="264" r:id="rId9"/>
+    <p:sldId id="267" r:id="rId10"/>
+    <p:sldId id="271" r:id="rId11"/>
+    <p:sldId id="275" r:id="rId12"/>
+    <p:sldId id="268" r:id="rId13"/>
+    <p:sldId id="274" r:id="rId14"/>
+    <p:sldId id="273" r:id="rId15"/>
+    <p:sldId id="269" r:id="rId16"/>
+    <p:sldId id="276" r:id="rId17"/>
   </p:sldIdLst>
   <p:sldSz cx="9144000" cy="6858000" type="screen4x3"/>
   <p:notesSz cx="6858000" cy="9144000"/>
@@ -13984,7 +13982,7 @@
               <a:buSzPct val="100000"/>
             </a:pPr>
             <a:r>
-              <a:rPr lang="en-US" altLang="en-US" sz="2800">
+              <a:rPr lang="en-US" altLang="en-US" sz="2800" dirty="0">
                 <a:solidFill>
                   <a:srgbClr val="FFFFFF"/>
                 </a:solidFill>
@@ -13993,7 +13991,7 @@
               <a:t>David Beck</a:t>
             </a:r>
             <a:r>
-              <a:rPr lang="en-US" altLang="en-US" sz="2800" baseline="30000">
+              <a:rPr lang="en-US" altLang="en-US" sz="2800" baseline="30000" dirty="0">
                 <a:solidFill>
                   <a:srgbClr val="FFFFFF"/>
                 </a:solidFill>
@@ -14002,7 +14000,7 @@
               <a:t>1,2</a:t>
             </a:r>
             <a:r>
-              <a:rPr lang="en-US" altLang="en-US" sz="2800">
+              <a:rPr lang="en-US" altLang="en-US" sz="2800" dirty="0">
                 <a:solidFill>
                   <a:srgbClr val="FFFFFF"/>
                 </a:solidFill>
@@ -14011,7 +14009,7 @@
               <a:t>, Joseph Hellerstein</a:t>
             </a:r>
             <a:r>
-              <a:rPr lang="en-US" altLang="en-US" sz="2800" baseline="30000">
+              <a:rPr lang="en-US" altLang="en-US" sz="2800" baseline="30000" dirty="0">
                 <a:solidFill>
                   <a:srgbClr val="FFFFFF"/>
                 </a:solidFill>
@@ -14020,7 +14018,7 @@
               <a:t>1,3</a:t>
             </a:r>
             <a:r>
-              <a:rPr lang="en-US" altLang="en-US" sz="2800">
+              <a:rPr lang="en-US" altLang="en-US" sz="2800" dirty="0">
                 <a:latin typeface="Calibri" panose="020F0502020204030204" pitchFamily="34" charset="0"/>
               </a:rPr>
               <a:t>, </a:t>
@@ -14034,11 +14032,15 @@
               <a:buSzPct val="100000"/>
             </a:pPr>
             <a:r>
-              <a:rPr lang="en-US" altLang="en-US"/>
-              <a:t>Dimitrios Gklezakos</a:t>
-            </a:r>
-            <a:r>
-              <a:rPr lang="en-US" altLang="en-US" sz="2000" baseline="30000">
+              <a:rPr lang="en-US" altLang="en-US" dirty="0" err="1"/>
+              <a:t>Dimitrios</a:t>
+            </a:r>
+            <a:r>
+              <a:rPr lang="en-US" altLang="en-US" dirty="0"/>
+              <a:t> Gklezakos</a:t>
+            </a:r>
+            <a:r>
+              <a:rPr lang="en-US" altLang="en-US" sz="2000" baseline="30000" dirty="0">
                 <a:solidFill>
                   <a:srgbClr val="FFFFFF"/>
                 </a:solidFill>
@@ -14055,7 +14057,16 @@
               <a:buSzPct val="100000"/>
             </a:pPr>
             <a:r>
-              <a:rPr lang="en-US" altLang="en-US" sz="2000">
+              <a:rPr lang="en-US" altLang="en-US" sz="2000" baseline="30000" dirty="0">
+                <a:solidFill>
+                  <a:srgbClr val="FFFFFF"/>
+                </a:solidFill>
+                <a:latin typeface="Calibri" panose="020F0502020204030204" pitchFamily="34" charset="0"/>
+              </a:rPr>
+              <a:t>1</a:t>
+            </a:r>
+            <a:r>
+              <a:rPr lang="en-US" altLang="en-US" sz="2000" dirty="0">
                 <a:solidFill>
                   <a:srgbClr val="FFFFFF"/>
                 </a:solidFill>
@@ -14072,7 +14083,7 @@
               <a:buSzPct val="100000"/>
             </a:pPr>
             <a:r>
-              <a:rPr lang="en-US" altLang="en-US" sz="2000" baseline="30000">
+              <a:rPr lang="en-US" altLang="en-US" sz="2000" baseline="30000" dirty="0">
                 <a:solidFill>
                   <a:srgbClr val="FFFFFF"/>
                 </a:solidFill>
@@ -14081,7 +14092,7 @@
               <a:t>2</a:t>
             </a:r>
             <a:r>
-              <a:rPr lang="en-US" altLang="en-US" sz="2000">
+              <a:rPr lang="en-US" altLang="en-US" sz="2000" dirty="0">
                 <a:solidFill>
                   <a:srgbClr val="FFFFFF"/>
                 </a:solidFill>
@@ -14098,7 +14109,7 @@
               <a:buSzPct val="100000"/>
             </a:pPr>
             <a:r>
-              <a:rPr lang="en-US" altLang="en-US" sz="2000" baseline="30000">
+              <a:rPr lang="en-US" altLang="en-US" sz="2000" baseline="30000" dirty="0">
                 <a:solidFill>
                   <a:srgbClr val="FFFFFF"/>
                 </a:solidFill>
@@ -14107,7 +14118,7 @@
               <a:t>3</a:t>
             </a:r>
             <a:r>
-              <a:rPr lang="en-US" altLang="en-US" sz="2000">
+              <a:rPr lang="en-US" altLang="en-US" sz="2000" dirty="0">
                 <a:solidFill>
                   <a:srgbClr val="FFFFFF"/>
                 </a:solidFill>
@@ -14124,7 +14135,7 @@
               <a:buSzPct val="100000"/>
             </a:pPr>
             <a:r>
-              <a:rPr lang="en-US" altLang="en-US">
+              <a:rPr lang="en-US" altLang="en-US" dirty="0">
                 <a:solidFill>
                   <a:srgbClr val="FFFFFF"/>
                 </a:solidFill>
@@ -14141,7 +14152,7 @@
               <a:buSzPct val="100000"/>
             </a:pPr>
             <a:r>
-              <a:rPr lang="en-US" altLang="en-US" sz="2800">
+              <a:rPr lang="en-US" altLang="en-US" sz="2800" dirty="0">
                 <a:solidFill>
                   <a:srgbClr val="FFFFFF"/>
                 </a:solidFill>
@@ -14882,7 +14893,7 @@
           <p:cNvPr id="2" name="Title 1">
             <a:extLst>
               <a:ext uri="{FF2B5EF4-FFF2-40B4-BE49-F238E27FC236}">
-                <a16:creationId xmlns:a16="http://schemas.microsoft.com/office/drawing/2014/main" id="{B3491504-C202-2040-BB3A-498EA54F64BB}"/>
+                <a16:creationId xmlns:a16="http://schemas.microsoft.com/office/drawing/2014/main" id="{A9D2E301-4154-C943-9CCC-DCEE9F29B347}"/>
               </a:ext>
             </a:extLst>
           </p:cNvPr>
@@ -14893,29 +14904,79 @@
             <p:ph type="title"/>
           </p:nvPr>
         </p:nvSpPr>
-        <p:spPr>
-          <a:xfrm>
-            <a:off x="457200" y="274638"/>
-            <a:ext cx="6248400" cy="715962"/>
-          </a:xfrm>
-        </p:spPr>
+        <p:spPr/>
         <p:txBody>
           <a:bodyPr/>
           <a:lstStyle/>
           <a:p>
             <a:r>
+              <a:rPr lang="en-US" dirty="0">
+                <a:latin typeface="Courier New" panose="02070309020205020404" pitchFamily="49" charset="0"/>
+                <a:cs typeface="Courier New" panose="02070309020205020404" pitchFamily="49" charset="0"/>
+              </a:rPr>
+              <a:t>sqlite3</a:t>
+            </a:r>
+            <a:r>
               <a:rPr lang="en-US" dirty="0"/>
-              <a:t>SQL Provides Table Operations</a:t>
+              <a:t> Demo</a:t>
             </a:r>
           </a:p>
         </p:txBody>
       </p:sp>
       <p:sp>
         <p:nvSpPr>
-          <p:cNvPr id="3" name="Footer Placeholder 2">
+          <p:cNvPr id="3" name="Content Placeholder 2">
             <a:extLst>
               <a:ext uri="{FF2B5EF4-FFF2-40B4-BE49-F238E27FC236}">
-                <a16:creationId xmlns:a16="http://schemas.microsoft.com/office/drawing/2014/main" id="{100090BA-6C24-6C4B-8CCC-EFA57A00B100}"/>
+                <a16:creationId xmlns:a16="http://schemas.microsoft.com/office/drawing/2014/main" id="{FD91A16E-44BF-1B48-9F94-75D109B1F24B}"/>
+              </a:ext>
+            </a:extLst>
+          </p:cNvPr>
+          <p:cNvSpPr>
+            <a:spLocks noGrp="1"/>
+          </p:cNvSpPr>
+          <p:nvPr>
+            <p:ph idx="1"/>
+          </p:nvPr>
+        </p:nvSpPr>
+        <p:spPr/>
+        <p:txBody>
+          <a:bodyPr/>
+          <a:lstStyle/>
+          <a:p>
+            <a:r>
+              <a:rPr lang="en-US" dirty="0"/>
+              <a:t>Interacting with </a:t>
+            </a:r>
+            <a:r>
+              <a:rPr lang="en-US" dirty="0">
+                <a:latin typeface="Courier New" panose="02070309020205020404" pitchFamily="49" charset="0"/>
+                <a:cs typeface="Courier New" panose="02070309020205020404" pitchFamily="49" charset="0"/>
+              </a:rPr>
+              <a:t>sqlite3</a:t>
+            </a:r>
+          </a:p>
+          <a:p>
+            <a:r>
+              <a:rPr lang="en-US" dirty="0"/>
+              <a:t>Batch command to interact with </a:t>
+            </a:r>
+            <a:r>
+              <a:rPr lang="en-US" dirty="0">
+                <a:latin typeface="Courier New" panose="02070309020205020404" pitchFamily="49" charset="0"/>
+                <a:cs typeface="Courier New" panose="02070309020205020404" pitchFamily="49" charset="0"/>
+              </a:rPr>
+              <a:t>sqlite3</a:t>
+            </a:r>
+          </a:p>
+        </p:txBody>
+      </p:sp>
+      <p:sp>
+        <p:nvSpPr>
+          <p:cNvPr id="4" name="Footer Placeholder 3">
+            <a:extLst>
+              <a:ext uri="{FF2B5EF4-FFF2-40B4-BE49-F238E27FC236}">
+                <a16:creationId xmlns:a16="http://schemas.microsoft.com/office/drawing/2014/main" id="{87FD5D0D-71F1-C945-A828-59BE9829B6EA}"/>
               </a:ext>
             </a:extLst>
           </p:cNvPr>
@@ -14943,10 +15004,10 @@
       </p:sp>
       <p:sp>
         <p:nvSpPr>
-          <p:cNvPr id="4" name="Slide Number Placeholder 3">
+          <p:cNvPr id="5" name="Slide Number Placeholder 4">
             <a:extLst>
               <a:ext uri="{FF2B5EF4-FFF2-40B4-BE49-F238E27FC236}">
-                <a16:creationId xmlns:a16="http://schemas.microsoft.com/office/drawing/2014/main" id="{81498F98-0108-0043-A672-88FE491A1480}"/>
+                <a16:creationId xmlns:a16="http://schemas.microsoft.com/office/drawing/2014/main" id="{FBE3331B-1FBD-1F41-BCF6-C8B47D3EF140}"/>
               </a:ext>
             </a:extLst>
           </p:cNvPr>
@@ -14965,701 +15026,27 @@
             <a:pPr>
               <a:defRPr/>
             </a:pPr>
-            <a:fld id="{15556364-4687-7E43-BEFF-D62CFF678733}" type="slidenum">
+            <a:fld id="{F6FD405F-ECD7-524B-88E3-E7A9D294D1F8}" type="slidenum">
               <a:rPr lang="en-US" altLang="x-none" smtClean="0"/>
               <a:pPr>
                 <a:defRPr/>
               </a:pPr>
               <a:t>10</a:t>
             </a:fld>
-            <a:endParaRPr lang="en-US" altLang="x-none"/>
+            <a:endParaRPr lang="en-US" altLang="x-none" dirty="0"/>
           </a:p>
         </p:txBody>
       </p:sp>
-      <p:pic>
-        <p:nvPicPr>
-          <p:cNvPr id="5" name="Picture 4">
-            <a:extLst>
-              <a:ext uri="{FF2B5EF4-FFF2-40B4-BE49-F238E27FC236}">
-                <a16:creationId xmlns:a16="http://schemas.microsoft.com/office/drawing/2014/main" id="{93F76DE4-CE53-8340-B6D8-0943F276C4EF}"/>
-              </a:ext>
-            </a:extLst>
-          </p:cNvPr>
-          <p:cNvPicPr>
-            <a:picLocks noChangeAspect="1"/>
-          </p:cNvPicPr>
-          <p:nvPr/>
-        </p:nvPicPr>
-        <p:blipFill>
-          <a:blip r:embed="rId2"/>
-          <a:stretch>
-            <a:fillRect/>
-          </a:stretch>
-        </p:blipFill>
-        <p:spPr>
-          <a:xfrm>
-            <a:off x="6940550" y="381000"/>
-            <a:ext cx="1892300" cy="1066800"/>
-          </a:xfrm>
-          <a:prstGeom prst="rect">
-            <a:avLst/>
-          </a:prstGeom>
-        </p:spPr>
-      </p:pic>
-      <p:sp>
-        <p:nvSpPr>
-          <p:cNvPr id="6" name="Rectangle 5">
-            <a:extLst>
-              <a:ext uri="{FF2B5EF4-FFF2-40B4-BE49-F238E27FC236}">
-                <a16:creationId xmlns:a16="http://schemas.microsoft.com/office/drawing/2014/main" id="{876C3631-9B3F-4540-ABBC-486B253B3FA0}"/>
-              </a:ext>
-            </a:extLst>
-          </p:cNvPr>
-          <p:cNvSpPr/>
-          <p:nvPr/>
-        </p:nvSpPr>
-        <p:spPr>
-          <a:xfrm>
-            <a:off x="1066800" y="2362200"/>
-            <a:ext cx="6781800" cy="1938992"/>
-          </a:xfrm>
-          <a:prstGeom prst="rect">
-            <a:avLst/>
-          </a:prstGeom>
-          <a:solidFill>
-            <a:schemeClr val="bg1">
-              <a:lumMod val="95000"/>
-            </a:schemeClr>
-          </a:solidFill>
-        </p:spPr>
-        <p:txBody>
-          <a:bodyPr wrap="square">
-            <a:spAutoFit/>
-          </a:bodyPr>
-          <a:lstStyle/>
-          <a:p>
-            <a:r>
-              <a:rPr lang="en-US" dirty="0">
-                <a:solidFill>
-                  <a:schemeClr val="tx1"/>
-                </a:solidFill>
-                <a:latin typeface="Courier New" panose="02070309020205020404" pitchFamily="49" charset="0"/>
-                <a:cs typeface="Courier New" panose="02070309020205020404" pitchFamily="49" charset="0"/>
-              </a:rPr>
-              <a:t>SELECT column1, column2....</a:t>
-            </a:r>
-            <a:r>
-              <a:rPr lang="en-US" dirty="0" err="1">
-                <a:solidFill>
-                  <a:schemeClr val="tx1"/>
-                </a:solidFill>
-                <a:latin typeface="Courier New" panose="02070309020205020404" pitchFamily="49" charset="0"/>
-                <a:cs typeface="Courier New" panose="02070309020205020404" pitchFamily="49" charset="0"/>
-              </a:rPr>
-              <a:t>columnN</a:t>
-            </a:r>
-            <a:r>
-              <a:rPr lang="en-US" dirty="0">
-                <a:solidFill>
-                  <a:schemeClr val="tx1"/>
-                </a:solidFill>
-                <a:latin typeface="Courier New" panose="02070309020205020404" pitchFamily="49" charset="0"/>
-                <a:cs typeface="Courier New" panose="02070309020205020404" pitchFamily="49" charset="0"/>
-              </a:rPr>
-              <a:t> </a:t>
-            </a:r>
-          </a:p>
-          <a:p>
-            <a:r>
-              <a:rPr lang="en-US" dirty="0">
-                <a:solidFill>
-                  <a:schemeClr val="tx1"/>
-                </a:solidFill>
-                <a:latin typeface="Courier New" panose="02070309020205020404" pitchFamily="49" charset="0"/>
-                <a:cs typeface="Courier New" panose="02070309020205020404" pitchFamily="49" charset="0"/>
-              </a:rPr>
-              <a:t>FROM </a:t>
-            </a:r>
-            <a:r>
-              <a:rPr lang="en-US" dirty="0" err="1">
-                <a:solidFill>
-                  <a:schemeClr val="tx1"/>
-                </a:solidFill>
-                <a:latin typeface="Courier New" panose="02070309020205020404" pitchFamily="49" charset="0"/>
-                <a:cs typeface="Courier New" panose="02070309020205020404" pitchFamily="49" charset="0"/>
-              </a:rPr>
-              <a:t>table_name</a:t>
-            </a:r>
-            <a:r>
-              <a:rPr lang="en-US" dirty="0">
-                <a:solidFill>
-                  <a:schemeClr val="tx1"/>
-                </a:solidFill>
-                <a:latin typeface="Courier New" panose="02070309020205020404" pitchFamily="49" charset="0"/>
-                <a:cs typeface="Courier New" panose="02070309020205020404" pitchFamily="49" charset="0"/>
-              </a:rPr>
-              <a:t> </a:t>
-            </a:r>
-          </a:p>
-          <a:p>
-            <a:r>
-              <a:rPr lang="en-US" dirty="0">
-                <a:solidFill>
-                  <a:schemeClr val="tx1"/>
-                </a:solidFill>
-                <a:latin typeface="Courier New" panose="02070309020205020404" pitchFamily="49" charset="0"/>
-                <a:cs typeface="Courier New" panose="02070309020205020404" pitchFamily="49" charset="0"/>
-              </a:rPr>
-              <a:t>WHERE CONDITION </a:t>
-            </a:r>
-          </a:p>
-          <a:p>
-            <a:r>
-              <a:rPr lang="en-US" dirty="0">
-                <a:solidFill>
-                  <a:schemeClr val="tx1"/>
-                </a:solidFill>
-                <a:latin typeface="Courier New" panose="02070309020205020404" pitchFamily="49" charset="0"/>
-                <a:cs typeface="Courier New" panose="02070309020205020404" pitchFamily="49" charset="0"/>
-              </a:rPr>
-              <a:t>ORDER BY </a:t>
-            </a:r>
-            <a:r>
-              <a:rPr lang="en-US" dirty="0" err="1">
-                <a:solidFill>
-                  <a:schemeClr val="tx1"/>
-                </a:solidFill>
-                <a:latin typeface="Courier New" panose="02070309020205020404" pitchFamily="49" charset="0"/>
-                <a:cs typeface="Courier New" panose="02070309020205020404" pitchFamily="49" charset="0"/>
-              </a:rPr>
-              <a:t>column_name</a:t>
-            </a:r>
-            <a:r>
-              <a:rPr lang="en-US" dirty="0">
-                <a:solidFill>
-                  <a:schemeClr val="tx1"/>
-                </a:solidFill>
-                <a:latin typeface="Courier New" panose="02070309020205020404" pitchFamily="49" charset="0"/>
-                <a:cs typeface="Courier New" panose="02070309020205020404" pitchFamily="49" charset="0"/>
-              </a:rPr>
-              <a:t> {ASC|DESC}; </a:t>
-            </a:r>
-            <a:br>
-              <a:rPr lang="en-US" dirty="0">
-                <a:solidFill>
-                  <a:schemeClr val="tx1"/>
-                </a:solidFill>
-                <a:latin typeface="Courier New" panose="02070309020205020404" pitchFamily="49" charset="0"/>
-                <a:cs typeface="Courier New" panose="02070309020205020404" pitchFamily="49" charset="0"/>
-              </a:rPr>
-            </a:br>
-            <a:endParaRPr lang="en-US" dirty="0">
-              <a:solidFill>
-                <a:schemeClr val="tx1"/>
-              </a:solidFill>
-              <a:latin typeface="Courier New" panose="02070309020205020404" pitchFamily="49" charset="0"/>
-              <a:cs typeface="Courier New" panose="02070309020205020404" pitchFamily="49" charset="0"/>
-            </a:endParaRPr>
-          </a:p>
-        </p:txBody>
-      </p:sp>
-      <p:sp>
-        <p:nvSpPr>
-          <p:cNvPr id="7" name="Rectangle 6">
-            <a:extLst>
-              <a:ext uri="{FF2B5EF4-FFF2-40B4-BE49-F238E27FC236}">
-                <a16:creationId xmlns:a16="http://schemas.microsoft.com/office/drawing/2014/main" id="{9E34C1F3-1C65-7144-BD93-EA01FF4C314C}"/>
-              </a:ext>
-            </a:extLst>
-          </p:cNvPr>
-          <p:cNvSpPr/>
-          <p:nvPr/>
-        </p:nvSpPr>
-        <p:spPr>
-          <a:xfrm>
-            <a:off x="1083623" y="4526340"/>
-            <a:ext cx="5317177" cy="1569660"/>
-          </a:xfrm>
-          <a:prstGeom prst="rect">
-            <a:avLst/>
-          </a:prstGeom>
-          <a:solidFill>
-            <a:schemeClr val="bg1">
-              <a:lumMod val="95000"/>
-            </a:schemeClr>
-          </a:solidFill>
-        </p:spPr>
-        <p:txBody>
-          <a:bodyPr wrap="square">
-            <a:spAutoFit/>
-          </a:bodyPr>
-          <a:lstStyle/>
-          <a:p>
-            <a:r>
-              <a:rPr lang="en-US" dirty="0">
-                <a:solidFill>
-                  <a:schemeClr val="tx1"/>
-                </a:solidFill>
-                <a:latin typeface="Courier New" panose="02070309020205020404" pitchFamily="49" charset="0"/>
-                <a:cs typeface="Courier New" panose="02070309020205020404" pitchFamily="49" charset="0"/>
-              </a:rPr>
-              <a:t>SELECT SUM(</a:t>
-            </a:r>
-            <a:r>
-              <a:rPr lang="en-US" dirty="0" err="1">
-                <a:solidFill>
-                  <a:schemeClr val="tx1"/>
-                </a:solidFill>
-                <a:latin typeface="Courier New" panose="02070309020205020404" pitchFamily="49" charset="0"/>
-                <a:cs typeface="Courier New" panose="02070309020205020404" pitchFamily="49" charset="0"/>
-              </a:rPr>
-              <a:t>column_name</a:t>
-            </a:r>
-            <a:r>
-              <a:rPr lang="en-US" dirty="0">
-                <a:solidFill>
-                  <a:schemeClr val="tx1"/>
-                </a:solidFill>
-                <a:latin typeface="Courier New" panose="02070309020205020404" pitchFamily="49" charset="0"/>
-                <a:cs typeface="Courier New" panose="02070309020205020404" pitchFamily="49" charset="0"/>
-              </a:rPr>
-              <a:t>) </a:t>
-            </a:r>
-          </a:p>
-          <a:p>
-            <a:r>
-              <a:rPr lang="en-US" dirty="0">
-                <a:solidFill>
-                  <a:schemeClr val="tx1"/>
-                </a:solidFill>
-                <a:latin typeface="Courier New" panose="02070309020205020404" pitchFamily="49" charset="0"/>
-                <a:cs typeface="Courier New" panose="02070309020205020404" pitchFamily="49" charset="0"/>
-              </a:rPr>
-              <a:t>FROM </a:t>
-            </a:r>
-            <a:r>
-              <a:rPr lang="en-US" dirty="0" err="1">
-                <a:solidFill>
-                  <a:schemeClr val="tx1"/>
-                </a:solidFill>
-                <a:latin typeface="Courier New" panose="02070309020205020404" pitchFamily="49" charset="0"/>
-                <a:cs typeface="Courier New" panose="02070309020205020404" pitchFamily="49" charset="0"/>
-              </a:rPr>
-              <a:t>table_name</a:t>
-            </a:r>
-            <a:r>
-              <a:rPr lang="en-US" dirty="0">
-                <a:solidFill>
-                  <a:schemeClr val="tx1"/>
-                </a:solidFill>
-                <a:latin typeface="Courier New" panose="02070309020205020404" pitchFamily="49" charset="0"/>
-                <a:cs typeface="Courier New" panose="02070309020205020404" pitchFamily="49" charset="0"/>
-              </a:rPr>
-              <a:t> </a:t>
-            </a:r>
-          </a:p>
-          <a:p>
-            <a:r>
-              <a:rPr lang="en-US" dirty="0">
-                <a:solidFill>
-                  <a:schemeClr val="tx1"/>
-                </a:solidFill>
-                <a:latin typeface="Courier New" panose="02070309020205020404" pitchFamily="49" charset="0"/>
-                <a:cs typeface="Courier New" panose="02070309020205020404" pitchFamily="49" charset="0"/>
-              </a:rPr>
-              <a:t>WHERE CONDITION </a:t>
-            </a:r>
-          </a:p>
-          <a:p>
-            <a:r>
-              <a:rPr lang="en-US" dirty="0">
-                <a:solidFill>
-                  <a:schemeClr val="tx1"/>
-                </a:solidFill>
-                <a:latin typeface="Courier New" panose="02070309020205020404" pitchFamily="49" charset="0"/>
-                <a:cs typeface="Courier New" panose="02070309020205020404" pitchFamily="49" charset="0"/>
-              </a:rPr>
-              <a:t>GROUP BY </a:t>
-            </a:r>
-            <a:r>
-              <a:rPr lang="en-US" dirty="0" err="1">
-                <a:solidFill>
-                  <a:schemeClr val="tx1"/>
-                </a:solidFill>
-                <a:latin typeface="Courier New" panose="02070309020205020404" pitchFamily="49" charset="0"/>
-                <a:cs typeface="Courier New" panose="02070309020205020404" pitchFamily="49" charset="0"/>
-              </a:rPr>
-              <a:t>column_name</a:t>
-            </a:r>
-            <a:r>
-              <a:rPr lang="en-US" dirty="0">
-                <a:solidFill>
-                  <a:schemeClr val="tx1"/>
-                </a:solidFill>
-                <a:latin typeface="Courier New" panose="02070309020205020404" pitchFamily="49" charset="0"/>
-                <a:cs typeface="Courier New" panose="02070309020205020404" pitchFamily="49" charset="0"/>
-              </a:rPr>
-              <a:t>;</a:t>
-            </a:r>
-          </a:p>
-        </p:txBody>
-      </p:sp>
-      <p:graphicFrame>
-        <p:nvGraphicFramePr>
-          <p:cNvPr id="8" name="Table 7">
-            <a:extLst>
-              <a:ext uri="{FF2B5EF4-FFF2-40B4-BE49-F238E27FC236}">
-                <a16:creationId xmlns:a16="http://schemas.microsoft.com/office/drawing/2014/main" id="{08D15E3A-0E9E-DE45-808D-213C8125EA64}"/>
-              </a:ext>
-            </a:extLst>
-          </p:cNvPr>
-          <p:cNvGraphicFramePr>
-            <a:graphicFrameLocks noGrp="1"/>
-          </p:cNvGraphicFramePr>
-          <p:nvPr>
-            <p:extLst>
-              <p:ext uri="{D42A27DB-BD31-4B8C-83A1-F6EECF244321}">
-                <p14:modId xmlns:p14="http://schemas.microsoft.com/office/powerpoint/2010/main" val="266357116"/>
-              </p:ext>
-            </p:extLst>
-          </p:nvPr>
-        </p:nvGraphicFramePr>
-        <p:xfrm>
-          <a:off x="471055" y="1076960"/>
-          <a:ext cx="6096000" cy="1198880"/>
-        </p:xfrm>
-        <a:graphic>
-          <a:graphicData uri="http://schemas.openxmlformats.org/drawingml/2006/table">
-            <a:tbl>
-              <a:tblPr firstRow="1" bandRow="1">
-                <a:tableStyleId>{073A0DAA-6AF3-43AB-8588-CEC1D06C72B9}</a:tableStyleId>
-              </a:tblPr>
-              <a:tblGrid>
-                <a:gridCol w="1524000">
-                  <a:extLst>
-                    <a:ext uri="{9D8B030D-6E8A-4147-A177-3AD203B41FA5}">
-                      <a16:colId xmlns:a16="http://schemas.microsoft.com/office/drawing/2014/main" val="4035367222"/>
-                    </a:ext>
-                  </a:extLst>
-                </a:gridCol>
-                <a:gridCol w="1524000">
-                  <a:extLst>
-                    <a:ext uri="{9D8B030D-6E8A-4147-A177-3AD203B41FA5}">
-                      <a16:colId xmlns:a16="http://schemas.microsoft.com/office/drawing/2014/main" val="3606184885"/>
-                    </a:ext>
-                  </a:extLst>
-                </a:gridCol>
-                <a:gridCol w="1524000">
-                  <a:extLst>
-                    <a:ext uri="{9D8B030D-6E8A-4147-A177-3AD203B41FA5}">
-                      <a16:colId xmlns:a16="http://schemas.microsoft.com/office/drawing/2014/main" val="784575584"/>
-                    </a:ext>
-                  </a:extLst>
-                </a:gridCol>
-                <a:gridCol w="1524000">
-                  <a:extLst>
-                    <a:ext uri="{9D8B030D-6E8A-4147-A177-3AD203B41FA5}">
-                      <a16:colId xmlns:a16="http://schemas.microsoft.com/office/drawing/2014/main" val="477283138"/>
-                    </a:ext>
-                  </a:extLst>
-                </a:gridCol>
-              </a:tblGrid>
-              <a:tr h="370840">
-                <a:tc>
-                  <a:txBody>
-                    <a:bodyPr/>
-                    <a:lstStyle/>
-                    <a:p>
-                      <a:pPr algn="ctr"/>
-                      <a:r>
-                        <a:rPr lang="en-US" sz="2400" dirty="0"/>
-                        <a:t>column1</a:t>
-                      </a:r>
-                    </a:p>
-                  </a:txBody>
-                  <a:tcPr/>
-                </a:tc>
-                <a:tc>
-                  <a:txBody>
-                    <a:bodyPr/>
-                    <a:lstStyle/>
-                    <a:p>
-                      <a:pPr algn="ctr"/>
-                      <a:r>
-                        <a:rPr lang="en-US" sz="2400" dirty="0"/>
-                        <a:t>column2</a:t>
-                      </a:r>
-                    </a:p>
-                  </a:txBody>
-                  <a:tcPr/>
-                </a:tc>
-                <a:tc>
-                  <a:txBody>
-                    <a:bodyPr/>
-                    <a:lstStyle/>
-                    <a:p>
-                      <a:pPr algn="ctr"/>
-                      <a:r>
-                        <a:rPr lang="en-US" sz="2400" dirty="0"/>
-                        <a:t>…</a:t>
-                      </a:r>
-                    </a:p>
-                  </a:txBody>
-                  <a:tcPr/>
-                </a:tc>
-                <a:tc>
-                  <a:txBody>
-                    <a:bodyPr/>
-                    <a:lstStyle/>
-                    <a:p>
-                      <a:pPr algn="ctr"/>
-                      <a:r>
-                        <a:rPr lang="en-US" sz="2400" dirty="0" err="1"/>
-                        <a:t>columnN</a:t>
-                      </a:r>
-                      <a:endParaRPr lang="en-US" sz="2400" dirty="0"/>
-                    </a:p>
-                  </a:txBody>
-                  <a:tcPr/>
-                </a:tc>
-                <a:extLst>
-                  <a:ext uri="{0D108BD9-81ED-4DB2-BD59-A6C34878D82A}">
-                    <a16:rowId xmlns:a16="http://schemas.microsoft.com/office/drawing/2014/main" val="1958140517"/>
-                  </a:ext>
-                </a:extLst>
-              </a:tr>
-              <a:tr h="370840">
-                <a:tc>
-                  <a:txBody>
-                    <a:bodyPr/>
-                    <a:lstStyle/>
-                    <a:p>
-                      <a:endParaRPr lang="en-US" dirty="0"/>
-                    </a:p>
-                  </a:txBody>
-                  <a:tcPr/>
-                </a:tc>
-                <a:tc>
-                  <a:txBody>
-                    <a:bodyPr/>
-                    <a:lstStyle/>
-                    <a:p>
-                      <a:endParaRPr lang="en-US" dirty="0"/>
-                    </a:p>
-                  </a:txBody>
-                  <a:tcPr/>
-                </a:tc>
-                <a:tc>
-                  <a:txBody>
-                    <a:bodyPr/>
-                    <a:lstStyle/>
-                    <a:p>
-                      <a:endParaRPr lang="en-US" dirty="0"/>
-                    </a:p>
-                  </a:txBody>
-                  <a:tcPr/>
-                </a:tc>
-                <a:tc>
-                  <a:txBody>
-                    <a:bodyPr/>
-                    <a:lstStyle/>
-                    <a:p>
-                      <a:endParaRPr lang="en-US" dirty="0"/>
-                    </a:p>
-                  </a:txBody>
-                  <a:tcPr/>
-                </a:tc>
-                <a:extLst>
-                  <a:ext uri="{0D108BD9-81ED-4DB2-BD59-A6C34878D82A}">
-                    <a16:rowId xmlns:a16="http://schemas.microsoft.com/office/drawing/2014/main" val="3999196644"/>
-                  </a:ext>
-                </a:extLst>
-              </a:tr>
-              <a:tr h="370840">
-                <a:tc>
-                  <a:txBody>
-                    <a:bodyPr/>
-                    <a:lstStyle/>
-                    <a:p>
-                      <a:endParaRPr lang="en-US" dirty="0"/>
-                    </a:p>
-                  </a:txBody>
-                  <a:tcPr/>
-                </a:tc>
-                <a:tc>
-                  <a:txBody>
-                    <a:bodyPr/>
-                    <a:lstStyle/>
-                    <a:p>
-                      <a:endParaRPr lang="en-US" dirty="0"/>
-                    </a:p>
-                  </a:txBody>
-                  <a:tcPr/>
-                </a:tc>
-                <a:tc>
-                  <a:txBody>
-                    <a:bodyPr/>
-                    <a:lstStyle/>
-                    <a:p>
-                      <a:endParaRPr lang="en-US" dirty="0"/>
-                    </a:p>
-                  </a:txBody>
-                  <a:tcPr/>
-                </a:tc>
-                <a:tc>
-                  <a:txBody>
-                    <a:bodyPr/>
-                    <a:lstStyle/>
-                    <a:p>
-                      <a:endParaRPr lang="en-US" dirty="0"/>
-                    </a:p>
-                  </a:txBody>
-                  <a:tcPr/>
-                </a:tc>
-                <a:extLst>
-                  <a:ext uri="{0D108BD9-81ED-4DB2-BD59-A6C34878D82A}">
-                    <a16:rowId xmlns:a16="http://schemas.microsoft.com/office/drawing/2014/main" val="1918198152"/>
-                  </a:ext>
-                </a:extLst>
-              </a:tr>
-            </a:tbl>
-          </a:graphicData>
-        </a:graphic>
-      </p:graphicFrame>
     </p:spTree>
     <p:extLst>
       <p:ext uri="{BB962C8B-B14F-4D97-AF65-F5344CB8AC3E}">
-        <p14:creationId xmlns:p14="http://schemas.microsoft.com/office/powerpoint/2010/main" val="4140345102"/>
+        <p14:creationId xmlns:p14="http://schemas.microsoft.com/office/powerpoint/2010/main" val="669896851"/>
       </p:ext>
     </p:extLst>
   </p:cSld>
   <p:clrMapOvr>
     <a:masterClrMapping/>
   </p:clrMapOvr>
-  <p:timing>
-    <p:tnLst>
-      <p:par>
-        <p:cTn id="1" dur="indefinite" restart="never" nodeType="tmRoot">
-          <p:childTnLst>
-            <p:seq concurrent="1" nextAc="seek">
-              <p:cTn id="2" dur="indefinite" nodeType="mainSeq">
-                <p:childTnLst>
-                  <p:par>
-                    <p:cTn id="3" fill="hold">
-                      <p:stCondLst>
-                        <p:cond delay="indefinite"/>
-                      </p:stCondLst>
-                      <p:childTnLst>
-                        <p:par>
-                          <p:cTn id="4" fill="hold">
-                            <p:stCondLst>
-                              <p:cond delay="0"/>
-                            </p:stCondLst>
-                            <p:childTnLst>
-                              <p:par>
-                                <p:cTn id="5" presetID="1" presetClass="entr" presetSubtype="0" fill="hold" grpId="0" nodeType="clickEffect">
-                                  <p:stCondLst>
-                                    <p:cond delay="0"/>
-                                  </p:stCondLst>
-                                  <p:childTnLst>
-                                    <p:set>
-                                      <p:cBhvr>
-                                        <p:cTn id="6" dur="1" fill="hold">
-                                          <p:stCondLst>
-                                            <p:cond delay="0"/>
-                                          </p:stCondLst>
-                                        </p:cTn>
-                                        <p:tgtEl>
-                                          <p:spTgt spid="6"/>
-                                        </p:tgtEl>
-                                        <p:attrNameLst>
-                                          <p:attrName>style.visibility</p:attrName>
-                                        </p:attrNameLst>
-                                      </p:cBhvr>
-                                      <p:to>
-                                        <p:strVal val="visible"/>
-                                      </p:to>
-                                    </p:set>
-                                  </p:childTnLst>
-                                </p:cTn>
-                              </p:par>
-                            </p:childTnLst>
-                          </p:cTn>
-                        </p:par>
-                      </p:childTnLst>
-                    </p:cTn>
-                  </p:par>
-                  <p:par>
-                    <p:cTn id="7" fill="hold">
-                      <p:stCondLst>
-                        <p:cond delay="indefinite"/>
-                      </p:stCondLst>
-                      <p:childTnLst>
-                        <p:par>
-                          <p:cTn id="8" fill="hold">
-                            <p:stCondLst>
-                              <p:cond delay="0"/>
-                            </p:stCondLst>
-                            <p:childTnLst>
-                              <p:par>
-                                <p:cTn id="9" presetID="1" presetClass="entr" presetSubtype="0" fill="hold" grpId="0" nodeType="clickEffect">
-                                  <p:stCondLst>
-                                    <p:cond delay="0"/>
-                                  </p:stCondLst>
-                                  <p:childTnLst>
-                                    <p:set>
-                                      <p:cBhvr>
-                                        <p:cTn id="10" dur="1" fill="hold">
-                                          <p:stCondLst>
-                                            <p:cond delay="0"/>
-                                          </p:stCondLst>
-                                        </p:cTn>
-                                        <p:tgtEl>
-                                          <p:spTgt spid="7"/>
-                                        </p:tgtEl>
-                                        <p:attrNameLst>
-                                          <p:attrName>style.visibility</p:attrName>
-                                        </p:attrNameLst>
-                                      </p:cBhvr>
-                                      <p:to>
-                                        <p:strVal val="visible"/>
-                                      </p:to>
-                                    </p:set>
-                                  </p:childTnLst>
-                                </p:cTn>
-                              </p:par>
-                            </p:childTnLst>
-                          </p:cTn>
-                        </p:par>
-                      </p:childTnLst>
-                    </p:cTn>
-                  </p:par>
-                </p:childTnLst>
-              </p:cTn>
-              <p:prevCondLst>
-                <p:cond evt="onPrev" delay="0">
-                  <p:tgtEl>
-                    <p:sldTgt/>
-                  </p:tgtEl>
-                </p:cond>
-              </p:prevCondLst>
-              <p:nextCondLst>
-                <p:cond evt="onNext" delay="0">
-                  <p:tgtEl>
-                    <p:sldTgt/>
-                  </p:tgtEl>
-                </p:cond>
-              </p:nextCondLst>
-            </p:seq>
-          </p:childTnLst>
-        </p:cTn>
-      </p:par>
-    </p:tnLst>
-    <p:bldLst>
-      <p:bldP spid="6" grpId="0" animBg="1"/>
-      <p:bldP spid="7" grpId="0" animBg="1"/>
-    </p:bldLst>
-  </p:timing>
 </p:sld>
 </file>
 
@@ -15685,793 +15072,6 @@
           <p:cNvPr id="2" name="Title 1">
             <a:extLst>
               <a:ext uri="{FF2B5EF4-FFF2-40B4-BE49-F238E27FC236}">
-                <a16:creationId xmlns:a16="http://schemas.microsoft.com/office/drawing/2014/main" id="{F90611CC-FF82-5E45-A718-5245E437E6C8}"/>
-              </a:ext>
-            </a:extLst>
-          </p:cNvPr>
-          <p:cNvSpPr>
-            <a:spLocks noGrp="1"/>
-          </p:cNvSpPr>
-          <p:nvPr>
-            <p:ph type="title"/>
-          </p:nvPr>
-        </p:nvSpPr>
-        <p:spPr/>
-        <p:txBody>
-          <a:bodyPr/>
-          <a:lstStyle/>
-          <a:p>
-            <a:r>
-              <a:rPr lang="en-US" dirty="0"/>
-              <a:t>Operations On Tables</a:t>
-            </a:r>
-          </a:p>
-        </p:txBody>
-      </p:sp>
-      <p:sp>
-        <p:nvSpPr>
-          <p:cNvPr id="5" name="Content Placeholder 4">
-            <a:extLst>
-              <a:ext uri="{FF2B5EF4-FFF2-40B4-BE49-F238E27FC236}">
-                <a16:creationId xmlns:a16="http://schemas.microsoft.com/office/drawing/2014/main" id="{C393430B-B4DC-2F41-8141-0C19CD8CCF82}"/>
-              </a:ext>
-            </a:extLst>
-          </p:cNvPr>
-          <p:cNvSpPr>
-            <a:spLocks noGrp="1"/>
-          </p:cNvSpPr>
-          <p:nvPr>
-            <p:ph idx="1"/>
-          </p:nvPr>
-        </p:nvSpPr>
-        <p:spPr>
-          <a:xfrm>
-            <a:off x="457200" y="3276600"/>
-            <a:ext cx="8229600" cy="2849563"/>
-          </a:xfrm>
-        </p:spPr>
-        <p:txBody>
-          <a:bodyPr/>
-          <a:lstStyle/>
-          <a:p>
-            <a:pPr marL="0" indent="0">
-              <a:buNone/>
-            </a:pPr>
-            <a:r>
-              <a:rPr lang="en-US" dirty="0"/>
-              <a:t>SQL for a Table with </a:t>
-            </a:r>
-            <a:r>
-              <a:rPr lang="en-US" dirty="0" err="1"/>
-              <a:t>video_id</a:t>
-            </a:r>
-            <a:r>
-              <a:rPr lang="en-US" dirty="0"/>
-              <a:t>, </a:t>
-            </a:r>
-            <a:r>
-              <a:rPr lang="en-US" dirty="0" err="1"/>
-              <a:t>category_id</a:t>
-            </a:r>
-            <a:endParaRPr lang="en-US" dirty="0"/>
-          </a:p>
-          <a:p>
-            <a:pPr marL="0" indent="0">
-              <a:buNone/>
-            </a:pPr>
-            <a:r>
-              <a:rPr lang="en-US" sz="2400" dirty="0">
-                <a:latin typeface="Courier New" panose="02070309020205020404" pitchFamily="49" charset="0"/>
-                <a:cs typeface="Courier New" panose="02070309020205020404" pitchFamily="49" charset="0"/>
-              </a:rPr>
-              <a:t>SELECT </a:t>
-            </a:r>
-            <a:r>
-              <a:rPr lang="en-US" sz="2400" dirty="0" err="1">
-                <a:latin typeface="Courier New" panose="02070309020205020404" pitchFamily="49" charset="0"/>
-                <a:cs typeface="Courier New" panose="02070309020205020404" pitchFamily="49" charset="0"/>
-              </a:rPr>
-              <a:t>video_id</a:t>
-            </a:r>
-            <a:r>
-              <a:rPr lang="en-US" sz="2400" dirty="0">
-                <a:latin typeface="Courier New" panose="02070309020205020404" pitchFamily="49" charset="0"/>
-                <a:cs typeface="Courier New" panose="02070309020205020404" pitchFamily="49" charset="0"/>
-              </a:rPr>
-              <a:t>, </a:t>
-            </a:r>
-            <a:r>
-              <a:rPr lang="en-US" sz="2400" dirty="0" err="1">
-                <a:latin typeface="Courier New" panose="02070309020205020404" pitchFamily="49" charset="0"/>
-                <a:cs typeface="Courier New" panose="02070309020205020404" pitchFamily="49" charset="0"/>
-              </a:rPr>
-              <a:t>category_id</a:t>
-            </a:r>
-            <a:r>
-              <a:rPr lang="en-US" sz="2400" dirty="0">
-                <a:latin typeface="Courier New" panose="02070309020205020404" pitchFamily="49" charset="0"/>
-                <a:cs typeface="Courier New" panose="02070309020205020404" pitchFamily="49" charset="0"/>
-              </a:rPr>
-              <a:t> from table</a:t>
-            </a:r>
-          </a:p>
-        </p:txBody>
-      </p:sp>
-      <p:sp>
-        <p:nvSpPr>
-          <p:cNvPr id="3" name="Footer Placeholder 2">
-            <a:extLst>
-              <a:ext uri="{FF2B5EF4-FFF2-40B4-BE49-F238E27FC236}">
-                <a16:creationId xmlns:a16="http://schemas.microsoft.com/office/drawing/2014/main" id="{DC21A4D2-1E88-4647-9C62-9D97BB645699}"/>
-              </a:ext>
-            </a:extLst>
-          </p:cNvPr>
-          <p:cNvSpPr>
-            <a:spLocks noGrp="1"/>
-          </p:cNvSpPr>
-          <p:nvPr>
-            <p:ph type="ftr" idx="10"/>
-          </p:nvPr>
-        </p:nvSpPr>
-        <p:spPr/>
-        <p:txBody>
-          <a:bodyPr/>
-          <a:lstStyle/>
-          <a:p>
-            <a:pPr>
-              <a:defRPr/>
-            </a:pPr>
-            <a:r>
-              <a:rPr lang="en-US"/>
-              <a:t>Beck, Hellerstein &amp; VanderPlas, 2018</a:t>
-            </a:r>
-          </a:p>
-        </p:txBody>
-      </p:sp>
-      <p:sp>
-        <p:nvSpPr>
-          <p:cNvPr id="4" name="Slide Number Placeholder 3">
-            <a:extLst>
-              <a:ext uri="{FF2B5EF4-FFF2-40B4-BE49-F238E27FC236}">
-                <a16:creationId xmlns:a16="http://schemas.microsoft.com/office/drawing/2014/main" id="{FE042CFE-02EE-754F-A24E-6BD89703E10D}"/>
-              </a:ext>
-            </a:extLst>
-          </p:cNvPr>
-          <p:cNvSpPr>
-            <a:spLocks noGrp="1"/>
-          </p:cNvSpPr>
-          <p:nvPr>
-            <p:ph type="sldNum" idx="11"/>
-          </p:nvPr>
-        </p:nvSpPr>
-        <p:spPr/>
-        <p:txBody>
-          <a:bodyPr/>
-          <a:lstStyle/>
-          <a:p>
-            <a:pPr>
-              <a:defRPr/>
-            </a:pPr>
-            <a:fld id="{15556364-4687-7E43-BEFF-D62CFF678733}" type="slidenum">
-              <a:rPr lang="en-US" altLang="x-none" smtClean="0"/>
-              <a:pPr>
-                <a:defRPr/>
-              </a:pPr>
-              <a:t>11</a:t>
-            </a:fld>
-            <a:endParaRPr lang="en-US" altLang="x-none"/>
-          </a:p>
-        </p:txBody>
-      </p:sp>
-      <p:graphicFrame>
-        <p:nvGraphicFramePr>
-          <p:cNvPr id="8" name="Table 7">
-            <a:extLst>
-              <a:ext uri="{FF2B5EF4-FFF2-40B4-BE49-F238E27FC236}">
-                <a16:creationId xmlns:a16="http://schemas.microsoft.com/office/drawing/2014/main" id="{03D8FD04-8820-0F44-9963-90718CA4D77B}"/>
-              </a:ext>
-            </a:extLst>
-          </p:cNvPr>
-          <p:cNvGraphicFramePr>
-            <a:graphicFrameLocks noGrp="1"/>
-          </p:cNvGraphicFramePr>
-          <p:nvPr/>
-        </p:nvGraphicFramePr>
-        <p:xfrm>
-          <a:off x="381000" y="838200"/>
-          <a:ext cx="8305800" cy="2147632"/>
-        </p:xfrm>
-        <a:graphic>
-          <a:graphicData uri="http://schemas.openxmlformats.org/drawingml/2006/table">
-            <a:tbl>
-              <a:tblPr firstRow="1" bandRow="1">
-                <a:tableStyleId>{5C22544A-7EE6-4342-B048-85BDC9FD1C3A}</a:tableStyleId>
-              </a:tblPr>
-              <a:tblGrid>
-                <a:gridCol w="2768600">
-                  <a:extLst>
-                    <a:ext uri="{9D8B030D-6E8A-4147-A177-3AD203B41FA5}">
-                      <a16:colId xmlns:a16="http://schemas.microsoft.com/office/drawing/2014/main" val="2723209"/>
-                    </a:ext>
-                  </a:extLst>
-                </a:gridCol>
-                <a:gridCol w="2768600">
-                  <a:extLst>
-                    <a:ext uri="{9D8B030D-6E8A-4147-A177-3AD203B41FA5}">
-                      <a16:colId xmlns:a16="http://schemas.microsoft.com/office/drawing/2014/main" val="851576297"/>
-                    </a:ext>
-                  </a:extLst>
-                </a:gridCol>
-                <a:gridCol w="2768600">
-                  <a:extLst>
-                    <a:ext uri="{9D8B030D-6E8A-4147-A177-3AD203B41FA5}">
-                      <a16:colId xmlns:a16="http://schemas.microsoft.com/office/drawing/2014/main" val="1773334228"/>
-                    </a:ext>
-                  </a:extLst>
-                </a:gridCol>
-              </a:tblGrid>
-              <a:tr h="437282">
-                <a:tc>
-                  <a:txBody>
-                    <a:bodyPr/>
-                    <a:lstStyle/>
-                    <a:p>
-                      <a:r>
-                        <a:rPr lang="en-US" sz="2800" dirty="0" err="1"/>
-                        <a:t>video_id</a:t>
-                      </a:r>
-                      <a:endParaRPr lang="en-US" sz="2800" dirty="0"/>
-                    </a:p>
-                  </a:txBody>
-                  <a:tcPr/>
-                </a:tc>
-                <a:tc>
-                  <a:txBody>
-                    <a:bodyPr/>
-                    <a:lstStyle/>
-                    <a:p>
-                      <a:r>
-                        <a:rPr lang="en-US" sz="2800" dirty="0" err="1"/>
-                        <a:t>category_id</a:t>
-                      </a:r>
-                      <a:endParaRPr lang="en-US" sz="2800" dirty="0"/>
-                    </a:p>
-                  </a:txBody>
-                  <a:tcPr/>
-                </a:tc>
-                <a:tc>
-                  <a:txBody>
-                    <a:bodyPr/>
-                    <a:lstStyle/>
-                    <a:p>
-                      <a:r>
-                        <a:rPr lang="en-US" sz="2800" dirty="0" err="1"/>
-                        <a:t>trending_date</a:t>
-                      </a:r>
-                      <a:endParaRPr lang="en-US" sz="2800" dirty="0"/>
-                    </a:p>
-                  </a:txBody>
-                  <a:tcPr/>
-                </a:tc>
-                <a:extLst>
-                  <a:ext uri="{0D108BD9-81ED-4DB2-BD59-A6C34878D82A}">
-                    <a16:rowId xmlns:a16="http://schemas.microsoft.com/office/drawing/2014/main" val="429027036"/>
-                  </a:ext>
-                </a:extLst>
-              </a:tr>
-              <a:tr h="437282">
-                <a:tc>
-                  <a:txBody>
-                    <a:bodyPr/>
-                    <a:lstStyle/>
-                    <a:p>
-                      <a:pPr algn="r"/>
-                      <a:r>
-                        <a:rPr lang="en-US" sz="2800" dirty="0"/>
-                        <a:t>a5$xcyda</a:t>
-                      </a:r>
-                    </a:p>
-                  </a:txBody>
-                  <a:tcPr/>
-                </a:tc>
-                <a:tc>
-                  <a:txBody>
-                    <a:bodyPr/>
-                    <a:lstStyle/>
-                    <a:p>
-                      <a:pPr algn="r"/>
-                      <a:r>
-                        <a:rPr lang="en-US" sz="2800" dirty="0"/>
-                        <a:t>33</a:t>
-                      </a:r>
-                    </a:p>
-                  </a:txBody>
-                  <a:tcPr/>
-                </a:tc>
-                <a:tc>
-                  <a:txBody>
-                    <a:bodyPr/>
-                    <a:lstStyle/>
-                    <a:p>
-                      <a:pPr algn="r"/>
-                      <a:r>
-                        <a:rPr lang="en-US" sz="2800" dirty="0"/>
-                        <a:t>02/01/2015</a:t>
-                      </a:r>
-                    </a:p>
-                  </a:txBody>
-                  <a:tcPr/>
-                </a:tc>
-                <a:extLst>
-                  <a:ext uri="{0D108BD9-81ED-4DB2-BD59-A6C34878D82A}">
-                    <a16:rowId xmlns:a16="http://schemas.microsoft.com/office/drawing/2014/main" val="2719732550"/>
-                  </a:ext>
-                </a:extLst>
-              </a:tr>
-              <a:tr h="437282">
-                <a:tc>
-                  <a:txBody>
-                    <a:bodyPr/>
-                    <a:lstStyle/>
-                    <a:p>
-                      <a:pPr algn="r"/>
-                      <a:r>
-                        <a:rPr lang="en-US" sz="2800" dirty="0"/>
-                        <a:t>xB#2gy8t</a:t>
-                      </a:r>
-                    </a:p>
-                  </a:txBody>
-                  <a:tcPr/>
-                </a:tc>
-                <a:tc>
-                  <a:txBody>
-                    <a:bodyPr/>
-                    <a:lstStyle/>
-                    <a:p>
-                      <a:pPr algn="r"/>
-                      <a:r>
-                        <a:rPr lang="en-US" sz="2800" dirty="0"/>
-                        <a:t>12</a:t>
-                      </a:r>
-                    </a:p>
-                  </a:txBody>
-                  <a:tcPr/>
-                </a:tc>
-                <a:tc>
-                  <a:txBody>
-                    <a:bodyPr/>
-                    <a:lstStyle/>
-                    <a:p>
-                      <a:pPr algn="r"/>
-                      <a:r>
-                        <a:rPr lang="en-US" sz="2800" dirty="0"/>
-                        <a:t>03/30/2014</a:t>
-                      </a:r>
-                    </a:p>
-                  </a:txBody>
-                  <a:tcPr/>
-                </a:tc>
-                <a:extLst>
-                  <a:ext uri="{0D108BD9-81ED-4DB2-BD59-A6C34878D82A}">
-                    <a16:rowId xmlns:a16="http://schemas.microsoft.com/office/drawing/2014/main" val="2207789598"/>
-                  </a:ext>
-                </a:extLst>
-              </a:tr>
-              <a:tr h="593152">
-                <a:tc>
-                  <a:txBody>
-                    <a:bodyPr/>
-                    <a:lstStyle/>
-                    <a:p>
-                      <a:pPr marL="0" marR="0" lvl="0" indent="0" algn="r" defTabSz="457200" rtl="0" eaLnBrk="1" fontAlgn="auto" latinLnBrk="0" hangingPunct="1">
-                        <a:lnSpc>
-                          <a:spcPct val="100000"/>
-                        </a:lnSpc>
-                        <a:spcBef>
-                          <a:spcPts val="0"/>
-                        </a:spcBef>
-                        <a:spcAft>
-                          <a:spcPts val="0"/>
-                        </a:spcAft>
-                        <a:buClrTx/>
-                        <a:buSzTx/>
-                        <a:buFontTx/>
-                        <a:buNone/>
-                        <a:tabLst/>
-                        <a:defRPr/>
-                      </a:pPr>
-                      <a:r>
-                        <a:rPr lang="en-US" sz="2800" dirty="0" err="1"/>
-                        <a:t>yQ</a:t>
-                      </a:r>
-                      <a:r>
-                        <a:rPr lang="en-US" sz="2800" dirty="0"/>
-                        <a:t>??2gy8t</a:t>
-                      </a:r>
-                    </a:p>
-                  </a:txBody>
-                  <a:tcPr/>
-                </a:tc>
-                <a:tc>
-                  <a:txBody>
-                    <a:bodyPr/>
-                    <a:lstStyle/>
-                    <a:p>
-                      <a:pPr algn="r"/>
-                      <a:r>
-                        <a:rPr lang="en-US" sz="2800" dirty="0"/>
-                        <a:t>44</a:t>
-                      </a:r>
-                    </a:p>
-                  </a:txBody>
-                  <a:tcPr/>
-                </a:tc>
-                <a:tc>
-                  <a:txBody>
-                    <a:bodyPr/>
-                    <a:lstStyle/>
-                    <a:p>
-                      <a:pPr algn="r"/>
-                      <a:r>
-                        <a:rPr lang="en-US" sz="2800" dirty="0"/>
-                        <a:t>10/14/2014</a:t>
-                      </a:r>
-                    </a:p>
-                  </a:txBody>
-                  <a:tcPr/>
-                </a:tc>
-                <a:extLst>
-                  <a:ext uri="{0D108BD9-81ED-4DB2-BD59-A6C34878D82A}">
-                    <a16:rowId xmlns:a16="http://schemas.microsoft.com/office/drawing/2014/main" val="2088838681"/>
-                  </a:ext>
-                </a:extLst>
-              </a:tr>
-            </a:tbl>
-          </a:graphicData>
-        </a:graphic>
-      </p:graphicFrame>
-    </p:spTree>
-    <p:extLst>
-      <p:ext uri="{BB962C8B-B14F-4D97-AF65-F5344CB8AC3E}">
-        <p14:creationId xmlns:p14="http://schemas.microsoft.com/office/powerpoint/2010/main" val="3000712881"/>
-      </p:ext>
-    </p:extLst>
-  </p:cSld>
-  <p:clrMapOvr>
-    <a:masterClrMapping/>
-  </p:clrMapOvr>
-  <p:timing>
-    <p:tnLst>
-      <p:par>
-        <p:cTn id="1" dur="indefinite" restart="never" nodeType="tmRoot">
-          <p:childTnLst>
-            <p:seq concurrent="1" nextAc="seek">
-              <p:cTn id="2" dur="indefinite" nodeType="mainSeq">
-                <p:childTnLst>
-                  <p:par>
-                    <p:cTn id="3" fill="hold">
-                      <p:stCondLst>
-                        <p:cond delay="indefinite"/>
-                      </p:stCondLst>
-                      <p:childTnLst>
-                        <p:par>
-                          <p:cTn id="4" fill="hold">
-                            <p:stCondLst>
-                              <p:cond delay="0"/>
-                            </p:stCondLst>
-                            <p:childTnLst>
-                              <p:par>
-                                <p:cTn id="5" presetID="1" presetClass="entr" presetSubtype="0" fill="hold" nodeType="clickEffect">
-                                  <p:stCondLst>
-                                    <p:cond delay="0"/>
-                                  </p:stCondLst>
-                                  <p:childTnLst>
-                                    <p:set>
-                                      <p:cBhvr>
-                                        <p:cTn id="6" dur="1" fill="hold">
-                                          <p:stCondLst>
-                                            <p:cond delay="0"/>
-                                          </p:stCondLst>
-                                        </p:cTn>
-                                        <p:tgtEl>
-                                          <p:spTgt spid="5">
-                                            <p:txEl>
-                                              <p:pRg st="0" end="0"/>
-                                            </p:txEl>
-                                          </p:spTgt>
-                                        </p:tgtEl>
-                                        <p:attrNameLst>
-                                          <p:attrName>style.visibility</p:attrName>
-                                        </p:attrNameLst>
-                                      </p:cBhvr>
-                                      <p:to>
-                                        <p:strVal val="visible"/>
-                                      </p:to>
-                                    </p:set>
-                                  </p:childTnLst>
-                                </p:cTn>
-                              </p:par>
-                            </p:childTnLst>
-                          </p:cTn>
-                        </p:par>
-                      </p:childTnLst>
-                    </p:cTn>
-                  </p:par>
-                  <p:par>
-                    <p:cTn id="7" fill="hold">
-                      <p:stCondLst>
-                        <p:cond delay="indefinite"/>
-                      </p:stCondLst>
-                      <p:childTnLst>
-                        <p:par>
-                          <p:cTn id="8" fill="hold">
-                            <p:stCondLst>
-                              <p:cond delay="0"/>
-                            </p:stCondLst>
-                            <p:childTnLst>
-                              <p:par>
-                                <p:cTn id="9" presetID="1" presetClass="entr" presetSubtype="0" fill="hold" nodeType="clickEffect">
-                                  <p:stCondLst>
-                                    <p:cond delay="0"/>
-                                  </p:stCondLst>
-                                  <p:childTnLst>
-                                    <p:set>
-                                      <p:cBhvr>
-                                        <p:cTn id="10" dur="1" fill="hold">
-                                          <p:stCondLst>
-                                            <p:cond delay="0"/>
-                                          </p:stCondLst>
-                                        </p:cTn>
-                                        <p:tgtEl>
-                                          <p:spTgt spid="5">
-                                            <p:txEl>
-                                              <p:pRg st="1" end="1"/>
-                                            </p:txEl>
-                                          </p:spTgt>
-                                        </p:tgtEl>
-                                        <p:attrNameLst>
-                                          <p:attrName>style.visibility</p:attrName>
-                                        </p:attrNameLst>
-                                      </p:cBhvr>
-                                      <p:to>
-                                        <p:strVal val="visible"/>
-                                      </p:to>
-                                    </p:set>
-                                  </p:childTnLst>
-                                </p:cTn>
-                              </p:par>
-                            </p:childTnLst>
-                          </p:cTn>
-                        </p:par>
-                      </p:childTnLst>
-                    </p:cTn>
-                  </p:par>
-                </p:childTnLst>
-              </p:cTn>
-              <p:prevCondLst>
-                <p:cond evt="onPrev" delay="0">
-                  <p:tgtEl>
-                    <p:sldTgt/>
-                  </p:tgtEl>
-                </p:cond>
-              </p:prevCondLst>
-              <p:nextCondLst>
-                <p:cond evt="onNext" delay="0">
-                  <p:tgtEl>
-                    <p:sldTgt/>
-                  </p:tgtEl>
-                </p:cond>
-              </p:nextCondLst>
-            </p:seq>
-          </p:childTnLst>
-        </p:cTn>
-      </p:par>
-    </p:tnLst>
-  </p:timing>
-</p:sld>
-</file>
-
-<file path=ppt/slides/slide12.xml><?xml version="1.0" encoding="utf-8"?>
-<p:sld xmlns:a="http://schemas.openxmlformats.org/drawingml/2006/main" xmlns:r="http://schemas.openxmlformats.org/officeDocument/2006/relationships" xmlns:p="http://schemas.openxmlformats.org/presentationml/2006/main">
-  <p:cSld>
-    <p:spTree>
-      <p:nvGrpSpPr>
-        <p:cNvPr id="1" name=""/>
-        <p:cNvGrpSpPr/>
-        <p:nvPr/>
-      </p:nvGrpSpPr>
-      <p:grpSpPr>
-        <a:xfrm>
-          <a:off x="0" y="0"/>
-          <a:ext cx="0" cy="0"/>
-          <a:chOff x="0" y="0"/>
-          <a:chExt cx="0" cy="0"/>
-        </a:xfrm>
-      </p:grpSpPr>
-      <p:sp>
-        <p:nvSpPr>
-          <p:cNvPr id="2" name="Title 1">
-            <a:extLst>
-              <a:ext uri="{FF2B5EF4-FFF2-40B4-BE49-F238E27FC236}">
-                <a16:creationId xmlns:a16="http://schemas.microsoft.com/office/drawing/2014/main" id="{A9D2E301-4154-C943-9CCC-DCEE9F29B347}"/>
-              </a:ext>
-            </a:extLst>
-          </p:cNvPr>
-          <p:cNvSpPr>
-            <a:spLocks noGrp="1"/>
-          </p:cNvSpPr>
-          <p:nvPr>
-            <p:ph type="title"/>
-          </p:nvPr>
-        </p:nvSpPr>
-        <p:spPr/>
-        <p:txBody>
-          <a:bodyPr/>
-          <a:lstStyle/>
-          <a:p>
-            <a:r>
-              <a:rPr lang="en-US" dirty="0">
-                <a:latin typeface="Courier New" panose="02070309020205020404" pitchFamily="49" charset="0"/>
-                <a:cs typeface="Courier New" panose="02070309020205020404" pitchFamily="49" charset="0"/>
-              </a:rPr>
-              <a:t>sqlite3</a:t>
-            </a:r>
-            <a:r>
-              <a:rPr lang="en-US" dirty="0"/>
-              <a:t> Demo</a:t>
-            </a:r>
-          </a:p>
-        </p:txBody>
-      </p:sp>
-      <p:sp>
-        <p:nvSpPr>
-          <p:cNvPr id="3" name="Content Placeholder 2">
-            <a:extLst>
-              <a:ext uri="{FF2B5EF4-FFF2-40B4-BE49-F238E27FC236}">
-                <a16:creationId xmlns:a16="http://schemas.microsoft.com/office/drawing/2014/main" id="{FD91A16E-44BF-1B48-9F94-75D109B1F24B}"/>
-              </a:ext>
-            </a:extLst>
-          </p:cNvPr>
-          <p:cNvSpPr>
-            <a:spLocks noGrp="1"/>
-          </p:cNvSpPr>
-          <p:nvPr>
-            <p:ph idx="1"/>
-          </p:nvPr>
-        </p:nvSpPr>
-        <p:spPr/>
-        <p:txBody>
-          <a:bodyPr/>
-          <a:lstStyle/>
-          <a:p>
-            <a:r>
-              <a:rPr lang="en-US" dirty="0"/>
-              <a:t>Interacting with </a:t>
-            </a:r>
-            <a:r>
-              <a:rPr lang="en-US" dirty="0">
-                <a:latin typeface="Courier New" panose="02070309020205020404" pitchFamily="49" charset="0"/>
-                <a:cs typeface="Courier New" panose="02070309020205020404" pitchFamily="49" charset="0"/>
-              </a:rPr>
-              <a:t>sqlite3</a:t>
-            </a:r>
-          </a:p>
-          <a:p>
-            <a:r>
-              <a:rPr lang="en-US" dirty="0"/>
-              <a:t>Batch command to interact with </a:t>
-            </a:r>
-            <a:r>
-              <a:rPr lang="en-US" dirty="0">
-                <a:latin typeface="Courier New" panose="02070309020205020404" pitchFamily="49" charset="0"/>
-                <a:cs typeface="Courier New" panose="02070309020205020404" pitchFamily="49" charset="0"/>
-              </a:rPr>
-              <a:t>sqlite3</a:t>
-            </a:r>
-          </a:p>
-        </p:txBody>
-      </p:sp>
-      <p:sp>
-        <p:nvSpPr>
-          <p:cNvPr id="4" name="Footer Placeholder 3">
-            <a:extLst>
-              <a:ext uri="{FF2B5EF4-FFF2-40B4-BE49-F238E27FC236}">
-                <a16:creationId xmlns:a16="http://schemas.microsoft.com/office/drawing/2014/main" id="{87FD5D0D-71F1-C945-A828-59BE9829B6EA}"/>
-              </a:ext>
-            </a:extLst>
-          </p:cNvPr>
-          <p:cNvSpPr>
-            <a:spLocks noGrp="1"/>
-          </p:cNvSpPr>
-          <p:nvPr>
-            <p:ph type="ftr" idx="10"/>
-          </p:nvPr>
-        </p:nvSpPr>
-        <p:spPr/>
-        <p:txBody>
-          <a:bodyPr/>
-          <a:lstStyle/>
-          <a:p>
-            <a:pPr>
-              <a:defRPr/>
-            </a:pPr>
-            <a:r>
-              <a:rPr lang="en-US"/>
-              <a:t>Beck, Hellerstein &amp; VanderPlas, 2018</a:t>
-            </a:r>
-          </a:p>
-        </p:txBody>
-      </p:sp>
-      <p:sp>
-        <p:nvSpPr>
-          <p:cNvPr id="5" name="Slide Number Placeholder 4">
-            <a:extLst>
-              <a:ext uri="{FF2B5EF4-FFF2-40B4-BE49-F238E27FC236}">
-                <a16:creationId xmlns:a16="http://schemas.microsoft.com/office/drawing/2014/main" id="{FBE3331B-1FBD-1F41-BCF6-C8B47D3EF140}"/>
-              </a:ext>
-            </a:extLst>
-          </p:cNvPr>
-          <p:cNvSpPr>
-            <a:spLocks noGrp="1"/>
-          </p:cNvSpPr>
-          <p:nvPr>
-            <p:ph type="sldNum" idx="11"/>
-          </p:nvPr>
-        </p:nvSpPr>
-        <p:spPr/>
-        <p:txBody>
-          <a:bodyPr/>
-          <a:lstStyle/>
-          <a:p>
-            <a:pPr>
-              <a:defRPr/>
-            </a:pPr>
-            <a:fld id="{F6FD405F-ECD7-524B-88E3-E7A9D294D1F8}" type="slidenum">
-              <a:rPr lang="en-US" altLang="x-none" smtClean="0"/>
-              <a:pPr>
-                <a:defRPr/>
-              </a:pPr>
-              <a:t>12</a:t>
-            </a:fld>
-            <a:endParaRPr lang="en-US" altLang="x-none" dirty="0"/>
-          </a:p>
-        </p:txBody>
-      </p:sp>
-    </p:spTree>
-    <p:extLst>
-      <p:ext uri="{BB962C8B-B14F-4D97-AF65-F5344CB8AC3E}">
-        <p14:creationId xmlns:p14="http://schemas.microsoft.com/office/powerpoint/2010/main" val="669896851"/>
-      </p:ext>
-    </p:extLst>
-  </p:cSld>
-  <p:clrMapOvr>
-    <a:masterClrMapping/>
-  </p:clrMapOvr>
-</p:sld>
-</file>
-
-<file path=ppt/slides/slide13.xml><?xml version="1.0" encoding="utf-8"?>
-<p:sld xmlns:a="http://schemas.openxmlformats.org/drawingml/2006/main" xmlns:r="http://schemas.openxmlformats.org/officeDocument/2006/relationships" xmlns:p="http://schemas.openxmlformats.org/presentationml/2006/main">
-  <p:cSld>
-    <p:spTree>
-      <p:nvGrpSpPr>
-        <p:cNvPr id="1" name=""/>
-        <p:cNvGrpSpPr/>
-        <p:nvPr/>
-      </p:nvGrpSpPr>
-      <p:grpSpPr>
-        <a:xfrm>
-          <a:off x="0" y="0"/>
-          <a:ext cx="0" cy="0"/>
-          <a:chOff x="0" y="0"/>
-          <a:chExt cx="0" cy="0"/>
-        </a:xfrm>
-      </p:grpSpPr>
-      <p:sp>
-        <p:nvSpPr>
-          <p:cNvPr id="2" name="Title 1">
-            <a:extLst>
-              <a:ext uri="{FF2B5EF4-FFF2-40B4-BE49-F238E27FC236}">
                 <a16:creationId xmlns:a16="http://schemas.microsoft.com/office/drawing/2014/main" id="{80994F39-6DAD-B544-9082-9CE566BE98CB}"/>
               </a:ext>
             </a:extLst>
@@ -16857,7 +15457,7 @@
               <a:pPr>
                 <a:defRPr/>
               </a:pPr>
-              <a:t>13</a:t>
+              <a:t>11</a:t>
             </a:fld>
             <a:endParaRPr lang="en-US" altLang="x-none"/>
           </a:p>
@@ -17262,7 +15862,7 @@
 </p:sld>
 </file>
 
-<file path=ppt/slides/slide14.xml><?xml version="1.0" encoding="utf-8"?>
+<file path=ppt/slides/slide12.xml><?xml version="1.0" encoding="utf-8"?>
 <p:sld xmlns:a="http://schemas.openxmlformats.org/drawingml/2006/main" xmlns:r="http://schemas.openxmlformats.org/officeDocument/2006/relationships" xmlns:p="http://schemas.openxmlformats.org/presentationml/2006/main">
   <p:cSld>
     <p:spTree>
@@ -17372,7 +15972,7 @@
               <a:pPr>
                 <a:defRPr/>
               </a:pPr>
-              <a:t>14</a:t>
+              <a:t>12</a:t>
             </a:fld>
             <a:endParaRPr lang="en-US" altLang="x-none"/>
           </a:p>
@@ -18398,6 +16998,178 @@
           </a:graphicData>
         </a:graphic>
       </p:graphicFrame>
+      <p:sp>
+        <p:nvSpPr>
+          <p:cNvPr id="12" name="Rectangle 11">
+            <a:extLst>
+              <a:ext uri="{FF2B5EF4-FFF2-40B4-BE49-F238E27FC236}">
+                <a16:creationId xmlns:a16="http://schemas.microsoft.com/office/drawing/2014/main" id="{ACCB7736-C2C3-8E4F-9AC5-12687BDD9107}"/>
+              </a:ext>
+            </a:extLst>
+          </p:cNvPr>
+          <p:cNvSpPr/>
+          <p:nvPr/>
+        </p:nvSpPr>
+        <p:spPr bwMode="auto">
+          <a:xfrm>
+            <a:off x="304800" y="274638"/>
+            <a:ext cx="6172200" cy="4221162"/>
+          </a:xfrm>
+          <a:prstGeom prst="rect">
+            <a:avLst/>
+          </a:prstGeom>
+          <a:noFill/>
+          <a:ln w="57150" cap="flat" cmpd="sng" algn="ctr">
+            <a:solidFill>
+              <a:srgbClr val="FF0000"/>
+            </a:solidFill>
+            <a:prstDash val="solid"/>
+            <a:round/>
+            <a:headEnd type="none" w="med" len="med"/>
+            <a:tailEnd type="none" w="med" len="med"/>
+          </a:ln>
+          <a:effectLst/>
+          <a:extLst>
+            <a:ext uri="{AF507438-7753-43e0-B8FC-AC1667EBCBE1}">
+              <a14:hiddenEffects xmlns="" xmlns:a14="http://schemas.microsoft.com/office/drawing/2010/main">
+                <a:effectLst>
+                  <a:outerShdw blurRad="63500" dist="38099" dir="2700000" algn="ctr" rotWithShape="0">
+                    <a:schemeClr val="bg2">
+                      <a:alpha val="74998"/>
+                    </a:schemeClr>
+                  </a:outerShdw>
+                </a:effectLst>
+              </a14:hiddenEffects>
+            </a:ext>
+          </a:extLst>
+        </p:spPr>
+        <p:txBody>
+          <a:bodyPr vert="horz" wrap="square" lIns="91440" tIns="45720" rIns="91440" bIns="45720" numCol="1" rtlCol="0" anchor="t" anchorCtr="0" compatLnSpc="1">
+            <a:prstTxWarp prst="textNoShape">
+              <a:avLst/>
+            </a:prstTxWarp>
+          </a:bodyPr>
+          <a:lstStyle/>
+          <a:p>
+            <a:pPr marL="0" marR="0" indent="0" algn="l" defTabSz="457200" rtl="0" eaLnBrk="1" fontAlgn="base" latinLnBrk="0" hangingPunct="1">
+              <a:lnSpc>
+                <a:spcPct val="100000"/>
+              </a:lnSpc>
+              <a:spcBef>
+                <a:spcPct val="0"/>
+              </a:spcBef>
+              <a:spcAft>
+                <a:spcPct val="0"/>
+              </a:spcAft>
+              <a:buClr>
+                <a:srgbClr val="000000"/>
+              </a:buClr>
+              <a:buSzPct val="100000"/>
+              <a:buFont typeface="Times New Roman" charset="0"/>
+              <a:buNone/>
+              <a:tabLst/>
+            </a:pPr>
+            <a:endParaRPr kumimoji="0" lang="en-US" sz="2400" b="0" i="0" u="none" strike="noStrike" cap="none" normalizeH="0" baseline="0">
+              <a:ln>
+                <a:noFill/>
+              </a:ln>
+              <a:solidFill>
+                <a:schemeClr val="bg1"/>
+              </a:solidFill>
+              <a:effectLst/>
+              <a:latin typeface="Arial" charset="0"/>
+              <a:ea typeface="ＭＳ Ｐゴシック" charset="0"/>
+              <a:cs typeface="ＭＳ Ｐゴシック" charset="0"/>
+            </a:endParaRPr>
+          </a:p>
+        </p:txBody>
+      </p:sp>
+      <p:sp>
+        <p:nvSpPr>
+          <p:cNvPr id="13" name="Bent Arrow 12">
+            <a:extLst>
+              <a:ext uri="{FF2B5EF4-FFF2-40B4-BE49-F238E27FC236}">
+                <a16:creationId xmlns:a16="http://schemas.microsoft.com/office/drawing/2014/main" id="{D2C906F6-F24E-A74D-B03B-2BBD7824F100}"/>
+              </a:ext>
+            </a:extLst>
+          </p:cNvPr>
+          <p:cNvSpPr/>
+          <p:nvPr/>
+        </p:nvSpPr>
+        <p:spPr bwMode="auto">
+          <a:xfrm rot="5400000">
+            <a:off x="6374892" y="3784092"/>
+            <a:ext cx="813816" cy="609600"/>
+          </a:xfrm>
+          <a:prstGeom prst="bentArrow">
+            <a:avLst/>
+          </a:prstGeom>
+          <a:noFill/>
+          <a:ln w="57150" cap="flat" cmpd="sng" algn="ctr">
+            <a:solidFill>
+              <a:srgbClr val="FF0000"/>
+            </a:solidFill>
+            <a:prstDash val="solid"/>
+            <a:round/>
+            <a:headEnd type="none" w="med" len="med"/>
+            <a:tailEnd type="none" w="med" len="med"/>
+          </a:ln>
+          <a:effectLst/>
+          <a:extLst>
+            <a:ext uri="{AF507438-7753-43e0-B8FC-AC1667EBCBE1}">
+              <a14:hiddenEffects xmlns="" xmlns:a14="http://schemas.microsoft.com/office/drawing/2010/main">
+                <a:effectLst>
+                  <a:outerShdw blurRad="63500" dist="38099" dir="2700000" algn="ctr" rotWithShape="0">
+                    <a:schemeClr val="bg2">
+                      <a:alpha val="74998"/>
+                    </a:schemeClr>
+                  </a:outerShdw>
+                </a:effectLst>
+              </a14:hiddenEffects>
+            </a:ext>
+          </a:extLst>
+        </p:spPr>
+        <p:txBody>
+          <a:bodyPr vert="horz" wrap="square" lIns="91440" tIns="45720" rIns="91440" bIns="45720" numCol="1" rtlCol="0" anchor="t" anchorCtr="0" compatLnSpc="1">
+            <a:prstTxWarp prst="textNoShape">
+              <a:avLst/>
+            </a:prstTxWarp>
+          </a:bodyPr>
+          <a:lstStyle/>
+          <a:p>
+            <a:pPr marL="0" marR="0" indent="0" algn="l" defTabSz="457200" rtl="0" eaLnBrk="1" fontAlgn="base" latinLnBrk="0" hangingPunct="1">
+              <a:lnSpc>
+                <a:spcPct val="100000"/>
+              </a:lnSpc>
+              <a:spcBef>
+                <a:spcPct val="0"/>
+              </a:spcBef>
+              <a:spcAft>
+                <a:spcPct val="0"/>
+              </a:spcAft>
+              <a:buClr>
+                <a:srgbClr val="000000"/>
+              </a:buClr>
+              <a:buSzPct val="100000"/>
+              <a:buFont typeface="Times New Roman" charset="0"/>
+              <a:buNone/>
+              <a:tabLst/>
+            </a:pPr>
+            <a:endParaRPr kumimoji="0" lang="en-US" sz="2400" b="0" i="0" u="none" strike="noStrike" cap="none" normalizeH="0" baseline="0">
+              <a:ln>
+                <a:noFill/>
+              </a:ln>
+              <a:solidFill>
+                <a:schemeClr val="bg1"/>
+              </a:solidFill>
+              <a:effectLst/>
+              <a:latin typeface="Arial" charset="0"/>
+              <a:ea typeface="ＭＳ Ｐゴシック" charset="0"/>
+              <a:cs typeface="ＭＳ Ｐゴシック" charset="0"/>
+            </a:endParaRPr>
+          </a:p>
+        </p:txBody>
+      </p:sp>
     </p:spTree>
     <p:extLst>
       <p:ext uri="{BB962C8B-B14F-4D97-AF65-F5344CB8AC3E}">
@@ -18474,7 +17246,7 @@
                             </p:stCondLst>
                             <p:childTnLst>
                               <p:par>
-                                <p:cTn id="9" presetID="1" presetClass="entr" presetSubtype="0" fill="hold" nodeType="clickEffect">
+                                <p:cTn id="9" presetID="1" presetClass="entr" presetSubtype="0" fill="hold" grpId="0" nodeType="clickEffect">
                                   <p:stCondLst>
                                     <p:cond delay="0"/>
                                   </p:stCondLst>
@@ -18482,6 +17254,60 @@
                                     <p:set>
                                       <p:cBhvr>
                                         <p:cTn id="10" dur="1" fill="hold">
+                                          <p:stCondLst>
+                                            <p:cond delay="0"/>
+                                          </p:stCondLst>
+                                        </p:cTn>
+                                        <p:tgtEl>
+                                          <p:spTgt spid="12"/>
+                                        </p:tgtEl>
+                                        <p:attrNameLst>
+                                          <p:attrName>style.visibility</p:attrName>
+                                        </p:attrNameLst>
+                                      </p:cBhvr>
+                                      <p:to>
+                                        <p:strVal val="visible"/>
+                                      </p:to>
+                                    </p:set>
+                                  </p:childTnLst>
+                                </p:cTn>
+                              </p:par>
+                              <p:par>
+                                <p:cTn id="11" presetID="1" presetClass="entr" presetSubtype="0" fill="hold" grpId="0" nodeType="withEffect">
+                                  <p:stCondLst>
+                                    <p:cond delay="0"/>
+                                  </p:stCondLst>
+                                  <p:childTnLst>
+                                    <p:set>
+                                      <p:cBhvr>
+                                        <p:cTn id="12" dur="1" fill="hold">
+                                          <p:stCondLst>
+                                            <p:cond delay="0"/>
+                                          </p:stCondLst>
+                                        </p:cTn>
+                                        <p:tgtEl>
+                                          <p:spTgt spid="13"/>
+                                        </p:tgtEl>
+                                        <p:attrNameLst>
+                                          <p:attrName>style.visibility</p:attrName>
+                                        </p:attrNameLst>
+                                      </p:cBhvr>
+                                      <p:to>
+                                        <p:strVal val="visible"/>
+                                      </p:to>
+                                    </p:set>
+                                  </p:childTnLst>
+                                </p:cTn>
+                              </p:par>
+                              <p:par>
+                                <p:cTn id="13" presetID="1" presetClass="entr" presetSubtype="0" fill="hold" nodeType="withEffect">
+                                  <p:stCondLst>
+                                    <p:cond delay="0"/>
+                                  </p:stCondLst>
+                                  <p:childTnLst>
+                                    <p:set>
+                                      <p:cBhvr>
+                                        <p:cTn id="14" dur="1" fill="hold">
                                           <p:stCondLst>
                                             <p:cond delay="0"/>
                                           </p:stCondLst>
@@ -18527,11 +17353,15 @@
         </p:cTn>
       </p:par>
     </p:tnLst>
+    <p:bldLst>
+      <p:bldP spid="12" grpId="0" animBg="1"/>
+      <p:bldP spid="13" grpId="0" animBg="1"/>
+    </p:bldLst>
   </p:timing>
 </p:sld>
 </file>
 
-<file path=ppt/slides/slide15.xml><?xml version="1.0" encoding="utf-8"?>
+<file path=ppt/slides/slide13.xml><?xml version="1.0" encoding="utf-8"?>
 <p:sld xmlns:a="http://schemas.openxmlformats.org/drawingml/2006/main" xmlns:r="http://schemas.openxmlformats.org/officeDocument/2006/relationships" xmlns:p="http://schemas.openxmlformats.org/presentationml/2006/main">
   <p:cSld>
     <p:spTree>
@@ -18705,7 +17535,7 @@
               <a:pPr>
                 <a:defRPr/>
               </a:pPr>
-              <a:t>15</a:t>
+              <a:t>13</a:t>
             </a:fld>
             <a:endParaRPr lang="en-US" altLang="x-none" dirty="0"/>
           </a:p>
@@ -18724,7 +17554,7 @@
 </p:sld>
 </file>
 
-<file path=ppt/slides/slide16.xml><?xml version="1.0" encoding="utf-8"?>
+<file path=ppt/slides/slide14.xml><?xml version="1.0" encoding="utf-8"?>
 <p:sld xmlns:a="http://schemas.openxmlformats.org/drawingml/2006/main" xmlns:r="http://schemas.openxmlformats.org/officeDocument/2006/relationships" xmlns:p="http://schemas.openxmlformats.org/presentationml/2006/main">
   <p:cSld>
     <p:spTree>
@@ -18862,7 +17692,7 @@
               <a:pPr>
                 <a:defRPr/>
               </a:pPr>
-              <a:t>16</a:t>
+              <a:t>14</a:t>
             </a:fld>
             <a:endParaRPr lang="en-US" altLang="x-none"/>
           </a:p>
@@ -19156,7 +17986,7 @@
           <p:nvPr>
             <p:extLst>
               <p:ext uri="{D42A27DB-BD31-4B8C-83A1-F6EECF244321}">
-                <p14:modId xmlns:p14="http://schemas.microsoft.com/office/powerpoint/2010/main" val="1244661250"/>
+                <p14:modId xmlns:p14="http://schemas.microsoft.com/office/powerpoint/2010/main" val="1640921108"/>
               </p:ext>
             </p:extLst>
           </p:nvPr>
@@ -19502,6 +18332,285 @@
           </a:p>
         </p:txBody>
       </p:sp>
+      <p:cxnSp>
+        <p:nvCxnSpPr>
+          <p:cNvPr id="11" name="Elbow Connector 10">
+            <a:extLst>
+              <a:ext uri="{FF2B5EF4-FFF2-40B4-BE49-F238E27FC236}">
+                <a16:creationId xmlns:a16="http://schemas.microsoft.com/office/drawing/2014/main" id="{F8E32869-3FE1-C94C-AE0A-4F4C5F3D80D6}"/>
+              </a:ext>
+            </a:extLst>
+          </p:cNvPr>
+          <p:cNvCxnSpPr>
+            <a:cxnSpLocks/>
+            <a:endCxn id="14" idx="2"/>
+          </p:cNvCxnSpPr>
+          <p:nvPr/>
+        </p:nvCxnSpPr>
+        <p:spPr bwMode="auto">
+          <a:xfrm rot="5400000">
+            <a:off x="-546086" y="4441855"/>
+            <a:ext cx="2203492" cy="107889"/>
+          </a:xfrm>
+          <a:prstGeom prst="bentConnector4">
+            <a:avLst>
+              <a:gd name="adj1" fmla="val -481"/>
+              <a:gd name="adj2" fmla="val 189213"/>
+            </a:avLst>
+          </a:prstGeom>
+          <a:solidFill>
+            <a:srgbClr val="00B8FF"/>
+          </a:solidFill>
+          <a:ln w="38100" cap="flat" cmpd="sng" algn="ctr">
+            <a:solidFill>
+              <a:srgbClr val="FF0000"/>
+            </a:solidFill>
+            <a:prstDash val="solid"/>
+            <a:round/>
+            <a:headEnd type="triangle" w="med" len="med"/>
+            <a:tailEnd type="triangle"/>
+          </a:ln>
+          <a:effectLst/>
+          <a:extLst>
+            <a:ext uri="{AF507438-7753-43e0-B8FC-AC1667EBCBE1}">
+              <a14:hiddenEffects xmlns="" xmlns:a14="http://schemas.microsoft.com/office/drawing/2010/main">
+                <a:effectLst>
+                  <a:outerShdw blurRad="63500" dist="38099" dir="2700000" algn="ctr" rotWithShape="0">
+                    <a:schemeClr val="bg2">
+                      <a:alpha val="74998"/>
+                    </a:schemeClr>
+                  </a:outerShdw>
+                </a:effectLst>
+              </a14:hiddenEffects>
+            </a:ext>
+          </a:extLst>
+        </p:spPr>
+      </p:cxnSp>
+      <p:sp>
+        <p:nvSpPr>
+          <p:cNvPr id="14" name="Oval 13">
+            <a:extLst>
+              <a:ext uri="{FF2B5EF4-FFF2-40B4-BE49-F238E27FC236}">
+                <a16:creationId xmlns:a16="http://schemas.microsoft.com/office/drawing/2014/main" id="{DA134C20-D0F8-5349-AA65-7413629B27AC}"/>
+              </a:ext>
+            </a:extLst>
+          </p:cNvPr>
+          <p:cNvSpPr/>
+          <p:nvPr/>
+        </p:nvSpPr>
+        <p:spPr bwMode="auto">
+          <a:xfrm>
+            <a:off x="501715" y="5562600"/>
+            <a:ext cx="87433" cy="69890"/>
+          </a:xfrm>
+          <a:prstGeom prst="ellipse">
+            <a:avLst/>
+          </a:prstGeom>
+          <a:solidFill>
+            <a:srgbClr val="FF0000"/>
+          </a:solidFill>
+          <a:ln w="9525" cap="flat" cmpd="sng" algn="ctr">
+            <a:noFill/>
+            <a:prstDash val="solid"/>
+            <a:round/>
+            <a:headEnd type="none" w="med" len="med"/>
+            <a:tailEnd type="none" w="med" len="med"/>
+          </a:ln>
+          <a:effectLst/>
+          <a:extLst>
+            <a:ext uri="{AF507438-7753-43e0-B8FC-AC1667EBCBE1}">
+              <a14:hiddenEffects xmlns="" xmlns:a14="http://schemas.microsoft.com/office/drawing/2010/main">
+                <a:effectLst>
+                  <a:outerShdw blurRad="63500" dist="38099" dir="2700000" algn="ctr" rotWithShape="0">
+                    <a:schemeClr val="bg2">
+                      <a:alpha val="74998"/>
+                    </a:schemeClr>
+                  </a:outerShdw>
+                </a:effectLst>
+              </a14:hiddenEffects>
+            </a:ext>
+          </a:extLst>
+        </p:spPr>
+        <p:txBody>
+          <a:bodyPr vert="horz" wrap="square" lIns="91440" tIns="45720" rIns="91440" bIns="45720" numCol="1" rtlCol="0" anchor="t" anchorCtr="0" compatLnSpc="1">
+            <a:prstTxWarp prst="textNoShape">
+              <a:avLst/>
+            </a:prstTxWarp>
+          </a:bodyPr>
+          <a:lstStyle/>
+          <a:p>
+            <a:pPr marL="0" marR="0" indent="0" algn="l" defTabSz="457200" rtl="0" eaLnBrk="1" fontAlgn="base" latinLnBrk="0" hangingPunct="1">
+              <a:lnSpc>
+                <a:spcPct val="100000"/>
+              </a:lnSpc>
+              <a:spcBef>
+                <a:spcPct val="0"/>
+              </a:spcBef>
+              <a:spcAft>
+                <a:spcPct val="0"/>
+              </a:spcAft>
+              <a:buClr>
+                <a:srgbClr val="000000"/>
+              </a:buClr>
+              <a:buSzPct val="100000"/>
+              <a:buFont typeface="Times New Roman" charset="0"/>
+              <a:buNone/>
+              <a:tabLst/>
+            </a:pPr>
+            <a:endParaRPr kumimoji="0" lang="en-US" sz="2400" b="0" i="0" u="none" strike="noStrike" cap="none" normalizeH="0" baseline="0">
+              <a:ln>
+                <a:noFill/>
+              </a:ln>
+              <a:solidFill>
+                <a:schemeClr val="bg1"/>
+              </a:solidFill>
+              <a:effectLst/>
+              <a:latin typeface="Arial" charset="0"/>
+              <a:ea typeface="ＭＳ Ｐゴシック" charset="0"/>
+              <a:cs typeface="ＭＳ Ｐゴシック" charset="0"/>
+            </a:endParaRPr>
+          </a:p>
+        </p:txBody>
+      </p:sp>
+      <p:sp>
+        <p:nvSpPr>
+          <p:cNvPr id="17" name="Oval 16">
+            <a:extLst>
+              <a:ext uri="{FF2B5EF4-FFF2-40B4-BE49-F238E27FC236}">
+                <a16:creationId xmlns:a16="http://schemas.microsoft.com/office/drawing/2014/main" id="{7BF4497C-E06D-2F46-808D-14B54BABADB6}"/>
+              </a:ext>
+            </a:extLst>
+          </p:cNvPr>
+          <p:cNvSpPr/>
+          <p:nvPr/>
+        </p:nvSpPr>
+        <p:spPr bwMode="auto">
+          <a:xfrm>
+            <a:off x="522167" y="6324600"/>
+            <a:ext cx="87433" cy="69890"/>
+          </a:xfrm>
+          <a:prstGeom prst="ellipse">
+            <a:avLst/>
+          </a:prstGeom>
+          <a:solidFill>
+            <a:srgbClr val="FF0000"/>
+          </a:solidFill>
+          <a:ln w="9525" cap="flat" cmpd="sng" algn="ctr">
+            <a:noFill/>
+            <a:prstDash val="solid"/>
+            <a:round/>
+            <a:headEnd type="none" w="med" len="med"/>
+            <a:tailEnd type="none" w="med" len="med"/>
+          </a:ln>
+          <a:effectLst/>
+          <a:extLst>
+            <a:ext uri="{AF507438-7753-43e0-B8FC-AC1667EBCBE1}">
+              <a14:hiddenEffects xmlns="" xmlns:a14="http://schemas.microsoft.com/office/drawing/2010/main">
+                <a:effectLst>
+                  <a:outerShdw blurRad="63500" dist="38099" dir="2700000" algn="ctr" rotWithShape="0">
+                    <a:schemeClr val="bg2">
+                      <a:alpha val="74998"/>
+                    </a:schemeClr>
+                  </a:outerShdw>
+                </a:effectLst>
+              </a14:hiddenEffects>
+            </a:ext>
+          </a:extLst>
+        </p:spPr>
+        <p:txBody>
+          <a:bodyPr vert="horz" wrap="square" lIns="91440" tIns="45720" rIns="91440" bIns="45720" numCol="1" rtlCol="0" anchor="t" anchorCtr="0" compatLnSpc="1">
+            <a:prstTxWarp prst="textNoShape">
+              <a:avLst/>
+            </a:prstTxWarp>
+          </a:bodyPr>
+          <a:lstStyle/>
+          <a:p>
+            <a:pPr marL="0" marR="0" indent="0" algn="l" defTabSz="457200" rtl="0" eaLnBrk="1" fontAlgn="base" latinLnBrk="0" hangingPunct="1">
+              <a:lnSpc>
+                <a:spcPct val="100000"/>
+              </a:lnSpc>
+              <a:spcBef>
+                <a:spcPct val="0"/>
+              </a:spcBef>
+              <a:spcAft>
+                <a:spcPct val="0"/>
+              </a:spcAft>
+              <a:buClr>
+                <a:srgbClr val="000000"/>
+              </a:buClr>
+              <a:buSzPct val="100000"/>
+              <a:buFont typeface="Times New Roman" charset="0"/>
+              <a:buNone/>
+              <a:tabLst/>
+            </a:pPr>
+            <a:endParaRPr kumimoji="0" lang="en-US" sz="2400" b="0" i="0" u="none" strike="noStrike" cap="none" normalizeH="0" baseline="0">
+              <a:ln>
+                <a:noFill/>
+              </a:ln>
+              <a:solidFill>
+                <a:schemeClr val="bg1"/>
+              </a:solidFill>
+              <a:effectLst/>
+              <a:latin typeface="Arial" charset="0"/>
+              <a:ea typeface="ＭＳ Ｐゴシック" charset="0"/>
+              <a:cs typeface="ＭＳ Ｐゴシック" charset="0"/>
+            </a:endParaRPr>
+          </a:p>
+        </p:txBody>
+      </p:sp>
+      <p:cxnSp>
+        <p:nvCxnSpPr>
+          <p:cNvPr id="20" name="Elbow Connector 19">
+            <a:extLst>
+              <a:ext uri="{FF2B5EF4-FFF2-40B4-BE49-F238E27FC236}">
+                <a16:creationId xmlns:a16="http://schemas.microsoft.com/office/drawing/2014/main" id="{E0BA2DC5-809D-364C-86DD-32DBC8FA34FE}"/>
+              </a:ext>
+            </a:extLst>
+          </p:cNvPr>
+          <p:cNvCxnSpPr>
+            <a:endCxn id="17" idx="2"/>
+          </p:cNvCxnSpPr>
+          <p:nvPr/>
+        </p:nvCxnSpPr>
+        <p:spPr bwMode="auto">
+          <a:xfrm rot="5400000">
+            <a:off x="-524431" y="5225513"/>
+            <a:ext cx="2180631" cy="87433"/>
+          </a:xfrm>
+          <a:prstGeom prst="bentConnector4">
+            <a:avLst>
+              <a:gd name="adj1" fmla="val 645"/>
+              <a:gd name="adj2" fmla="val 361457"/>
+            </a:avLst>
+          </a:prstGeom>
+          <a:solidFill>
+            <a:srgbClr val="00B8FF"/>
+          </a:solidFill>
+          <a:ln w="38100" cap="flat" cmpd="sng" algn="ctr">
+            <a:solidFill>
+              <a:srgbClr val="FF0000"/>
+            </a:solidFill>
+            <a:prstDash val="solid"/>
+            <a:round/>
+            <a:headEnd type="triangle" w="med" len="med"/>
+            <a:tailEnd type="triangle"/>
+          </a:ln>
+          <a:effectLst/>
+          <a:extLst>
+            <a:ext uri="{AF507438-7753-43e0-B8FC-AC1667EBCBE1}">
+              <a14:hiddenEffects xmlns="" xmlns:a14="http://schemas.microsoft.com/office/drawing/2010/main">
+                <a:effectLst>
+                  <a:outerShdw blurRad="63500" dist="38099" dir="2700000" algn="ctr" rotWithShape="0">
+                    <a:schemeClr val="bg2">
+                      <a:alpha val="74998"/>
+                    </a:schemeClr>
+                  </a:outerShdw>
+                </a:effectLst>
+              </a14:hiddenEffects>
+            </a:ext>
+          </a:extLst>
+        </p:spPr>
+      </p:cxnSp>
     </p:spTree>
     <p:extLst>
       <p:ext uri="{BB962C8B-B14F-4D97-AF65-F5344CB8AC3E}">
@@ -19512,10 +18621,298 @@
   <p:clrMapOvr>
     <a:masterClrMapping/>
   </p:clrMapOvr>
+  <p:timing>
+    <p:tnLst>
+      <p:par>
+        <p:cTn id="1" dur="indefinite" restart="never" nodeType="tmRoot">
+          <p:childTnLst>
+            <p:seq concurrent="1" nextAc="seek">
+              <p:cTn id="2" dur="indefinite" nodeType="mainSeq">
+                <p:childTnLst>
+                  <p:par>
+                    <p:cTn id="3" fill="hold">
+                      <p:stCondLst>
+                        <p:cond delay="indefinite"/>
+                      </p:stCondLst>
+                      <p:childTnLst>
+                        <p:par>
+                          <p:cTn id="4" fill="hold">
+                            <p:stCondLst>
+                              <p:cond delay="0"/>
+                            </p:stCondLst>
+                            <p:childTnLst>
+                              <p:par>
+                                <p:cTn id="5" presetID="1" presetClass="entr" presetSubtype="0" fill="hold" nodeType="clickEffect">
+                                  <p:stCondLst>
+                                    <p:cond delay="0"/>
+                                  </p:stCondLst>
+                                  <p:childTnLst>
+                                    <p:set>
+                                      <p:cBhvr>
+                                        <p:cTn id="6" dur="1" fill="hold">
+                                          <p:stCondLst>
+                                            <p:cond delay="0"/>
+                                          </p:stCondLst>
+                                        </p:cTn>
+                                        <p:tgtEl>
+                                          <p:spTgt spid="6"/>
+                                        </p:tgtEl>
+                                        <p:attrNameLst>
+                                          <p:attrName>style.visibility</p:attrName>
+                                        </p:attrNameLst>
+                                      </p:cBhvr>
+                                      <p:to>
+                                        <p:strVal val="visible"/>
+                                      </p:to>
+                                    </p:set>
+                                  </p:childTnLst>
+                                </p:cTn>
+                              </p:par>
+                              <p:par>
+                                <p:cTn id="7" presetID="1" presetClass="entr" presetSubtype="0" fill="hold" grpId="0" nodeType="withEffect">
+                                  <p:stCondLst>
+                                    <p:cond delay="0"/>
+                                  </p:stCondLst>
+                                  <p:childTnLst>
+                                    <p:set>
+                                      <p:cBhvr>
+                                        <p:cTn id="8" dur="1" fill="hold">
+                                          <p:stCondLst>
+                                            <p:cond delay="0"/>
+                                          </p:stCondLst>
+                                        </p:cTn>
+                                        <p:tgtEl>
+                                          <p:spTgt spid="8"/>
+                                        </p:tgtEl>
+                                        <p:attrNameLst>
+                                          <p:attrName>style.visibility</p:attrName>
+                                        </p:attrNameLst>
+                                      </p:cBhvr>
+                                      <p:to>
+                                        <p:strVal val="visible"/>
+                                      </p:to>
+                                    </p:set>
+                                  </p:childTnLst>
+                                </p:cTn>
+                              </p:par>
+                              <p:par>
+                                <p:cTn id="9" presetID="1" presetClass="entr" presetSubtype="0" fill="hold" nodeType="withEffect">
+                                  <p:stCondLst>
+                                    <p:cond delay="0"/>
+                                  </p:stCondLst>
+                                  <p:childTnLst>
+                                    <p:set>
+                                      <p:cBhvr>
+                                        <p:cTn id="10" dur="1" fill="hold">
+                                          <p:stCondLst>
+                                            <p:cond delay="0"/>
+                                          </p:stCondLst>
+                                        </p:cTn>
+                                        <p:tgtEl>
+                                          <p:spTgt spid="7"/>
+                                        </p:tgtEl>
+                                        <p:attrNameLst>
+                                          <p:attrName>style.visibility</p:attrName>
+                                        </p:attrNameLst>
+                                      </p:cBhvr>
+                                      <p:to>
+                                        <p:strVal val="visible"/>
+                                      </p:to>
+                                    </p:set>
+                                  </p:childTnLst>
+                                </p:cTn>
+                              </p:par>
+                              <p:par>
+                                <p:cTn id="11" presetID="1" presetClass="entr" presetSubtype="0" fill="hold" grpId="0" nodeType="withEffect">
+                                  <p:stCondLst>
+                                    <p:cond delay="0"/>
+                                  </p:stCondLst>
+                                  <p:childTnLst>
+                                    <p:set>
+                                      <p:cBhvr>
+                                        <p:cTn id="12" dur="1" fill="hold">
+                                          <p:stCondLst>
+                                            <p:cond delay="0"/>
+                                          </p:stCondLst>
+                                        </p:cTn>
+                                        <p:tgtEl>
+                                          <p:spTgt spid="9"/>
+                                        </p:tgtEl>
+                                        <p:attrNameLst>
+                                          <p:attrName>style.visibility</p:attrName>
+                                        </p:attrNameLst>
+                                      </p:cBhvr>
+                                      <p:to>
+                                        <p:strVal val="visible"/>
+                                      </p:to>
+                                    </p:set>
+                                  </p:childTnLst>
+                                </p:cTn>
+                              </p:par>
+                            </p:childTnLst>
+                          </p:cTn>
+                        </p:par>
+                      </p:childTnLst>
+                    </p:cTn>
+                  </p:par>
+                  <p:par>
+                    <p:cTn id="13" fill="hold">
+                      <p:stCondLst>
+                        <p:cond delay="indefinite"/>
+                      </p:stCondLst>
+                      <p:childTnLst>
+                        <p:par>
+                          <p:cTn id="14" fill="hold">
+                            <p:stCondLst>
+                              <p:cond delay="0"/>
+                            </p:stCondLst>
+                            <p:childTnLst>
+                              <p:par>
+                                <p:cTn id="15" presetID="1" presetClass="entr" presetSubtype="0" fill="hold" nodeType="clickEffect">
+                                  <p:stCondLst>
+                                    <p:cond delay="0"/>
+                                  </p:stCondLst>
+                                  <p:childTnLst>
+                                    <p:set>
+                                      <p:cBhvr>
+                                        <p:cTn id="16" dur="1" fill="hold">
+                                          <p:stCondLst>
+                                            <p:cond delay="0"/>
+                                          </p:stCondLst>
+                                        </p:cTn>
+                                        <p:tgtEl>
+                                          <p:spTgt spid="11"/>
+                                        </p:tgtEl>
+                                        <p:attrNameLst>
+                                          <p:attrName>style.visibility</p:attrName>
+                                        </p:attrNameLst>
+                                      </p:cBhvr>
+                                      <p:to>
+                                        <p:strVal val="visible"/>
+                                      </p:to>
+                                    </p:set>
+                                  </p:childTnLst>
+                                </p:cTn>
+                              </p:par>
+                              <p:par>
+                                <p:cTn id="17" presetID="1" presetClass="entr" presetSubtype="0" fill="hold" nodeType="withEffect">
+                                  <p:stCondLst>
+                                    <p:cond delay="0"/>
+                                  </p:stCondLst>
+                                  <p:childTnLst>
+                                    <p:set>
+                                      <p:cBhvr>
+                                        <p:cTn id="18" dur="1" fill="hold">
+                                          <p:stCondLst>
+                                            <p:cond delay="0"/>
+                                          </p:stCondLst>
+                                        </p:cTn>
+                                        <p:tgtEl>
+                                          <p:spTgt spid="20"/>
+                                        </p:tgtEl>
+                                        <p:attrNameLst>
+                                          <p:attrName>style.visibility</p:attrName>
+                                        </p:attrNameLst>
+                                      </p:cBhvr>
+                                      <p:to>
+                                        <p:strVal val="visible"/>
+                                      </p:to>
+                                    </p:set>
+                                  </p:childTnLst>
+                                </p:cTn>
+                              </p:par>
+                              <p:par>
+                                <p:cTn id="19" presetID="1" presetClass="entr" presetSubtype="0" fill="hold" grpId="0" nodeType="withEffect">
+                                  <p:stCondLst>
+                                    <p:cond delay="0"/>
+                                  </p:stCondLst>
+                                  <p:childTnLst>
+                                    <p:set>
+                                      <p:cBhvr>
+                                        <p:cTn id="20" dur="1" fill="hold">
+                                          <p:stCondLst>
+                                            <p:cond delay="0"/>
+                                          </p:stCondLst>
+                                        </p:cTn>
+                                        <p:tgtEl>
+                                          <p:spTgt spid="14"/>
+                                        </p:tgtEl>
+                                        <p:attrNameLst>
+                                          <p:attrName>style.visibility</p:attrName>
+                                        </p:attrNameLst>
+                                      </p:cBhvr>
+                                      <p:to>
+                                        <p:strVal val="visible"/>
+                                      </p:to>
+                                    </p:set>
+                                  </p:childTnLst>
+                                </p:cTn>
+                              </p:par>
+                              <p:par>
+                                <p:cTn id="21" presetID="1" presetClass="entr" presetSubtype="0" fill="hold" grpId="0" nodeType="withEffect">
+                                  <p:stCondLst>
+                                    <p:cond delay="0"/>
+                                  </p:stCondLst>
+                                  <p:childTnLst>
+                                    <p:set>
+                                      <p:cBhvr>
+                                        <p:cTn id="22" dur="1" fill="hold">
+                                          <p:stCondLst>
+                                            <p:cond delay="0"/>
+                                          </p:stCondLst>
+                                        </p:cTn>
+                                        <p:tgtEl>
+                                          <p:spTgt spid="17"/>
+                                        </p:tgtEl>
+                                        <p:attrNameLst>
+                                          <p:attrName>style.visibility</p:attrName>
+                                        </p:attrNameLst>
+                                      </p:cBhvr>
+                                      <p:to>
+                                        <p:strVal val="visible"/>
+                                      </p:to>
+                                    </p:set>
+                                  </p:childTnLst>
+                                </p:cTn>
+                              </p:par>
+                            </p:childTnLst>
+                          </p:cTn>
+                        </p:par>
+                      </p:childTnLst>
+                    </p:cTn>
+                  </p:par>
+                </p:childTnLst>
+              </p:cTn>
+              <p:prevCondLst>
+                <p:cond evt="onPrev" delay="0">
+                  <p:tgtEl>
+                    <p:sldTgt/>
+                  </p:tgtEl>
+                </p:cond>
+              </p:prevCondLst>
+              <p:nextCondLst>
+                <p:cond evt="onNext" delay="0">
+                  <p:tgtEl>
+                    <p:sldTgt/>
+                  </p:tgtEl>
+                </p:cond>
+              </p:nextCondLst>
+            </p:seq>
+          </p:childTnLst>
+        </p:cTn>
+      </p:par>
+    </p:tnLst>
+    <p:bldLst>
+      <p:bldP spid="8" grpId="0"/>
+      <p:bldP spid="9" grpId="0"/>
+      <p:bldP spid="14" grpId="0" animBg="1"/>
+      <p:bldP spid="17" grpId="0" animBg="1"/>
+    </p:bldLst>
+  </p:timing>
 </p:sld>
 </file>
 
-<file path=ppt/slides/slide17.xml><?xml version="1.0" encoding="utf-8"?>
+<file path=ppt/slides/slide15.xml><?xml version="1.0" encoding="utf-8"?>
 <p:sld xmlns:a="http://schemas.openxmlformats.org/drawingml/2006/main" xmlns:r="http://schemas.openxmlformats.org/officeDocument/2006/relationships" xmlns:p="http://schemas.openxmlformats.org/presentationml/2006/main">
   <p:cSld>
     <p:spTree>
@@ -19736,7 +19133,7 @@
               <a:pPr>
                 <a:defRPr/>
               </a:pPr>
-              <a:t>17</a:t>
+              <a:t>15</a:t>
             </a:fld>
             <a:endParaRPr lang="en-US" altLang="x-none"/>
           </a:p>
@@ -20044,10 +19441,10 @@
       </p:grpSpPr>
       <p:sp>
         <p:nvSpPr>
-          <p:cNvPr id="40961" name="Title 3">
+          <p:cNvPr id="41985" name="Title 1">
             <a:extLst>
               <a:ext uri="{FF2B5EF4-FFF2-40B4-BE49-F238E27FC236}">
-                <a16:creationId xmlns:a16="http://schemas.microsoft.com/office/drawing/2014/main" id="{53C554F8-A606-984F-B256-3974CECB4A48}"/>
+                <a16:creationId xmlns:a16="http://schemas.microsoft.com/office/drawing/2014/main" id="{FAD89EC0-1BE2-C54F-89FA-F2ED470A7706}"/>
               </a:ext>
             </a:extLst>
           </p:cNvPr>
@@ -20090,17 +19487,17 @@
           <a:p>
             <a:r>
               <a:rPr lang="en-US" altLang="en-US"/>
-              <a:t>Notes</a:t>
+              <a:t>Data Essentials</a:t>
             </a:r>
           </a:p>
         </p:txBody>
       </p:sp>
       <p:sp>
         <p:nvSpPr>
-          <p:cNvPr id="40962" name="Content Placeholder 4">
+          <p:cNvPr id="41986" name="Content Placeholder 2">
             <a:extLst>
               <a:ext uri="{FF2B5EF4-FFF2-40B4-BE49-F238E27FC236}">
-                <a16:creationId xmlns:a16="http://schemas.microsoft.com/office/drawing/2014/main" id="{27B41574-B821-F840-AA37-5E9E4A7908E5}"/>
+                <a16:creationId xmlns:a16="http://schemas.microsoft.com/office/drawing/2014/main" id="{6AA52A67-71B2-FC48-BB3A-50E1D65CE3AF}"/>
               </a:ext>
             </a:extLst>
           </p:cNvPr>
@@ -20112,10 +19509,6 @@
           </p:nvPr>
         </p:nvSpPr>
         <p:spPr bwMode="auto">
-          <a:xfrm>
-            <a:off x="457200" y="1066800"/>
-            <a:ext cx="8229600" cy="4525963"/>
-          </a:xfrm>
           <a:noFill/>
           <a:extLst>
             <a:ext uri="{909E8E84-426E-40DD-AFC4-6F175D3DCCD1}">
@@ -20146,101 +19539,39 @@
           <a:lstStyle/>
           <a:p>
             <a:r>
-              <a:rPr lang="en-US" altLang="en-US" sz="2000"/>
-              <a:t>Sources of data – start with Kaggle</a:t>
-            </a:r>
-          </a:p>
-          <a:p>
-            <a:pPr marL="857250" lvl="1"/>
-            <a:r>
-              <a:rPr lang="en-US" altLang="en-US" sz="1800"/>
-              <a:t>Identify two related tables</a:t>
-            </a:r>
-          </a:p>
-          <a:p>
-            <a:r>
-              <a:rPr lang="en-US" altLang="en-US" sz="2000"/>
-              <a:t>Tables &amp; SW Eng basics</a:t>
-            </a:r>
-          </a:p>
-          <a:p>
-            <a:pPr marL="857250" lvl="1"/>
-            <a:r>
-              <a:rPr lang="en-US" altLang="en-US" sz="1800"/>
-              <a:t>Elements of a table -&gt; structure and relationships</a:t>
-            </a:r>
-          </a:p>
-          <a:p>
-            <a:pPr marL="1200150" lvl="2" indent="-457200"/>
-            <a:r>
-              <a:rPr lang="en-US" altLang="en-US" sz="1400"/>
-              <a:t>Keys, foreign keys</a:t>
-            </a:r>
-          </a:p>
-          <a:p>
-            <a:pPr marL="857250" lvl="1"/>
-            <a:r>
-              <a:rPr lang="en-US" altLang="en-US" sz="1800"/>
-              <a:t>Transformations of tables -&gt; operations</a:t>
-            </a:r>
-          </a:p>
-          <a:p>
-            <a:pPr marL="1200150" lvl="2" indent="-457200"/>
-            <a:r>
-              <a:rPr lang="en-US" altLang="en-US" sz="1400"/>
-              <a:t>Select, join, merge</a:t>
-            </a:r>
-          </a:p>
-          <a:p>
-            <a:pPr marL="857250" lvl="1"/>
-            <a:r>
-              <a:rPr lang="en-US" altLang="en-US" sz="1800"/>
-              <a:t>Recursive operations – operations create tables and can operate on tables</a:t>
-            </a:r>
-          </a:p>
-          <a:p>
-            <a:r>
-              <a:rPr lang="en-US" altLang="en-US" sz="2000"/>
-              <a:t>Transforming tables with SQL</a:t>
-            </a:r>
-          </a:p>
-          <a:p>
-            <a:r>
-              <a:rPr lang="en-US" altLang="en-US" sz="2000"/>
-              <a:t>Key engineering issues</a:t>
-            </a:r>
-          </a:p>
-          <a:p>
-            <a:pPr marL="857250" lvl="1"/>
-            <a:r>
-              <a:rPr lang="en-US" altLang="en-US" sz="1800"/>
-              <a:t>Correctness</a:t>
-            </a:r>
-          </a:p>
-          <a:p>
-            <a:pPr marL="857250" lvl="1"/>
-            <a:r>
-              <a:rPr lang="en-US" altLang="en-US" sz="1800"/>
-              <a:t>Performance</a:t>
-            </a:r>
-          </a:p>
-          <a:p>
-            <a:r>
-              <a:rPr lang="en-US" altLang="en-US" sz="2000"/>
-              <a:t>Homework</a:t>
-            </a:r>
-          </a:p>
-          <a:p>
-            <a:endParaRPr lang="en-US" altLang="en-US" sz="2000"/>
+              <a:rPr lang="en-US" altLang="en-US"/>
+              <a:t>Data sources</a:t>
+            </a:r>
+          </a:p>
+          <a:p>
+            <a:r>
+              <a:rPr lang="en-US" altLang="en-US"/>
+              <a:t>Tables and some software engineering basics</a:t>
+            </a:r>
+          </a:p>
+          <a:p>
+            <a:r>
+              <a:rPr lang="en-US" altLang="en-US"/>
+              <a:t>Transforming tables using SQL</a:t>
+            </a:r>
+          </a:p>
+          <a:p>
+            <a:r>
+              <a:rPr lang="en-US" altLang="en-US"/>
+              <a:t>Homework 1</a:t>
+            </a:r>
+          </a:p>
+          <a:p>
+            <a:endParaRPr lang="en-US" altLang="en-US"/>
           </a:p>
         </p:txBody>
       </p:sp>
       <p:sp>
         <p:nvSpPr>
-          <p:cNvPr id="40963" name="Footer Placeholder 1">
+          <p:cNvPr id="41987" name="Footer Placeholder 3">
             <a:extLst>
               <a:ext uri="{FF2B5EF4-FFF2-40B4-BE49-F238E27FC236}">
-                <a16:creationId xmlns:a16="http://schemas.microsoft.com/office/drawing/2014/main" id="{50B52215-A468-D942-A637-A95CDA1A089C}"/>
+                <a16:creationId xmlns:a16="http://schemas.microsoft.com/office/drawing/2014/main" id="{368B7366-AA7A-B548-AA59-240025FDE5A9}"/>
               </a:ext>
             </a:extLst>
           </p:cNvPr>
@@ -20603,900 +19934,6 @@
       </p:sp>
       <p:sp>
         <p:nvSpPr>
-          <p:cNvPr id="40964" name="Slide Number Placeholder 2">
-            <a:extLst>
-              <a:ext uri="{FF2B5EF4-FFF2-40B4-BE49-F238E27FC236}">
-                <a16:creationId xmlns:a16="http://schemas.microsoft.com/office/drawing/2014/main" id="{26CA2E76-5984-6847-B124-9C388BD37A14}"/>
-              </a:ext>
-            </a:extLst>
-          </p:cNvPr>
-          <p:cNvSpPr>
-            <a:spLocks noGrp="1" noChangeArrowheads="1"/>
-          </p:cNvSpPr>
-          <p:nvPr>
-            <p:ph type="sldNum" sz="quarter" idx="11"/>
-          </p:nvPr>
-        </p:nvSpPr>
-        <p:spPr>
-          <a:xfrm>
-            <a:off x="7762875" y="6248400"/>
-            <a:ext cx="314325" cy="363538"/>
-          </a:xfrm>
-          <a:noFill/>
-          <a:extLst>
-            <a:ext uri="{909E8E84-426E-40DD-AFC4-6F175D3DCCD1}">
-              <a14:hiddenFill xmlns:a14="http://schemas.microsoft.com/office/drawing/2010/main">
-                <a:solidFill>
-                  <a:srgbClr val="FFFFFF"/>
-                </a:solidFill>
-              </a14:hiddenFill>
-            </a:ext>
-            <a:ext uri="{91240B29-F687-4F45-9708-019B960494DF}">
-              <a14:hiddenLine xmlns:a14="http://schemas.microsoft.com/office/drawing/2010/main" w="9525">
-                <a:solidFill>
-                  <a:srgbClr val="000000"/>
-                </a:solidFill>
-                <a:miter lim="800000"/>
-                <a:headEnd/>
-                <a:tailEnd/>
-              </a14:hiddenLine>
-            </a:ext>
-          </a:extLst>
-        </p:spPr>
-        <p:txBody>
-          <a:bodyPr/>
-          <a:lstStyle>
-            <a:lvl1pPr>
-              <a:tabLst>
-                <a:tab pos="0" algn="l"/>
-                <a:tab pos="457200" algn="l"/>
-                <a:tab pos="914400" algn="l"/>
-                <a:tab pos="1371600" algn="l"/>
-                <a:tab pos="1828800" algn="l"/>
-                <a:tab pos="2286000" algn="l"/>
-                <a:tab pos="2743200" algn="l"/>
-                <a:tab pos="3200400" algn="l"/>
-                <a:tab pos="3657600" algn="l"/>
-                <a:tab pos="4114800" algn="l"/>
-                <a:tab pos="4572000" algn="l"/>
-                <a:tab pos="5029200" algn="l"/>
-                <a:tab pos="5486400" algn="l"/>
-                <a:tab pos="5943600" algn="l"/>
-                <a:tab pos="6400800" algn="l"/>
-                <a:tab pos="6858000" algn="l"/>
-                <a:tab pos="7315200" algn="l"/>
-                <a:tab pos="7772400" algn="l"/>
-                <a:tab pos="8229600" algn="l"/>
-                <a:tab pos="8686800" algn="l"/>
-                <a:tab pos="9144000" algn="l"/>
-              </a:tabLst>
-              <a:defRPr sz="2400">
-                <a:solidFill>
-                  <a:schemeClr val="bg1"/>
-                </a:solidFill>
-                <a:latin typeface="Arial" panose="020B0604020202020204" pitchFamily="34" charset="0"/>
-                <a:ea typeface="ＭＳ Ｐゴシック" panose="020B0600070205080204" pitchFamily="34" charset="-128"/>
-              </a:defRPr>
-            </a:lvl1pPr>
-            <a:lvl2pPr>
-              <a:tabLst>
-                <a:tab pos="0" algn="l"/>
-                <a:tab pos="457200" algn="l"/>
-                <a:tab pos="914400" algn="l"/>
-                <a:tab pos="1371600" algn="l"/>
-                <a:tab pos="1828800" algn="l"/>
-                <a:tab pos="2286000" algn="l"/>
-                <a:tab pos="2743200" algn="l"/>
-                <a:tab pos="3200400" algn="l"/>
-                <a:tab pos="3657600" algn="l"/>
-                <a:tab pos="4114800" algn="l"/>
-                <a:tab pos="4572000" algn="l"/>
-                <a:tab pos="5029200" algn="l"/>
-                <a:tab pos="5486400" algn="l"/>
-                <a:tab pos="5943600" algn="l"/>
-                <a:tab pos="6400800" algn="l"/>
-                <a:tab pos="6858000" algn="l"/>
-                <a:tab pos="7315200" algn="l"/>
-                <a:tab pos="7772400" algn="l"/>
-                <a:tab pos="8229600" algn="l"/>
-                <a:tab pos="8686800" algn="l"/>
-                <a:tab pos="9144000" algn="l"/>
-              </a:tabLst>
-              <a:defRPr sz="2400">
-                <a:solidFill>
-                  <a:schemeClr val="bg1"/>
-                </a:solidFill>
-                <a:latin typeface="Arial" panose="020B0604020202020204" pitchFamily="34" charset="0"/>
-                <a:ea typeface="ＭＳ Ｐゴシック" panose="020B0600070205080204" pitchFamily="34" charset="-128"/>
-              </a:defRPr>
-            </a:lvl2pPr>
-            <a:lvl3pPr>
-              <a:tabLst>
-                <a:tab pos="0" algn="l"/>
-                <a:tab pos="457200" algn="l"/>
-                <a:tab pos="914400" algn="l"/>
-                <a:tab pos="1371600" algn="l"/>
-                <a:tab pos="1828800" algn="l"/>
-                <a:tab pos="2286000" algn="l"/>
-                <a:tab pos="2743200" algn="l"/>
-                <a:tab pos="3200400" algn="l"/>
-                <a:tab pos="3657600" algn="l"/>
-                <a:tab pos="4114800" algn="l"/>
-                <a:tab pos="4572000" algn="l"/>
-                <a:tab pos="5029200" algn="l"/>
-                <a:tab pos="5486400" algn="l"/>
-                <a:tab pos="5943600" algn="l"/>
-                <a:tab pos="6400800" algn="l"/>
-                <a:tab pos="6858000" algn="l"/>
-                <a:tab pos="7315200" algn="l"/>
-                <a:tab pos="7772400" algn="l"/>
-                <a:tab pos="8229600" algn="l"/>
-                <a:tab pos="8686800" algn="l"/>
-                <a:tab pos="9144000" algn="l"/>
-              </a:tabLst>
-              <a:defRPr sz="2400">
-                <a:solidFill>
-                  <a:schemeClr val="bg1"/>
-                </a:solidFill>
-                <a:latin typeface="Arial" panose="020B0604020202020204" pitchFamily="34" charset="0"/>
-                <a:ea typeface="ＭＳ Ｐゴシック" panose="020B0600070205080204" pitchFamily="34" charset="-128"/>
-              </a:defRPr>
-            </a:lvl3pPr>
-            <a:lvl4pPr>
-              <a:tabLst>
-                <a:tab pos="0" algn="l"/>
-                <a:tab pos="457200" algn="l"/>
-                <a:tab pos="914400" algn="l"/>
-                <a:tab pos="1371600" algn="l"/>
-                <a:tab pos="1828800" algn="l"/>
-                <a:tab pos="2286000" algn="l"/>
-                <a:tab pos="2743200" algn="l"/>
-                <a:tab pos="3200400" algn="l"/>
-                <a:tab pos="3657600" algn="l"/>
-                <a:tab pos="4114800" algn="l"/>
-                <a:tab pos="4572000" algn="l"/>
-                <a:tab pos="5029200" algn="l"/>
-                <a:tab pos="5486400" algn="l"/>
-                <a:tab pos="5943600" algn="l"/>
-                <a:tab pos="6400800" algn="l"/>
-                <a:tab pos="6858000" algn="l"/>
-                <a:tab pos="7315200" algn="l"/>
-                <a:tab pos="7772400" algn="l"/>
-                <a:tab pos="8229600" algn="l"/>
-                <a:tab pos="8686800" algn="l"/>
-                <a:tab pos="9144000" algn="l"/>
-              </a:tabLst>
-              <a:defRPr sz="2400">
-                <a:solidFill>
-                  <a:schemeClr val="bg1"/>
-                </a:solidFill>
-                <a:latin typeface="Arial" panose="020B0604020202020204" pitchFamily="34" charset="0"/>
-                <a:ea typeface="ＭＳ Ｐゴシック" panose="020B0600070205080204" pitchFamily="34" charset="-128"/>
-              </a:defRPr>
-            </a:lvl4pPr>
-            <a:lvl5pPr>
-              <a:tabLst>
-                <a:tab pos="0" algn="l"/>
-                <a:tab pos="457200" algn="l"/>
-                <a:tab pos="914400" algn="l"/>
-                <a:tab pos="1371600" algn="l"/>
-                <a:tab pos="1828800" algn="l"/>
-                <a:tab pos="2286000" algn="l"/>
-                <a:tab pos="2743200" algn="l"/>
-                <a:tab pos="3200400" algn="l"/>
-                <a:tab pos="3657600" algn="l"/>
-                <a:tab pos="4114800" algn="l"/>
-                <a:tab pos="4572000" algn="l"/>
-                <a:tab pos="5029200" algn="l"/>
-                <a:tab pos="5486400" algn="l"/>
-                <a:tab pos="5943600" algn="l"/>
-                <a:tab pos="6400800" algn="l"/>
-                <a:tab pos="6858000" algn="l"/>
-                <a:tab pos="7315200" algn="l"/>
-                <a:tab pos="7772400" algn="l"/>
-                <a:tab pos="8229600" algn="l"/>
-                <a:tab pos="8686800" algn="l"/>
-                <a:tab pos="9144000" algn="l"/>
-              </a:tabLst>
-              <a:defRPr sz="2400">
-                <a:solidFill>
-                  <a:schemeClr val="bg1"/>
-                </a:solidFill>
-                <a:latin typeface="Arial" panose="020B0604020202020204" pitchFamily="34" charset="0"/>
-                <a:ea typeface="ＭＳ Ｐゴシック" panose="020B0600070205080204" pitchFamily="34" charset="-128"/>
-              </a:defRPr>
-            </a:lvl5pPr>
-            <a:lvl6pPr marL="2514600" indent="-228600" defTabSz="457200" eaLnBrk="0" fontAlgn="base" hangingPunct="0">
-              <a:spcBef>
-                <a:spcPct val="0"/>
-              </a:spcBef>
-              <a:spcAft>
-                <a:spcPct val="0"/>
-              </a:spcAft>
-              <a:tabLst>
-                <a:tab pos="0" algn="l"/>
-                <a:tab pos="457200" algn="l"/>
-                <a:tab pos="914400" algn="l"/>
-                <a:tab pos="1371600" algn="l"/>
-                <a:tab pos="1828800" algn="l"/>
-                <a:tab pos="2286000" algn="l"/>
-                <a:tab pos="2743200" algn="l"/>
-                <a:tab pos="3200400" algn="l"/>
-                <a:tab pos="3657600" algn="l"/>
-                <a:tab pos="4114800" algn="l"/>
-                <a:tab pos="4572000" algn="l"/>
-                <a:tab pos="5029200" algn="l"/>
-                <a:tab pos="5486400" algn="l"/>
-                <a:tab pos="5943600" algn="l"/>
-                <a:tab pos="6400800" algn="l"/>
-                <a:tab pos="6858000" algn="l"/>
-                <a:tab pos="7315200" algn="l"/>
-                <a:tab pos="7772400" algn="l"/>
-                <a:tab pos="8229600" algn="l"/>
-                <a:tab pos="8686800" algn="l"/>
-                <a:tab pos="9144000" algn="l"/>
-              </a:tabLst>
-              <a:defRPr sz="2400">
-                <a:solidFill>
-                  <a:schemeClr val="bg1"/>
-                </a:solidFill>
-                <a:latin typeface="Arial" panose="020B0604020202020204" pitchFamily="34" charset="0"/>
-                <a:ea typeface="ＭＳ Ｐゴシック" panose="020B0600070205080204" pitchFamily="34" charset="-128"/>
-              </a:defRPr>
-            </a:lvl6pPr>
-            <a:lvl7pPr marL="2971800" indent="-228600" defTabSz="457200" eaLnBrk="0" fontAlgn="base" hangingPunct="0">
-              <a:spcBef>
-                <a:spcPct val="0"/>
-              </a:spcBef>
-              <a:spcAft>
-                <a:spcPct val="0"/>
-              </a:spcAft>
-              <a:tabLst>
-                <a:tab pos="0" algn="l"/>
-                <a:tab pos="457200" algn="l"/>
-                <a:tab pos="914400" algn="l"/>
-                <a:tab pos="1371600" algn="l"/>
-                <a:tab pos="1828800" algn="l"/>
-                <a:tab pos="2286000" algn="l"/>
-                <a:tab pos="2743200" algn="l"/>
-                <a:tab pos="3200400" algn="l"/>
-                <a:tab pos="3657600" algn="l"/>
-                <a:tab pos="4114800" algn="l"/>
-                <a:tab pos="4572000" algn="l"/>
-                <a:tab pos="5029200" algn="l"/>
-                <a:tab pos="5486400" algn="l"/>
-                <a:tab pos="5943600" algn="l"/>
-                <a:tab pos="6400800" algn="l"/>
-                <a:tab pos="6858000" algn="l"/>
-                <a:tab pos="7315200" algn="l"/>
-                <a:tab pos="7772400" algn="l"/>
-                <a:tab pos="8229600" algn="l"/>
-                <a:tab pos="8686800" algn="l"/>
-                <a:tab pos="9144000" algn="l"/>
-              </a:tabLst>
-              <a:defRPr sz="2400">
-                <a:solidFill>
-                  <a:schemeClr val="bg1"/>
-                </a:solidFill>
-                <a:latin typeface="Arial" panose="020B0604020202020204" pitchFamily="34" charset="0"/>
-                <a:ea typeface="ＭＳ Ｐゴシック" panose="020B0600070205080204" pitchFamily="34" charset="-128"/>
-              </a:defRPr>
-            </a:lvl7pPr>
-            <a:lvl8pPr marL="3429000" indent="-228600" defTabSz="457200" eaLnBrk="0" fontAlgn="base" hangingPunct="0">
-              <a:spcBef>
-                <a:spcPct val="0"/>
-              </a:spcBef>
-              <a:spcAft>
-                <a:spcPct val="0"/>
-              </a:spcAft>
-              <a:tabLst>
-                <a:tab pos="0" algn="l"/>
-                <a:tab pos="457200" algn="l"/>
-                <a:tab pos="914400" algn="l"/>
-                <a:tab pos="1371600" algn="l"/>
-                <a:tab pos="1828800" algn="l"/>
-                <a:tab pos="2286000" algn="l"/>
-                <a:tab pos="2743200" algn="l"/>
-                <a:tab pos="3200400" algn="l"/>
-                <a:tab pos="3657600" algn="l"/>
-                <a:tab pos="4114800" algn="l"/>
-                <a:tab pos="4572000" algn="l"/>
-                <a:tab pos="5029200" algn="l"/>
-                <a:tab pos="5486400" algn="l"/>
-                <a:tab pos="5943600" algn="l"/>
-                <a:tab pos="6400800" algn="l"/>
-                <a:tab pos="6858000" algn="l"/>
-                <a:tab pos="7315200" algn="l"/>
-                <a:tab pos="7772400" algn="l"/>
-                <a:tab pos="8229600" algn="l"/>
-                <a:tab pos="8686800" algn="l"/>
-                <a:tab pos="9144000" algn="l"/>
-              </a:tabLst>
-              <a:defRPr sz="2400">
-                <a:solidFill>
-                  <a:schemeClr val="bg1"/>
-                </a:solidFill>
-                <a:latin typeface="Arial" panose="020B0604020202020204" pitchFamily="34" charset="0"/>
-                <a:ea typeface="ＭＳ Ｐゴシック" panose="020B0600070205080204" pitchFamily="34" charset="-128"/>
-              </a:defRPr>
-            </a:lvl8pPr>
-            <a:lvl9pPr marL="3886200" indent="-228600" defTabSz="457200" eaLnBrk="0" fontAlgn="base" hangingPunct="0">
-              <a:spcBef>
-                <a:spcPct val="0"/>
-              </a:spcBef>
-              <a:spcAft>
-                <a:spcPct val="0"/>
-              </a:spcAft>
-              <a:tabLst>
-                <a:tab pos="0" algn="l"/>
-                <a:tab pos="457200" algn="l"/>
-                <a:tab pos="914400" algn="l"/>
-                <a:tab pos="1371600" algn="l"/>
-                <a:tab pos="1828800" algn="l"/>
-                <a:tab pos="2286000" algn="l"/>
-                <a:tab pos="2743200" algn="l"/>
-                <a:tab pos="3200400" algn="l"/>
-                <a:tab pos="3657600" algn="l"/>
-                <a:tab pos="4114800" algn="l"/>
-                <a:tab pos="4572000" algn="l"/>
-                <a:tab pos="5029200" algn="l"/>
-                <a:tab pos="5486400" algn="l"/>
-                <a:tab pos="5943600" algn="l"/>
-                <a:tab pos="6400800" algn="l"/>
-                <a:tab pos="6858000" algn="l"/>
-                <a:tab pos="7315200" algn="l"/>
-                <a:tab pos="7772400" algn="l"/>
-                <a:tab pos="8229600" algn="l"/>
-                <a:tab pos="8686800" algn="l"/>
-                <a:tab pos="9144000" algn="l"/>
-              </a:tabLst>
-              <a:defRPr sz="2400">
-                <a:solidFill>
-                  <a:schemeClr val="bg1"/>
-                </a:solidFill>
-                <a:latin typeface="Arial" panose="020B0604020202020204" pitchFamily="34" charset="0"/>
-                <a:ea typeface="ＭＳ Ｐゴシック" panose="020B0600070205080204" pitchFamily="34" charset="-128"/>
-              </a:defRPr>
-            </a:lvl9pPr>
-          </a:lstStyle>
-          <a:p>
-            <a:fld id="{42D1505F-1595-7B49-9D99-637819D0747B}" type="slidenum">
-              <a:rPr lang="en-US" altLang="en-US" smtClean="0">
-                <a:solidFill>
-                  <a:srgbClr val="000000"/>
-                </a:solidFill>
-              </a:rPr>
-              <a:pPr/>
-              <a:t>2</a:t>
-            </a:fld>
-            <a:endParaRPr lang="en-US" altLang="en-US">
-              <a:solidFill>
-                <a:srgbClr val="000000"/>
-              </a:solidFill>
-            </a:endParaRPr>
-          </a:p>
-        </p:txBody>
-      </p:sp>
-    </p:spTree>
-  </p:cSld>
-  <p:clrMapOvr>
-    <a:masterClrMapping/>
-  </p:clrMapOvr>
-</p:sld>
-</file>
-
-<file path=ppt/slides/slide3.xml><?xml version="1.0" encoding="utf-8"?>
-<p:sld xmlns:a="http://schemas.openxmlformats.org/drawingml/2006/main" xmlns:r="http://schemas.openxmlformats.org/officeDocument/2006/relationships" xmlns:p="http://schemas.openxmlformats.org/presentationml/2006/main">
-  <p:cSld>
-    <p:spTree>
-      <p:nvGrpSpPr>
-        <p:cNvPr id="1" name=""/>
-        <p:cNvGrpSpPr/>
-        <p:nvPr/>
-      </p:nvGrpSpPr>
-      <p:grpSpPr>
-        <a:xfrm>
-          <a:off x="0" y="0"/>
-          <a:ext cx="0" cy="0"/>
-          <a:chOff x="0" y="0"/>
-          <a:chExt cx="0" cy="0"/>
-        </a:xfrm>
-      </p:grpSpPr>
-      <p:sp>
-        <p:nvSpPr>
-          <p:cNvPr id="41985" name="Title 1">
-            <a:extLst>
-              <a:ext uri="{FF2B5EF4-FFF2-40B4-BE49-F238E27FC236}">
-                <a16:creationId xmlns:a16="http://schemas.microsoft.com/office/drawing/2014/main" id="{FAD89EC0-1BE2-C54F-89FA-F2ED470A7706}"/>
-              </a:ext>
-            </a:extLst>
-          </p:cNvPr>
-          <p:cNvSpPr>
-            <a:spLocks noGrp="1" noChangeArrowheads="1"/>
-          </p:cNvSpPr>
-          <p:nvPr>
-            <p:ph type="title"/>
-          </p:nvPr>
-        </p:nvSpPr>
-        <p:spPr bwMode="auto">
-          <a:noFill/>
-          <a:extLst>
-            <a:ext uri="{909E8E84-426E-40DD-AFC4-6F175D3DCCD1}">
-              <a14:hiddenFill xmlns:a14="http://schemas.microsoft.com/office/drawing/2010/main">
-                <a:solidFill>
-                  <a:srgbClr val="FFFFFF"/>
-                </a:solidFill>
-              </a14:hiddenFill>
-            </a:ext>
-            <a:ext uri="{91240B29-F687-4F45-9708-019B960494DF}">
-              <a14:hiddenLine xmlns:a14="http://schemas.microsoft.com/office/drawing/2010/main" w="9525">
-                <a:solidFill>
-                  <a:srgbClr val="000000"/>
-                </a:solidFill>
-                <a:miter lim="800000"/>
-                <a:headEnd/>
-                <a:tailEnd/>
-              </a14:hiddenLine>
-            </a:ext>
-          </a:extLst>
-        </p:spPr>
-        <p:txBody>
-          <a:bodyPr wrap="square" lIns="91440" tIns="45720" rIns="91440" bIns="45720" numCol="1" anchor="t" anchorCtr="0" compatLnSpc="1">
-            <a:prstTxWarp prst="textNoShape">
-              <a:avLst/>
-            </a:prstTxWarp>
-          </a:bodyPr>
-          <a:lstStyle/>
-          <a:p>
-            <a:r>
-              <a:rPr lang="en-US" altLang="en-US"/>
-              <a:t>Data Essentials</a:t>
-            </a:r>
-          </a:p>
-        </p:txBody>
-      </p:sp>
-      <p:sp>
-        <p:nvSpPr>
-          <p:cNvPr id="41986" name="Content Placeholder 2">
-            <a:extLst>
-              <a:ext uri="{FF2B5EF4-FFF2-40B4-BE49-F238E27FC236}">
-                <a16:creationId xmlns:a16="http://schemas.microsoft.com/office/drawing/2014/main" id="{6AA52A67-71B2-FC48-BB3A-50E1D65CE3AF}"/>
-              </a:ext>
-            </a:extLst>
-          </p:cNvPr>
-          <p:cNvSpPr>
-            <a:spLocks noGrp="1" noChangeArrowheads="1"/>
-          </p:cNvSpPr>
-          <p:nvPr>
-            <p:ph idx="1"/>
-          </p:nvPr>
-        </p:nvSpPr>
-        <p:spPr bwMode="auto">
-          <a:noFill/>
-          <a:extLst>
-            <a:ext uri="{909E8E84-426E-40DD-AFC4-6F175D3DCCD1}">
-              <a14:hiddenFill xmlns:a14="http://schemas.microsoft.com/office/drawing/2010/main">
-                <a:solidFill>
-                  <a:srgbClr val="FFFFFF"/>
-                </a:solidFill>
-              </a14:hiddenFill>
-            </a:ext>
-            <a:ext uri="{91240B29-F687-4F45-9708-019B960494DF}">
-              <a14:hiddenLine xmlns:a14="http://schemas.microsoft.com/office/drawing/2010/main" w="9525">
-                <a:solidFill>
-                  <a:srgbClr val="000000"/>
-                </a:solidFill>
-                <a:miter lim="800000"/>
-                <a:headEnd/>
-                <a:tailEnd/>
-              </a14:hiddenLine>
-            </a:ext>
-          </a:extLst>
-        </p:spPr>
-        <p:txBody>
-          <a:bodyPr wrap="square" lIns="91440" tIns="45720" rIns="91440" bIns="45720" numCol="1" anchor="t" anchorCtr="0" compatLnSpc="1">
-            <a:prstTxWarp prst="textNoShape">
-              <a:avLst/>
-            </a:prstTxWarp>
-          </a:bodyPr>
-          <a:lstStyle/>
-          <a:p>
-            <a:r>
-              <a:rPr lang="en-US" altLang="en-US"/>
-              <a:t>Data sources</a:t>
-            </a:r>
-          </a:p>
-          <a:p>
-            <a:r>
-              <a:rPr lang="en-US" altLang="en-US"/>
-              <a:t>Tables and some software engineering basics</a:t>
-            </a:r>
-          </a:p>
-          <a:p>
-            <a:r>
-              <a:rPr lang="en-US" altLang="en-US"/>
-              <a:t>Transforming tables using SQL</a:t>
-            </a:r>
-          </a:p>
-          <a:p>
-            <a:r>
-              <a:rPr lang="en-US" altLang="en-US"/>
-              <a:t>Homework 1</a:t>
-            </a:r>
-          </a:p>
-          <a:p>
-            <a:endParaRPr lang="en-US" altLang="en-US"/>
-          </a:p>
-        </p:txBody>
-      </p:sp>
-      <p:sp>
-        <p:nvSpPr>
-          <p:cNvPr id="41987" name="Footer Placeholder 3">
-            <a:extLst>
-              <a:ext uri="{FF2B5EF4-FFF2-40B4-BE49-F238E27FC236}">
-                <a16:creationId xmlns:a16="http://schemas.microsoft.com/office/drawing/2014/main" id="{368B7366-AA7A-B548-AA59-240025FDE5A9}"/>
-              </a:ext>
-            </a:extLst>
-          </p:cNvPr>
-          <p:cNvSpPr>
-            <a:spLocks noGrp="1" noChangeArrowheads="1"/>
-          </p:cNvSpPr>
-          <p:nvPr>
-            <p:ph type="ftr" sz="quarter" idx="10"/>
-          </p:nvPr>
-        </p:nvSpPr>
-        <p:spPr>
-          <a:noFill/>
-          <a:extLst>
-            <a:ext uri="{909E8E84-426E-40DD-AFC4-6F175D3DCCD1}">
-              <a14:hiddenFill xmlns:a14="http://schemas.microsoft.com/office/drawing/2010/main">
-                <a:solidFill>
-                  <a:srgbClr val="FFFFFF"/>
-                </a:solidFill>
-              </a14:hiddenFill>
-            </a:ext>
-            <a:ext uri="{91240B29-F687-4F45-9708-019B960494DF}">
-              <a14:hiddenLine xmlns:a14="http://schemas.microsoft.com/office/drawing/2010/main" w="9525">
-                <a:solidFill>
-                  <a:srgbClr val="000000"/>
-                </a:solidFill>
-                <a:miter lim="800000"/>
-                <a:headEnd/>
-                <a:tailEnd/>
-              </a14:hiddenLine>
-            </a:ext>
-          </a:extLst>
-        </p:spPr>
-        <p:txBody>
-          <a:bodyPr/>
-          <a:lstStyle>
-            <a:lvl1pPr>
-              <a:tabLst>
-                <a:tab pos="0" algn="l"/>
-                <a:tab pos="457200" algn="l"/>
-                <a:tab pos="914400" algn="l"/>
-                <a:tab pos="1371600" algn="l"/>
-                <a:tab pos="1828800" algn="l"/>
-                <a:tab pos="2286000" algn="l"/>
-                <a:tab pos="2743200" algn="l"/>
-                <a:tab pos="3200400" algn="l"/>
-                <a:tab pos="3657600" algn="l"/>
-                <a:tab pos="4114800" algn="l"/>
-                <a:tab pos="4572000" algn="l"/>
-                <a:tab pos="5029200" algn="l"/>
-                <a:tab pos="5486400" algn="l"/>
-                <a:tab pos="5943600" algn="l"/>
-                <a:tab pos="6400800" algn="l"/>
-                <a:tab pos="6858000" algn="l"/>
-                <a:tab pos="7315200" algn="l"/>
-                <a:tab pos="7772400" algn="l"/>
-                <a:tab pos="8229600" algn="l"/>
-                <a:tab pos="8686800" algn="l"/>
-                <a:tab pos="9144000" algn="l"/>
-              </a:tabLst>
-              <a:defRPr sz="2400">
-                <a:solidFill>
-                  <a:schemeClr val="bg1"/>
-                </a:solidFill>
-                <a:latin typeface="Arial" panose="020B0604020202020204" pitchFamily="34" charset="0"/>
-                <a:ea typeface="ＭＳ Ｐゴシック" panose="020B0600070205080204" pitchFamily="34" charset="-128"/>
-              </a:defRPr>
-            </a:lvl1pPr>
-            <a:lvl2pPr>
-              <a:tabLst>
-                <a:tab pos="0" algn="l"/>
-                <a:tab pos="457200" algn="l"/>
-                <a:tab pos="914400" algn="l"/>
-                <a:tab pos="1371600" algn="l"/>
-                <a:tab pos="1828800" algn="l"/>
-                <a:tab pos="2286000" algn="l"/>
-                <a:tab pos="2743200" algn="l"/>
-                <a:tab pos="3200400" algn="l"/>
-                <a:tab pos="3657600" algn="l"/>
-                <a:tab pos="4114800" algn="l"/>
-                <a:tab pos="4572000" algn="l"/>
-                <a:tab pos="5029200" algn="l"/>
-                <a:tab pos="5486400" algn="l"/>
-                <a:tab pos="5943600" algn="l"/>
-                <a:tab pos="6400800" algn="l"/>
-                <a:tab pos="6858000" algn="l"/>
-                <a:tab pos="7315200" algn="l"/>
-                <a:tab pos="7772400" algn="l"/>
-                <a:tab pos="8229600" algn="l"/>
-                <a:tab pos="8686800" algn="l"/>
-                <a:tab pos="9144000" algn="l"/>
-              </a:tabLst>
-              <a:defRPr sz="2400">
-                <a:solidFill>
-                  <a:schemeClr val="bg1"/>
-                </a:solidFill>
-                <a:latin typeface="Arial" panose="020B0604020202020204" pitchFamily="34" charset="0"/>
-                <a:ea typeface="ＭＳ Ｐゴシック" panose="020B0600070205080204" pitchFamily="34" charset="-128"/>
-              </a:defRPr>
-            </a:lvl2pPr>
-            <a:lvl3pPr>
-              <a:tabLst>
-                <a:tab pos="0" algn="l"/>
-                <a:tab pos="457200" algn="l"/>
-                <a:tab pos="914400" algn="l"/>
-                <a:tab pos="1371600" algn="l"/>
-                <a:tab pos="1828800" algn="l"/>
-                <a:tab pos="2286000" algn="l"/>
-                <a:tab pos="2743200" algn="l"/>
-                <a:tab pos="3200400" algn="l"/>
-                <a:tab pos="3657600" algn="l"/>
-                <a:tab pos="4114800" algn="l"/>
-                <a:tab pos="4572000" algn="l"/>
-                <a:tab pos="5029200" algn="l"/>
-                <a:tab pos="5486400" algn="l"/>
-                <a:tab pos="5943600" algn="l"/>
-                <a:tab pos="6400800" algn="l"/>
-                <a:tab pos="6858000" algn="l"/>
-                <a:tab pos="7315200" algn="l"/>
-                <a:tab pos="7772400" algn="l"/>
-                <a:tab pos="8229600" algn="l"/>
-                <a:tab pos="8686800" algn="l"/>
-                <a:tab pos="9144000" algn="l"/>
-              </a:tabLst>
-              <a:defRPr sz="2400">
-                <a:solidFill>
-                  <a:schemeClr val="bg1"/>
-                </a:solidFill>
-                <a:latin typeface="Arial" panose="020B0604020202020204" pitchFamily="34" charset="0"/>
-                <a:ea typeface="ＭＳ Ｐゴシック" panose="020B0600070205080204" pitchFamily="34" charset="-128"/>
-              </a:defRPr>
-            </a:lvl3pPr>
-            <a:lvl4pPr>
-              <a:tabLst>
-                <a:tab pos="0" algn="l"/>
-                <a:tab pos="457200" algn="l"/>
-                <a:tab pos="914400" algn="l"/>
-                <a:tab pos="1371600" algn="l"/>
-                <a:tab pos="1828800" algn="l"/>
-                <a:tab pos="2286000" algn="l"/>
-                <a:tab pos="2743200" algn="l"/>
-                <a:tab pos="3200400" algn="l"/>
-                <a:tab pos="3657600" algn="l"/>
-                <a:tab pos="4114800" algn="l"/>
-                <a:tab pos="4572000" algn="l"/>
-                <a:tab pos="5029200" algn="l"/>
-                <a:tab pos="5486400" algn="l"/>
-                <a:tab pos="5943600" algn="l"/>
-                <a:tab pos="6400800" algn="l"/>
-                <a:tab pos="6858000" algn="l"/>
-                <a:tab pos="7315200" algn="l"/>
-                <a:tab pos="7772400" algn="l"/>
-                <a:tab pos="8229600" algn="l"/>
-                <a:tab pos="8686800" algn="l"/>
-                <a:tab pos="9144000" algn="l"/>
-              </a:tabLst>
-              <a:defRPr sz="2400">
-                <a:solidFill>
-                  <a:schemeClr val="bg1"/>
-                </a:solidFill>
-                <a:latin typeface="Arial" panose="020B0604020202020204" pitchFamily="34" charset="0"/>
-                <a:ea typeface="ＭＳ Ｐゴシック" panose="020B0600070205080204" pitchFamily="34" charset="-128"/>
-              </a:defRPr>
-            </a:lvl4pPr>
-            <a:lvl5pPr>
-              <a:tabLst>
-                <a:tab pos="0" algn="l"/>
-                <a:tab pos="457200" algn="l"/>
-                <a:tab pos="914400" algn="l"/>
-                <a:tab pos="1371600" algn="l"/>
-                <a:tab pos="1828800" algn="l"/>
-                <a:tab pos="2286000" algn="l"/>
-                <a:tab pos="2743200" algn="l"/>
-                <a:tab pos="3200400" algn="l"/>
-                <a:tab pos="3657600" algn="l"/>
-                <a:tab pos="4114800" algn="l"/>
-                <a:tab pos="4572000" algn="l"/>
-                <a:tab pos="5029200" algn="l"/>
-                <a:tab pos="5486400" algn="l"/>
-                <a:tab pos="5943600" algn="l"/>
-                <a:tab pos="6400800" algn="l"/>
-                <a:tab pos="6858000" algn="l"/>
-                <a:tab pos="7315200" algn="l"/>
-                <a:tab pos="7772400" algn="l"/>
-                <a:tab pos="8229600" algn="l"/>
-                <a:tab pos="8686800" algn="l"/>
-                <a:tab pos="9144000" algn="l"/>
-              </a:tabLst>
-              <a:defRPr sz="2400">
-                <a:solidFill>
-                  <a:schemeClr val="bg1"/>
-                </a:solidFill>
-                <a:latin typeface="Arial" panose="020B0604020202020204" pitchFamily="34" charset="0"/>
-                <a:ea typeface="ＭＳ Ｐゴシック" panose="020B0600070205080204" pitchFamily="34" charset="-128"/>
-              </a:defRPr>
-            </a:lvl5pPr>
-            <a:lvl6pPr marL="2514600" indent="-228600" defTabSz="457200" eaLnBrk="0" fontAlgn="base" hangingPunct="0">
-              <a:spcBef>
-                <a:spcPct val="0"/>
-              </a:spcBef>
-              <a:spcAft>
-                <a:spcPct val="0"/>
-              </a:spcAft>
-              <a:tabLst>
-                <a:tab pos="0" algn="l"/>
-                <a:tab pos="457200" algn="l"/>
-                <a:tab pos="914400" algn="l"/>
-                <a:tab pos="1371600" algn="l"/>
-                <a:tab pos="1828800" algn="l"/>
-                <a:tab pos="2286000" algn="l"/>
-                <a:tab pos="2743200" algn="l"/>
-                <a:tab pos="3200400" algn="l"/>
-                <a:tab pos="3657600" algn="l"/>
-                <a:tab pos="4114800" algn="l"/>
-                <a:tab pos="4572000" algn="l"/>
-                <a:tab pos="5029200" algn="l"/>
-                <a:tab pos="5486400" algn="l"/>
-                <a:tab pos="5943600" algn="l"/>
-                <a:tab pos="6400800" algn="l"/>
-                <a:tab pos="6858000" algn="l"/>
-                <a:tab pos="7315200" algn="l"/>
-                <a:tab pos="7772400" algn="l"/>
-                <a:tab pos="8229600" algn="l"/>
-                <a:tab pos="8686800" algn="l"/>
-                <a:tab pos="9144000" algn="l"/>
-              </a:tabLst>
-              <a:defRPr sz="2400">
-                <a:solidFill>
-                  <a:schemeClr val="bg1"/>
-                </a:solidFill>
-                <a:latin typeface="Arial" panose="020B0604020202020204" pitchFamily="34" charset="0"/>
-                <a:ea typeface="ＭＳ Ｐゴシック" panose="020B0600070205080204" pitchFamily="34" charset="-128"/>
-              </a:defRPr>
-            </a:lvl6pPr>
-            <a:lvl7pPr marL="2971800" indent="-228600" defTabSz="457200" eaLnBrk="0" fontAlgn="base" hangingPunct="0">
-              <a:spcBef>
-                <a:spcPct val="0"/>
-              </a:spcBef>
-              <a:spcAft>
-                <a:spcPct val="0"/>
-              </a:spcAft>
-              <a:tabLst>
-                <a:tab pos="0" algn="l"/>
-                <a:tab pos="457200" algn="l"/>
-                <a:tab pos="914400" algn="l"/>
-                <a:tab pos="1371600" algn="l"/>
-                <a:tab pos="1828800" algn="l"/>
-                <a:tab pos="2286000" algn="l"/>
-                <a:tab pos="2743200" algn="l"/>
-                <a:tab pos="3200400" algn="l"/>
-                <a:tab pos="3657600" algn="l"/>
-                <a:tab pos="4114800" algn="l"/>
-                <a:tab pos="4572000" algn="l"/>
-                <a:tab pos="5029200" algn="l"/>
-                <a:tab pos="5486400" algn="l"/>
-                <a:tab pos="5943600" algn="l"/>
-                <a:tab pos="6400800" algn="l"/>
-                <a:tab pos="6858000" algn="l"/>
-                <a:tab pos="7315200" algn="l"/>
-                <a:tab pos="7772400" algn="l"/>
-                <a:tab pos="8229600" algn="l"/>
-                <a:tab pos="8686800" algn="l"/>
-                <a:tab pos="9144000" algn="l"/>
-              </a:tabLst>
-              <a:defRPr sz="2400">
-                <a:solidFill>
-                  <a:schemeClr val="bg1"/>
-                </a:solidFill>
-                <a:latin typeface="Arial" panose="020B0604020202020204" pitchFamily="34" charset="0"/>
-                <a:ea typeface="ＭＳ Ｐゴシック" panose="020B0600070205080204" pitchFamily="34" charset="-128"/>
-              </a:defRPr>
-            </a:lvl7pPr>
-            <a:lvl8pPr marL="3429000" indent="-228600" defTabSz="457200" eaLnBrk="0" fontAlgn="base" hangingPunct="0">
-              <a:spcBef>
-                <a:spcPct val="0"/>
-              </a:spcBef>
-              <a:spcAft>
-                <a:spcPct val="0"/>
-              </a:spcAft>
-              <a:tabLst>
-                <a:tab pos="0" algn="l"/>
-                <a:tab pos="457200" algn="l"/>
-                <a:tab pos="914400" algn="l"/>
-                <a:tab pos="1371600" algn="l"/>
-                <a:tab pos="1828800" algn="l"/>
-                <a:tab pos="2286000" algn="l"/>
-                <a:tab pos="2743200" algn="l"/>
-                <a:tab pos="3200400" algn="l"/>
-                <a:tab pos="3657600" algn="l"/>
-                <a:tab pos="4114800" algn="l"/>
-                <a:tab pos="4572000" algn="l"/>
-                <a:tab pos="5029200" algn="l"/>
-                <a:tab pos="5486400" algn="l"/>
-                <a:tab pos="5943600" algn="l"/>
-                <a:tab pos="6400800" algn="l"/>
-                <a:tab pos="6858000" algn="l"/>
-                <a:tab pos="7315200" algn="l"/>
-                <a:tab pos="7772400" algn="l"/>
-                <a:tab pos="8229600" algn="l"/>
-                <a:tab pos="8686800" algn="l"/>
-                <a:tab pos="9144000" algn="l"/>
-              </a:tabLst>
-              <a:defRPr sz="2400">
-                <a:solidFill>
-                  <a:schemeClr val="bg1"/>
-                </a:solidFill>
-                <a:latin typeface="Arial" panose="020B0604020202020204" pitchFamily="34" charset="0"/>
-                <a:ea typeface="ＭＳ Ｐゴシック" panose="020B0600070205080204" pitchFamily="34" charset="-128"/>
-              </a:defRPr>
-            </a:lvl8pPr>
-            <a:lvl9pPr marL="3886200" indent="-228600" defTabSz="457200" eaLnBrk="0" fontAlgn="base" hangingPunct="0">
-              <a:spcBef>
-                <a:spcPct val="0"/>
-              </a:spcBef>
-              <a:spcAft>
-                <a:spcPct val="0"/>
-              </a:spcAft>
-              <a:tabLst>
-                <a:tab pos="0" algn="l"/>
-                <a:tab pos="457200" algn="l"/>
-                <a:tab pos="914400" algn="l"/>
-                <a:tab pos="1371600" algn="l"/>
-                <a:tab pos="1828800" algn="l"/>
-                <a:tab pos="2286000" algn="l"/>
-                <a:tab pos="2743200" algn="l"/>
-                <a:tab pos="3200400" algn="l"/>
-                <a:tab pos="3657600" algn="l"/>
-                <a:tab pos="4114800" algn="l"/>
-                <a:tab pos="4572000" algn="l"/>
-                <a:tab pos="5029200" algn="l"/>
-                <a:tab pos="5486400" algn="l"/>
-                <a:tab pos="5943600" algn="l"/>
-                <a:tab pos="6400800" algn="l"/>
-                <a:tab pos="6858000" algn="l"/>
-                <a:tab pos="7315200" algn="l"/>
-                <a:tab pos="7772400" algn="l"/>
-                <a:tab pos="8229600" algn="l"/>
-                <a:tab pos="8686800" algn="l"/>
-                <a:tab pos="9144000" algn="l"/>
-              </a:tabLst>
-              <a:defRPr sz="2400">
-                <a:solidFill>
-                  <a:schemeClr val="bg1"/>
-                </a:solidFill>
-                <a:latin typeface="Arial" panose="020B0604020202020204" pitchFamily="34" charset="0"/>
-                <a:ea typeface="ＭＳ Ｐゴシック" panose="020B0600070205080204" pitchFamily="34" charset="-128"/>
-              </a:defRPr>
-            </a:lvl9pPr>
-          </a:lstStyle>
-          <a:p>
-            <a:r>
-              <a:rPr lang="en-US" altLang="en-US" sz="1400">
-                <a:solidFill>
-                  <a:srgbClr val="000000"/>
-                </a:solidFill>
-              </a:rPr>
-              <a:t>Beck, Hellerstein &amp; VanderPlas, 2018</a:t>
-            </a:r>
-          </a:p>
-        </p:txBody>
-      </p:sp>
-      <p:sp>
-        <p:nvSpPr>
           <p:cNvPr id="41988" name="Slide Number Placeholder 4">
             <a:extLst>
               <a:ext uri="{FF2B5EF4-FFF2-40B4-BE49-F238E27FC236}">
@@ -21857,7 +20294,7 @@
                 </a:solidFill>
               </a:rPr>
               <a:pPr/>
-              <a:t>3</a:t>
+              <a:t>2</a:t>
             </a:fld>
             <a:endParaRPr lang="en-US" altLang="en-US">
               <a:solidFill>
@@ -21875,7 +20312,7 @@
 </p:sld>
 </file>
 
-<file path=ppt/slides/slide4.xml><?xml version="1.0" encoding="utf-8"?>
+<file path=ppt/slides/slide3.xml><?xml version="1.0" encoding="utf-8"?>
 <p:sld xmlns:a="http://schemas.openxmlformats.org/drawingml/2006/main" xmlns:r="http://schemas.openxmlformats.org/officeDocument/2006/relationships" xmlns:p="http://schemas.openxmlformats.org/presentationml/2006/main">
   <p:cSld>
     <p:spTree>
@@ -21952,7 +20389,7 @@
               <a:pPr>
                 <a:defRPr/>
               </a:pPr>
-              <a:t>4</a:t>
+              <a:t>3</a:t>
             </a:fld>
             <a:endParaRPr lang="en-US" altLang="x-none" dirty="0"/>
           </a:p>
@@ -22150,7 +20587,7 @@
 </p:sld>
 </file>
 
-<file path=ppt/slides/slide5.xml><?xml version="1.0" encoding="utf-8"?>
+<file path=ppt/slides/slide4.xml><?xml version="1.0" encoding="utf-8"?>
 <p:sld xmlns:a="http://schemas.openxmlformats.org/drawingml/2006/main" xmlns:r="http://schemas.openxmlformats.org/officeDocument/2006/relationships" xmlns:p="http://schemas.openxmlformats.org/presentationml/2006/main">
   <p:cSld>
     <p:spTree>
@@ -22183,14 +20620,19 @@
             <p:ph type="title"/>
           </p:nvPr>
         </p:nvSpPr>
-        <p:spPr/>
+        <p:spPr>
+          <a:xfrm>
+            <a:off x="228600" y="274638"/>
+            <a:ext cx="8610600" cy="868362"/>
+          </a:xfrm>
+        </p:spPr>
         <p:txBody>
           <a:bodyPr/>
           <a:lstStyle/>
           <a:p>
             <a:r>
               <a:rPr lang="en-US" dirty="0"/>
-              <a:t>Thinking Like a Software Engineer</a:t>
+              <a:t>Thinking of Tables Like a Software Engineer</a:t>
             </a:r>
           </a:p>
         </p:txBody>
@@ -22310,7 +20752,7 @@
               <a:pPr>
                 <a:defRPr/>
               </a:pPr>
-              <a:t>5</a:t>
+              <a:t>4</a:t>
             </a:fld>
             <a:endParaRPr lang="en-US" altLang="x-none"/>
           </a:p>
@@ -22550,7 +20992,7 @@
 </p:sld>
 </file>
 
-<file path=ppt/slides/slide6.xml><?xml version="1.0" encoding="utf-8"?>
+<file path=ppt/slides/slide5.xml><?xml version="1.0" encoding="utf-8"?>
 <p:sld xmlns:a="http://schemas.openxmlformats.org/drawingml/2006/main" xmlns:r="http://schemas.openxmlformats.org/officeDocument/2006/relationships" xmlns:p="http://schemas.openxmlformats.org/presentationml/2006/main">
   <p:cSld>
     <p:spTree>
@@ -22655,7 +21097,7 @@
               <a:pPr>
                 <a:defRPr/>
               </a:pPr>
-              <a:t>6</a:t>
+              <a:t>5</a:t>
             </a:fld>
             <a:endParaRPr lang="en-US" altLang="x-none" dirty="0"/>
           </a:p>
@@ -23018,7 +21460,7 @@
                   <a:schemeClr val="tx1"/>
                 </a:solidFill>
               </a:rPr>
-              <a:t>A Table is a collection of columns with the same length with one row for each index of the list for the Columns.</a:t>
+              <a:t>A Table is a collection of columns with the same length with one row for each index of the list for a Column.</a:t>
             </a:r>
           </a:p>
         </p:txBody>
@@ -23294,7 +21736,7 @@
 </p:sld>
 </file>
 
-<file path=ppt/slides/slide7.xml><?xml version="1.0" encoding="utf-8"?>
+<file path=ppt/slides/slide6.xml><?xml version="1.0" encoding="utf-8"?>
 <p:sld xmlns:a="http://schemas.openxmlformats.org/drawingml/2006/main" xmlns:r="http://schemas.openxmlformats.org/officeDocument/2006/relationships" xmlns:p="http://schemas.openxmlformats.org/presentationml/2006/main">
   <p:cSld>
     <p:spTree>
@@ -23672,7 +22114,7 @@
               <a:pPr>
                 <a:defRPr/>
               </a:pPr>
-              <a:t>7</a:t>
+              <a:t>6</a:t>
             </a:fld>
             <a:endParaRPr lang="en-US" altLang="x-none"/>
           </a:p>
@@ -24168,6 +22610,51 @@
                       </p:childTnLst>
                     </p:cTn>
                   </p:par>
+                  <p:par>
+                    <p:cTn id="11" fill="hold">
+                      <p:stCondLst>
+                        <p:cond delay="indefinite"/>
+                      </p:stCondLst>
+                      <p:childTnLst>
+                        <p:par>
+                          <p:cTn id="12" fill="hold">
+                            <p:stCondLst>
+                              <p:cond delay="0"/>
+                            </p:stCondLst>
+                            <p:childTnLst>
+                              <p:par>
+                                <p:cTn id="13" presetID="1" presetClass="entr" presetSubtype="0" fill="hold" nodeType="clickEffect">
+                                  <p:stCondLst>
+                                    <p:cond delay="0"/>
+                                  </p:stCondLst>
+                                  <p:childTnLst>
+                                    <p:set>
+                                      <p:cBhvr>
+                                        <p:cTn id="14" dur="1" fill="hold">
+                                          <p:stCondLst>
+                                            <p:cond delay="0"/>
+                                          </p:stCondLst>
+                                        </p:cTn>
+                                        <p:tgtEl>
+                                          <p:spTgt spid="12"/>
+                                        </p:tgtEl>
+                                        <p:attrNameLst>
+                                          <p:attrName>style.visibility</p:attrName>
+                                        </p:attrNameLst>
+                                      </p:cBhvr>
+                                      <p:to>
+                                        <p:strVal val="visible"/>
+                                      </p:to>
+                                    </p:set>
+                                  </p:childTnLst>
+                                </p:cTn>
+                              </p:par>
+                            </p:childTnLst>
+                          </p:cTn>
+                        </p:par>
+                      </p:childTnLst>
+                    </p:cTn>
+                  </p:par>
                 </p:childTnLst>
               </p:cTn>
               <p:prevCondLst>
@@ -24197,7 +22684,7 @@
 </p:sld>
 </file>
 
-<file path=ppt/slides/slide8.xml><?xml version="1.0" encoding="utf-8"?>
+<file path=ppt/slides/slide7.xml><?xml version="1.0" encoding="utf-8"?>
 <p:sld xmlns:a="http://schemas.openxmlformats.org/drawingml/2006/main" xmlns:r="http://schemas.openxmlformats.org/officeDocument/2006/relationships" xmlns:p="http://schemas.openxmlformats.org/presentationml/2006/main">
   <p:cSld>
     <p:spTree>
@@ -24302,7 +22789,7 @@
               <a:pPr>
                 <a:defRPr/>
               </a:pPr>
-              <a:t>8</a:t>
+              <a:t>7</a:t>
             </a:fld>
             <a:endParaRPr lang="en-US" altLang="x-none"/>
           </a:p>
@@ -25236,6 +23723,809 @@
 </p:sld>
 </file>
 
+<file path=ppt/slides/slide8.xml><?xml version="1.0" encoding="utf-8"?>
+<p:sld xmlns:a="http://schemas.openxmlformats.org/drawingml/2006/main" xmlns:r="http://schemas.openxmlformats.org/officeDocument/2006/relationships" xmlns:p="http://schemas.openxmlformats.org/presentationml/2006/main">
+  <p:cSld>
+    <p:spTree>
+      <p:nvGrpSpPr>
+        <p:cNvPr id="1" name=""/>
+        <p:cNvGrpSpPr/>
+        <p:nvPr/>
+      </p:nvGrpSpPr>
+      <p:grpSpPr>
+        <a:xfrm>
+          <a:off x="0" y="0"/>
+          <a:ext cx="0" cy="0"/>
+          <a:chOff x="0" y="0"/>
+          <a:chExt cx="0" cy="0"/>
+        </a:xfrm>
+      </p:grpSpPr>
+      <p:sp>
+        <p:nvSpPr>
+          <p:cNvPr id="2" name="Title 1">
+            <a:extLst>
+              <a:ext uri="{FF2B5EF4-FFF2-40B4-BE49-F238E27FC236}">
+                <a16:creationId xmlns:a16="http://schemas.microsoft.com/office/drawing/2014/main" id="{B3491504-C202-2040-BB3A-498EA54F64BB}"/>
+              </a:ext>
+            </a:extLst>
+          </p:cNvPr>
+          <p:cNvSpPr>
+            <a:spLocks noGrp="1"/>
+          </p:cNvSpPr>
+          <p:nvPr>
+            <p:ph type="title"/>
+          </p:nvPr>
+        </p:nvSpPr>
+        <p:spPr>
+          <a:xfrm>
+            <a:off x="457200" y="274638"/>
+            <a:ext cx="6248400" cy="715962"/>
+          </a:xfrm>
+        </p:spPr>
+        <p:txBody>
+          <a:bodyPr/>
+          <a:lstStyle/>
+          <a:p>
+            <a:r>
+              <a:rPr lang="en-US" dirty="0"/>
+              <a:t>SQL Provides Table Operations</a:t>
+            </a:r>
+          </a:p>
+        </p:txBody>
+      </p:sp>
+      <p:sp>
+        <p:nvSpPr>
+          <p:cNvPr id="3" name="Footer Placeholder 2">
+            <a:extLst>
+              <a:ext uri="{FF2B5EF4-FFF2-40B4-BE49-F238E27FC236}">
+                <a16:creationId xmlns:a16="http://schemas.microsoft.com/office/drawing/2014/main" id="{100090BA-6C24-6C4B-8CCC-EFA57A00B100}"/>
+              </a:ext>
+            </a:extLst>
+          </p:cNvPr>
+          <p:cNvSpPr>
+            <a:spLocks noGrp="1"/>
+          </p:cNvSpPr>
+          <p:nvPr>
+            <p:ph type="ftr" idx="10"/>
+          </p:nvPr>
+        </p:nvSpPr>
+        <p:spPr/>
+        <p:txBody>
+          <a:bodyPr/>
+          <a:lstStyle/>
+          <a:p>
+            <a:pPr>
+              <a:defRPr/>
+            </a:pPr>
+            <a:r>
+              <a:rPr lang="en-US"/>
+              <a:t>Beck, Hellerstein &amp; VanderPlas, 2018</a:t>
+            </a:r>
+          </a:p>
+        </p:txBody>
+      </p:sp>
+      <p:sp>
+        <p:nvSpPr>
+          <p:cNvPr id="4" name="Slide Number Placeholder 3">
+            <a:extLst>
+              <a:ext uri="{FF2B5EF4-FFF2-40B4-BE49-F238E27FC236}">
+                <a16:creationId xmlns:a16="http://schemas.microsoft.com/office/drawing/2014/main" id="{81498F98-0108-0043-A672-88FE491A1480}"/>
+              </a:ext>
+            </a:extLst>
+          </p:cNvPr>
+          <p:cNvSpPr>
+            <a:spLocks noGrp="1"/>
+          </p:cNvSpPr>
+          <p:nvPr>
+            <p:ph type="sldNum" idx="11"/>
+          </p:nvPr>
+        </p:nvSpPr>
+        <p:spPr/>
+        <p:txBody>
+          <a:bodyPr/>
+          <a:lstStyle/>
+          <a:p>
+            <a:pPr>
+              <a:defRPr/>
+            </a:pPr>
+            <a:fld id="{15556364-4687-7E43-BEFF-D62CFF678733}" type="slidenum">
+              <a:rPr lang="en-US" altLang="x-none" smtClean="0"/>
+              <a:pPr>
+                <a:defRPr/>
+              </a:pPr>
+              <a:t>8</a:t>
+            </a:fld>
+            <a:endParaRPr lang="en-US" altLang="x-none"/>
+          </a:p>
+        </p:txBody>
+      </p:sp>
+      <p:pic>
+        <p:nvPicPr>
+          <p:cNvPr id="5" name="Picture 4">
+            <a:extLst>
+              <a:ext uri="{FF2B5EF4-FFF2-40B4-BE49-F238E27FC236}">
+                <a16:creationId xmlns:a16="http://schemas.microsoft.com/office/drawing/2014/main" id="{93F76DE4-CE53-8340-B6D8-0943F276C4EF}"/>
+              </a:ext>
+            </a:extLst>
+          </p:cNvPr>
+          <p:cNvPicPr>
+            <a:picLocks noChangeAspect="1"/>
+          </p:cNvPicPr>
+          <p:nvPr/>
+        </p:nvPicPr>
+        <p:blipFill>
+          <a:blip r:embed="rId2"/>
+          <a:stretch>
+            <a:fillRect/>
+          </a:stretch>
+        </p:blipFill>
+        <p:spPr>
+          <a:xfrm>
+            <a:off x="6940550" y="381000"/>
+            <a:ext cx="1892300" cy="1066800"/>
+          </a:xfrm>
+          <a:prstGeom prst="rect">
+            <a:avLst/>
+          </a:prstGeom>
+        </p:spPr>
+      </p:pic>
+      <p:sp>
+        <p:nvSpPr>
+          <p:cNvPr id="6" name="Rectangle 5">
+            <a:extLst>
+              <a:ext uri="{FF2B5EF4-FFF2-40B4-BE49-F238E27FC236}">
+                <a16:creationId xmlns:a16="http://schemas.microsoft.com/office/drawing/2014/main" id="{876C3631-9B3F-4540-ABBC-486B253B3FA0}"/>
+              </a:ext>
+            </a:extLst>
+          </p:cNvPr>
+          <p:cNvSpPr/>
+          <p:nvPr/>
+        </p:nvSpPr>
+        <p:spPr>
+          <a:xfrm>
+            <a:off x="1066800" y="2362200"/>
+            <a:ext cx="6781800" cy="1938992"/>
+          </a:xfrm>
+          <a:prstGeom prst="rect">
+            <a:avLst/>
+          </a:prstGeom>
+          <a:solidFill>
+            <a:schemeClr val="bg1">
+              <a:lumMod val="95000"/>
+            </a:schemeClr>
+          </a:solidFill>
+        </p:spPr>
+        <p:txBody>
+          <a:bodyPr wrap="square">
+            <a:spAutoFit/>
+          </a:bodyPr>
+          <a:lstStyle/>
+          <a:p>
+            <a:r>
+              <a:rPr lang="en-US" dirty="0">
+                <a:solidFill>
+                  <a:schemeClr val="tx1"/>
+                </a:solidFill>
+                <a:latin typeface="Courier New" panose="02070309020205020404" pitchFamily="49" charset="0"/>
+                <a:cs typeface="Courier New" panose="02070309020205020404" pitchFamily="49" charset="0"/>
+              </a:rPr>
+              <a:t>SELECT column1, column2....</a:t>
+            </a:r>
+            <a:r>
+              <a:rPr lang="en-US" dirty="0" err="1">
+                <a:solidFill>
+                  <a:schemeClr val="tx1"/>
+                </a:solidFill>
+                <a:latin typeface="Courier New" panose="02070309020205020404" pitchFamily="49" charset="0"/>
+                <a:cs typeface="Courier New" panose="02070309020205020404" pitchFamily="49" charset="0"/>
+              </a:rPr>
+              <a:t>columnN</a:t>
+            </a:r>
+            <a:r>
+              <a:rPr lang="en-US" dirty="0">
+                <a:solidFill>
+                  <a:schemeClr val="tx1"/>
+                </a:solidFill>
+                <a:latin typeface="Courier New" panose="02070309020205020404" pitchFamily="49" charset="0"/>
+                <a:cs typeface="Courier New" panose="02070309020205020404" pitchFamily="49" charset="0"/>
+              </a:rPr>
+              <a:t> </a:t>
+            </a:r>
+          </a:p>
+          <a:p>
+            <a:r>
+              <a:rPr lang="en-US" dirty="0">
+                <a:solidFill>
+                  <a:schemeClr val="tx1"/>
+                </a:solidFill>
+                <a:latin typeface="Courier New" panose="02070309020205020404" pitchFamily="49" charset="0"/>
+                <a:cs typeface="Courier New" panose="02070309020205020404" pitchFamily="49" charset="0"/>
+              </a:rPr>
+              <a:t>FROM </a:t>
+            </a:r>
+            <a:r>
+              <a:rPr lang="en-US" dirty="0" err="1">
+                <a:solidFill>
+                  <a:schemeClr val="tx1"/>
+                </a:solidFill>
+                <a:latin typeface="Courier New" panose="02070309020205020404" pitchFamily="49" charset="0"/>
+                <a:cs typeface="Courier New" panose="02070309020205020404" pitchFamily="49" charset="0"/>
+              </a:rPr>
+              <a:t>table_name</a:t>
+            </a:r>
+            <a:r>
+              <a:rPr lang="en-US" dirty="0">
+                <a:solidFill>
+                  <a:schemeClr val="tx1"/>
+                </a:solidFill>
+                <a:latin typeface="Courier New" panose="02070309020205020404" pitchFamily="49" charset="0"/>
+                <a:cs typeface="Courier New" panose="02070309020205020404" pitchFamily="49" charset="0"/>
+              </a:rPr>
+              <a:t> </a:t>
+            </a:r>
+          </a:p>
+          <a:p>
+            <a:r>
+              <a:rPr lang="en-US" dirty="0">
+                <a:solidFill>
+                  <a:schemeClr val="tx1"/>
+                </a:solidFill>
+                <a:latin typeface="Courier New" panose="02070309020205020404" pitchFamily="49" charset="0"/>
+                <a:cs typeface="Courier New" panose="02070309020205020404" pitchFamily="49" charset="0"/>
+              </a:rPr>
+              <a:t>WHERE CONDITION </a:t>
+            </a:r>
+          </a:p>
+          <a:p>
+            <a:r>
+              <a:rPr lang="en-US" dirty="0">
+                <a:solidFill>
+                  <a:schemeClr val="tx1"/>
+                </a:solidFill>
+                <a:latin typeface="Courier New" panose="02070309020205020404" pitchFamily="49" charset="0"/>
+                <a:cs typeface="Courier New" panose="02070309020205020404" pitchFamily="49" charset="0"/>
+              </a:rPr>
+              <a:t>ORDER BY </a:t>
+            </a:r>
+            <a:r>
+              <a:rPr lang="en-US" dirty="0" err="1">
+                <a:solidFill>
+                  <a:schemeClr val="tx1"/>
+                </a:solidFill>
+                <a:latin typeface="Courier New" panose="02070309020205020404" pitchFamily="49" charset="0"/>
+                <a:cs typeface="Courier New" panose="02070309020205020404" pitchFamily="49" charset="0"/>
+              </a:rPr>
+              <a:t>column_name</a:t>
+            </a:r>
+            <a:r>
+              <a:rPr lang="en-US" dirty="0">
+                <a:solidFill>
+                  <a:schemeClr val="tx1"/>
+                </a:solidFill>
+                <a:latin typeface="Courier New" panose="02070309020205020404" pitchFamily="49" charset="0"/>
+                <a:cs typeface="Courier New" panose="02070309020205020404" pitchFamily="49" charset="0"/>
+              </a:rPr>
+              <a:t> {ASC|DESC}; </a:t>
+            </a:r>
+            <a:br>
+              <a:rPr lang="en-US" dirty="0">
+                <a:solidFill>
+                  <a:schemeClr val="tx1"/>
+                </a:solidFill>
+                <a:latin typeface="Courier New" panose="02070309020205020404" pitchFamily="49" charset="0"/>
+                <a:cs typeface="Courier New" panose="02070309020205020404" pitchFamily="49" charset="0"/>
+              </a:rPr>
+            </a:br>
+            <a:endParaRPr lang="en-US" dirty="0">
+              <a:solidFill>
+                <a:schemeClr val="tx1"/>
+              </a:solidFill>
+              <a:latin typeface="Courier New" panose="02070309020205020404" pitchFamily="49" charset="0"/>
+              <a:cs typeface="Courier New" panose="02070309020205020404" pitchFamily="49" charset="0"/>
+            </a:endParaRPr>
+          </a:p>
+        </p:txBody>
+      </p:sp>
+      <p:sp>
+        <p:nvSpPr>
+          <p:cNvPr id="7" name="Rectangle 6">
+            <a:extLst>
+              <a:ext uri="{FF2B5EF4-FFF2-40B4-BE49-F238E27FC236}">
+                <a16:creationId xmlns:a16="http://schemas.microsoft.com/office/drawing/2014/main" id="{9E34C1F3-1C65-7144-BD93-EA01FF4C314C}"/>
+              </a:ext>
+            </a:extLst>
+          </p:cNvPr>
+          <p:cNvSpPr/>
+          <p:nvPr/>
+        </p:nvSpPr>
+        <p:spPr>
+          <a:xfrm>
+            <a:off x="1083623" y="4526340"/>
+            <a:ext cx="5317177" cy="1569660"/>
+          </a:xfrm>
+          <a:prstGeom prst="rect">
+            <a:avLst/>
+          </a:prstGeom>
+          <a:solidFill>
+            <a:schemeClr val="bg1">
+              <a:lumMod val="95000"/>
+            </a:schemeClr>
+          </a:solidFill>
+        </p:spPr>
+        <p:txBody>
+          <a:bodyPr wrap="square">
+            <a:spAutoFit/>
+          </a:bodyPr>
+          <a:lstStyle/>
+          <a:p>
+            <a:r>
+              <a:rPr lang="en-US" dirty="0">
+                <a:solidFill>
+                  <a:schemeClr val="tx1"/>
+                </a:solidFill>
+                <a:latin typeface="Courier New" panose="02070309020205020404" pitchFamily="49" charset="0"/>
+                <a:cs typeface="Courier New" panose="02070309020205020404" pitchFamily="49" charset="0"/>
+              </a:rPr>
+              <a:t>SELECT SUM(</a:t>
+            </a:r>
+            <a:r>
+              <a:rPr lang="en-US" dirty="0" err="1">
+                <a:solidFill>
+                  <a:schemeClr val="tx1"/>
+                </a:solidFill>
+                <a:latin typeface="Courier New" panose="02070309020205020404" pitchFamily="49" charset="0"/>
+                <a:cs typeface="Courier New" panose="02070309020205020404" pitchFamily="49" charset="0"/>
+              </a:rPr>
+              <a:t>column_name</a:t>
+            </a:r>
+            <a:r>
+              <a:rPr lang="en-US" dirty="0">
+                <a:solidFill>
+                  <a:schemeClr val="tx1"/>
+                </a:solidFill>
+                <a:latin typeface="Courier New" panose="02070309020205020404" pitchFamily="49" charset="0"/>
+                <a:cs typeface="Courier New" panose="02070309020205020404" pitchFamily="49" charset="0"/>
+              </a:rPr>
+              <a:t>) </a:t>
+            </a:r>
+          </a:p>
+          <a:p>
+            <a:r>
+              <a:rPr lang="en-US" dirty="0">
+                <a:solidFill>
+                  <a:schemeClr val="tx1"/>
+                </a:solidFill>
+                <a:latin typeface="Courier New" panose="02070309020205020404" pitchFamily="49" charset="0"/>
+                <a:cs typeface="Courier New" panose="02070309020205020404" pitchFamily="49" charset="0"/>
+              </a:rPr>
+              <a:t>FROM </a:t>
+            </a:r>
+            <a:r>
+              <a:rPr lang="en-US" dirty="0" err="1">
+                <a:solidFill>
+                  <a:schemeClr val="tx1"/>
+                </a:solidFill>
+                <a:latin typeface="Courier New" panose="02070309020205020404" pitchFamily="49" charset="0"/>
+                <a:cs typeface="Courier New" panose="02070309020205020404" pitchFamily="49" charset="0"/>
+              </a:rPr>
+              <a:t>table_name</a:t>
+            </a:r>
+            <a:r>
+              <a:rPr lang="en-US" dirty="0">
+                <a:solidFill>
+                  <a:schemeClr val="tx1"/>
+                </a:solidFill>
+                <a:latin typeface="Courier New" panose="02070309020205020404" pitchFamily="49" charset="0"/>
+                <a:cs typeface="Courier New" panose="02070309020205020404" pitchFamily="49" charset="0"/>
+              </a:rPr>
+              <a:t> </a:t>
+            </a:r>
+          </a:p>
+          <a:p>
+            <a:r>
+              <a:rPr lang="en-US" dirty="0">
+                <a:solidFill>
+                  <a:schemeClr val="tx1"/>
+                </a:solidFill>
+                <a:latin typeface="Courier New" panose="02070309020205020404" pitchFamily="49" charset="0"/>
+                <a:cs typeface="Courier New" panose="02070309020205020404" pitchFamily="49" charset="0"/>
+              </a:rPr>
+              <a:t>WHERE CONDITION </a:t>
+            </a:r>
+          </a:p>
+          <a:p>
+            <a:r>
+              <a:rPr lang="en-US" dirty="0">
+                <a:solidFill>
+                  <a:schemeClr val="tx1"/>
+                </a:solidFill>
+                <a:latin typeface="Courier New" panose="02070309020205020404" pitchFamily="49" charset="0"/>
+                <a:cs typeface="Courier New" panose="02070309020205020404" pitchFamily="49" charset="0"/>
+              </a:rPr>
+              <a:t>GROUP BY </a:t>
+            </a:r>
+            <a:r>
+              <a:rPr lang="en-US" dirty="0" err="1">
+                <a:solidFill>
+                  <a:schemeClr val="tx1"/>
+                </a:solidFill>
+                <a:latin typeface="Courier New" panose="02070309020205020404" pitchFamily="49" charset="0"/>
+                <a:cs typeface="Courier New" panose="02070309020205020404" pitchFamily="49" charset="0"/>
+              </a:rPr>
+              <a:t>column_name</a:t>
+            </a:r>
+            <a:r>
+              <a:rPr lang="en-US" dirty="0">
+                <a:solidFill>
+                  <a:schemeClr val="tx1"/>
+                </a:solidFill>
+                <a:latin typeface="Courier New" panose="02070309020205020404" pitchFamily="49" charset="0"/>
+                <a:cs typeface="Courier New" panose="02070309020205020404" pitchFamily="49" charset="0"/>
+              </a:rPr>
+              <a:t>;</a:t>
+            </a:r>
+          </a:p>
+        </p:txBody>
+      </p:sp>
+      <p:graphicFrame>
+        <p:nvGraphicFramePr>
+          <p:cNvPr id="8" name="Table 7">
+            <a:extLst>
+              <a:ext uri="{FF2B5EF4-FFF2-40B4-BE49-F238E27FC236}">
+                <a16:creationId xmlns:a16="http://schemas.microsoft.com/office/drawing/2014/main" id="{08D15E3A-0E9E-DE45-808D-213C8125EA64}"/>
+              </a:ext>
+            </a:extLst>
+          </p:cNvPr>
+          <p:cNvGraphicFramePr>
+            <a:graphicFrameLocks noGrp="1"/>
+          </p:cNvGraphicFramePr>
+          <p:nvPr>
+            <p:extLst>
+              <p:ext uri="{D42A27DB-BD31-4B8C-83A1-F6EECF244321}">
+                <p14:modId xmlns:p14="http://schemas.microsoft.com/office/powerpoint/2010/main" val="266357116"/>
+              </p:ext>
+            </p:extLst>
+          </p:nvPr>
+        </p:nvGraphicFramePr>
+        <p:xfrm>
+          <a:off x="471055" y="1076960"/>
+          <a:ext cx="6096000" cy="1198880"/>
+        </p:xfrm>
+        <a:graphic>
+          <a:graphicData uri="http://schemas.openxmlformats.org/drawingml/2006/table">
+            <a:tbl>
+              <a:tblPr firstRow="1" bandRow="1">
+                <a:tableStyleId>{073A0DAA-6AF3-43AB-8588-CEC1D06C72B9}</a:tableStyleId>
+              </a:tblPr>
+              <a:tblGrid>
+                <a:gridCol w="1524000">
+                  <a:extLst>
+                    <a:ext uri="{9D8B030D-6E8A-4147-A177-3AD203B41FA5}">
+                      <a16:colId xmlns:a16="http://schemas.microsoft.com/office/drawing/2014/main" val="4035367222"/>
+                    </a:ext>
+                  </a:extLst>
+                </a:gridCol>
+                <a:gridCol w="1524000">
+                  <a:extLst>
+                    <a:ext uri="{9D8B030D-6E8A-4147-A177-3AD203B41FA5}">
+                      <a16:colId xmlns:a16="http://schemas.microsoft.com/office/drawing/2014/main" val="3606184885"/>
+                    </a:ext>
+                  </a:extLst>
+                </a:gridCol>
+                <a:gridCol w="1524000">
+                  <a:extLst>
+                    <a:ext uri="{9D8B030D-6E8A-4147-A177-3AD203B41FA5}">
+                      <a16:colId xmlns:a16="http://schemas.microsoft.com/office/drawing/2014/main" val="784575584"/>
+                    </a:ext>
+                  </a:extLst>
+                </a:gridCol>
+                <a:gridCol w="1524000">
+                  <a:extLst>
+                    <a:ext uri="{9D8B030D-6E8A-4147-A177-3AD203B41FA5}">
+                      <a16:colId xmlns:a16="http://schemas.microsoft.com/office/drawing/2014/main" val="477283138"/>
+                    </a:ext>
+                  </a:extLst>
+                </a:gridCol>
+              </a:tblGrid>
+              <a:tr h="370840">
+                <a:tc>
+                  <a:txBody>
+                    <a:bodyPr/>
+                    <a:lstStyle/>
+                    <a:p>
+                      <a:pPr algn="ctr"/>
+                      <a:r>
+                        <a:rPr lang="en-US" sz="2400" dirty="0"/>
+                        <a:t>column1</a:t>
+                      </a:r>
+                    </a:p>
+                  </a:txBody>
+                  <a:tcPr/>
+                </a:tc>
+                <a:tc>
+                  <a:txBody>
+                    <a:bodyPr/>
+                    <a:lstStyle/>
+                    <a:p>
+                      <a:pPr algn="ctr"/>
+                      <a:r>
+                        <a:rPr lang="en-US" sz="2400" dirty="0"/>
+                        <a:t>column2</a:t>
+                      </a:r>
+                    </a:p>
+                  </a:txBody>
+                  <a:tcPr/>
+                </a:tc>
+                <a:tc>
+                  <a:txBody>
+                    <a:bodyPr/>
+                    <a:lstStyle/>
+                    <a:p>
+                      <a:pPr algn="ctr"/>
+                      <a:r>
+                        <a:rPr lang="en-US" sz="2400" dirty="0"/>
+                        <a:t>…</a:t>
+                      </a:r>
+                    </a:p>
+                  </a:txBody>
+                  <a:tcPr/>
+                </a:tc>
+                <a:tc>
+                  <a:txBody>
+                    <a:bodyPr/>
+                    <a:lstStyle/>
+                    <a:p>
+                      <a:pPr algn="ctr"/>
+                      <a:r>
+                        <a:rPr lang="en-US" sz="2400" dirty="0" err="1"/>
+                        <a:t>columnN</a:t>
+                      </a:r>
+                      <a:endParaRPr lang="en-US" sz="2400" dirty="0"/>
+                    </a:p>
+                  </a:txBody>
+                  <a:tcPr/>
+                </a:tc>
+                <a:extLst>
+                  <a:ext uri="{0D108BD9-81ED-4DB2-BD59-A6C34878D82A}">
+                    <a16:rowId xmlns:a16="http://schemas.microsoft.com/office/drawing/2014/main" val="1958140517"/>
+                  </a:ext>
+                </a:extLst>
+              </a:tr>
+              <a:tr h="370840">
+                <a:tc>
+                  <a:txBody>
+                    <a:bodyPr/>
+                    <a:lstStyle/>
+                    <a:p>
+                      <a:endParaRPr lang="en-US" dirty="0"/>
+                    </a:p>
+                  </a:txBody>
+                  <a:tcPr/>
+                </a:tc>
+                <a:tc>
+                  <a:txBody>
+                    <a:bodyPr/>
+                    <a:lstStyle/>
+                    <a:p>
+                      <a:endParaRPr lang="en-US" dirty="0"/>
+                    </a:p>
+                  </a:txBody>
+                  <a:tcPr/>
+                </a:tc>
+                <a:tc>
+                  <a:txBody>
+                    <a:bodyPr/>
+                    <a:lstStyle/>
+                    <a:p>
+                      <a:endParaRPr lang="en-US" dirty="0"/>
+                    </a:p>
+                  </a:txBody>
+                  <a:tcPr/>
+                </a:tc>
+                <a:tc>
+                  <a:txBody>
+                    <a:bodyPr/>
+                    <a:lstStyle/>
+                    <a:p>
+                      <a:endParaRPr lang="en-US" dirty="0"/>
+                    </a:p>
+                  </a:txBody>
+                  <a:tcPr/>
+                </a:tc>
+                <a:extLst>
+                  <a:ext uri="{0D108BD9-81ED-4DB2-BD59-A6C34878D82A}">
+                    <a16:rowId xmlns:a16="http://schemas.microsoft.com/office/drawing/2014/main" val="3999196644"/>
+                  </a:ext>
+                </a:extLst>
+              </a:tr>
+              <a:tr h="370840">
+                <a:tc>
+                  <a:txBody>
+                    <a:bodyPr/>
+                    <a:lstStyle/>
+                    <a:p>
+                      <a:endParaRPr lang="en-US" dirty="0"/>
+                    </a:p>
+                  </a:txBody>
+                  <a:tcPr/>
+                </a:tc>
+                <a:tc>
+                  <a:txBody>
+                    <a:bodyPr/>
+                    <a:lstStyle/>
+                    <a:p>
+                      <a:endParaRPr lang="en-US" dirty="0"/>
+                    </a:p>
+                  </a:txBody>
+                  <a:tcPr/>
+                </a:tc>
+                <a:tc>
+                  <a:txBody>
+                    <a:bodyPr/>
+                    <a:lstStyle/>
+                    <a:p>
+                      <a:endParaRPr lang="en-US" dirty="0"/>
+                    </a:p>
+                  </a:txBody>
+                  <a:tcPr/>
+                </a:tc>
+                <a:tc>
+                  <a:txBody>
+                    <a:bodyPr/>
+                    <a:lstStyle/>
+                    <a:p>
+                      <a:endParaRPr lang="en-US" dirty="0"/>
+                    </a:p>
+                  </a:txBody>
+                  <a:tcPr/>
+                </a:tc>
+                <a:extLst>
+                  <a:ext uri="{0D108BD9-81ED-4DB2-BD59-A6C34878D82A}">
+                    <a16:rowId xmlns:a16="http://schemas.microsoft.com/office/drawing/2014/main" val="1918198152"/>
+                  </a:ext>
+                </a:extLst>
+              </a:tr>
+            </a:tbl>
+          </a:graphicData>
+        </a:graphic>
+      </p:graphicFrame>
+    </p:spTree>
+    <p:extLst>
+      <p:ext uri="{BB962C8B-B14F-4D97-AF65-F5344CB8AC3E}">
+        <p14:creationId xmlns:p14="http://schemas.microsoft.com/office/powerpoint/2010/main" val="4140345102"/>
+      </p:ext>
+    </p:extLst>
+  </p:cSld>
+  <p:clrMapOvr>
+    <a:masterClrMapping/>
+  </p:clrMapOvr>
+  <p:timing>
+    <p:tnLst>
+      <p:par>
+        <p:cTn id="1" dur="indefinite" restart="never" nodeType="tmRoot">
+          <p:childTnLst>
+            <p:seq concurrent="1" nextAc="seek">
+              <p:cTn id="2" dur="indefinite" nodeType="mainSeq">
+                <p:childTnLst>
+                  <p:par>
+                    <p:cTn id="3" fill="hold">
+                      <p:stCondLst>
+                        <p:cond delay="indefinite"/>
+                      </p:stCondLst>
+                      <p:childTnLst>
+                        <p:par>
+                          <p:cTn id="4" fill="hold">
+                            <p:stCondLst>
+                              <p:cond delay="0"/>
+                            </p:stCondLst>
+                            <p:childTnLst>
+                              <p:par>
+                                <p:cTn id="5" presetID="1" presetClass="entr" presetSubtype="0" fill="hold" grpId="0" nodeType="clickEffect">
+                                  <p:stCondLst>
+                                    <p:cond delay="0"/>
+                                  </p:stCondLst>
+                                  <p:childTnLst>
+                                    <p:set>
+                                      <p:cBhvr>
+                                        <p:cTn id="6" dur="1" fill="hold">
+                                          <p:stCondLst>
+                                            <p:cond delay="0"/>
+                                          </p:stCondLst>
+                                        </p:cTn>
+                                        <p:tgtEl>
+                                          <p:spTgt spid="6"/>
+                                        </p:tgtEl>
+                                        <p:attrNameLst>
+                                          <p:attrName>style.visibility</p:attrName>
+                                        </p:attrNameLst>
+                                      </p:cBhvr>
+                                      <p:to>
+                                        <p:strVal val="visible"/>
+                                      </p:to>
+                                    </p:set>
+                                  </p:childTnLst>
+                                </p:cTn>
+                              </p:par>
+                            </p:childTnLst>
+                          </p:cTn>
+                        </p:par>
+                      </p:childTnLst>
+                    </p:cTn>
+                  </p:par>
+                  <p:par>
+                    <p:cTn id="7" fill="hold">
+                      <p:stCondLst>
+                        <p:cond delay="indefinite"/>
+                      </p:stCondLst>
+                      <p:childTnLst>
+                        <p:par>
+                          <p:cTn id="8" fill="hold">
+                            <p:stCondLst>
+                              <p:cond delay="0"/>
+                            </p:stCondLst>
+                            <p:childTnLst>
+                              <p:par>
+                                <p:cTn id="9" presetID="1" presetClass="entr" presetSubtype="0" fill="hold" grpId="0" nodeType="clickEffect">
+                                  <p:stCondLst>
+                                    <p:cond delay="0"/>
+                                  </p:stCondLst>
+                                  <p:childTnLst>
+                                    <p:set>
+                                      <p:cBhvr>
+                                        <p:cTn id="10" dur="1" fill="hold">
+                                          <p:stCondLst>
+                                            <p:cond delay="0"/>
+                                          </p:stCondLst>
+                                        </p:cTn>
+                                        <p:tgtEl>
+                                          <p:spTgt spid="7"/>
+                                        </p:tgtEl>
+                                        <p:attrNameLst>
+                                          <p:attrName>style.visibility</p:attrName>
+                                        </p:attrNameLst>
+                                      </p:cBhvr>
+                                      <p:to>
+                                        <p:strVal val="visible"/>
+                                      </p:to>
+                                    </p:set>
+                                  </p:childTnLst>
+                                </p:cTn>
+                              </p:par>
+                            </p:childTnLst>
+                          </p:cTn>
+                        </p:par>
+                      </p:childTnLst>
+                    </p:cTn>
+                  </p:par>
+                </p:childTnLst>
+              </p:cTn>
+              <p:prevCondLst>
+                <p:cond evt="onPrev" delay="0">
+                  <p:tgtEl>
+                    <p:sldTgt/>
+                  </p:tgtEl>
+                </p:cond>
+              </p:prevCondLst>
+              <p:nextCondLst>
+                <p:cond evt="onNext" delay="0">
+                  <p:tgtEl>
+                    <p:sldTgt/>
+                  </p:tgtEl>
+                </p:cond>
+              </p:nextCondLst>
+            </p:seq>
+          </p:childTnLst>
+        </p:cTn>
+      </p:par>
+    </p:tnLst>
+    <p:bldLst>
+      <p:bldP spid="6" grpId="0" animBg="1"/>
+      <p:bldP spid="7" grpId="0" animBg="1"/>
+    </p:bldLst>
+  </p:timing>
+</p:sld>
+</file>
+
 <file path=ppt/slides/slide9.xml><?xml version="1.0" encoding="utf-8"?>
 <p:sld xmlns:a="http://schemas.openxmlformats.org/drawingml/2006/main" xmlns:r="http://schemas.openxmlformats.org/officeDocument/2006/relationships" xmlns:p="http://schemas.openxmlformats.org/presentationml/2006/main">
   <p:cSld>
@@ -25276,8 +24566,86 @@
           <a:p>
             <a:r>
               <a:rPr lang="en-US" dirty="0"/>
-              <a:t>Construct This Table From Operations</a:t>
-            </a:r>
+              <a:t>Select Columns Using SQL</a:t>
+            </a:r>
+          </a:p>
+        </p:txBody>
+      </p:sp>
+      <p:sp>
+        <p:nvSpPr>
+          <p:cNvPr id="5" name="Content Placeholder 4">
+            <a:extLst>
+              <a:ext uri="{FF2B5EF4-FFF2-40B4-BE49-F238E27FC236}">
+                <a16:creationId xmlns:a16="http://schemas.microsoft.com/office/drawing/2014/main" id="{C393430B-B4DC-2F41-8141-0C19CD8CCF82}"/>
+              </a:ext>
+            </a:extLst>
+          </p:cNvPr>
+          <p:cNvSpPr>
+            <a:spLocks noGrp="1"/>
+          </p:cNvSpPr>
+          <p:nvPr>
+            <p:ph idx="1"/>
+          </p:nvPr>
+        </p:nvSpPr>
+        <p:spPr>
+          <a:xfrm>
+            <a:off x="457200" y="4160837"/>
+            <a:ext cx="8229600" cy="563563"/>
+          </a:xfrm>
+        </p:spPr>
+        <p:txBody>
+          <a:bodyPr/>
+          <a:lstStyle/>
+          <a:p>
+            <a:pPr marL="0" indent="0">
+              <a:buNone/>
+            </a:pPr>
+            <a:r>
+              <a:rPr lang="en-US" sz="2400" dirty="0">
+                <a:latin typeface="Courier New" panose="02070309020205020404" pitchFamily="49" charset="0"/>
+                <a:cs typeface="Courier New" panose="02070309020205020404" pitchFamily="49" charset="0"/>
+              </a:rPr>
+              <a:t>SELECT </a:t>
+            </a:r>
+            <a:r>
+              <a:rPr lang="en-US" sz="2400" dirty="0" err="1">
+                <a:latin typeface="Courier New" panose="02070309020205020404" pitchFamily="49" charset="0"/>
+                <a:cs typeface="Courier New" panose="02070309020205020404" pitchFamily="49" charset="0"/>
+              </a:rPr>
+              <a:t>video_id</a:t>
+            </a:r>
+            <a:r>
+              <a:rPr lang="en-US" sz="2400" dirty="0">
+                <a:latin typeface="Courier New" panose="02070309020205020404" pitchFamily="49" charset="0"/>
+                <a:cs typeface="Courier New" panose="02070309020205020404" pitchFamily="49" charset="0"/>
+              </a:rPr>
+              <a:t>, </a:t>
+            </a:r>
+            <a:r>
+              <a:rPr lang="en-US" sz="2400" dirty="0" err="1">
+                <a:latin typeface="Courier New" panose="02070309020205020404" pitchFamily="49" charset="0"/>
+                <a:cs typeface="Courier New" panose="02070309020205020404" pitchFamily="49" charset="0"/>
+              </a:rPr>
+              <a:t>category_id</a:t>
+            </a:r>
+            <a:r>
+              <a:rPr lang="en-US" sz="2400" dirty="0">
+                <a:latin typeface="Courier New" panose="02070309020205020404" pitchFamily="49" charset="0"/>
+                <a:cs typeface="Courier New" panose="02070309020205020404" pitchFamily="49" charset="0"/>
+              </a:rPr>
+              <a:t> from </a:t>
+            </a:r>
+            <a:r>
+              <a:rPr lang="en-US" sz="2400" dirty="0" err="1">
+                <a:latin typeface="Courier New" panose="02070309020205020404" pitchFamily="49" charset="0"/>
+                <a:cs typeface="Courier New" panose="02070309020205020404" pitchFamily="49" charset="0"/>
+              </a:rPr>
+              <a:t>CAvideos</a:t>
+            </a:r>
+            <a:endParaRPr lang="en-US" sz="2400" dirty="0">
+              <a:latin typeface="Courier New" panose="02070309020205020404" pitchFamily="49" charset="0"/>
+              <a:cs typeface="Courier New" panose="02070309020205020404" pitchFamily="49" charset="0"/>
+            </a:endParaRPr>
           </a:p>
         </p:txBody>
       </p:sp>
@@ -25297,7 +24665,12 @@
             <p:ph type="ftr" idx="10"/>
           </p:nvPr>
         </p:nvSpPr>
-        <p:spPr/>
+        <p:spPr>
+          <a:xfrm>
+            <a:off x="2438400" y="6264275"/>
+            <a:ext cx="3581400" cy="212725"/>
+          </a:xfrm>
+        </p:spPr>
         <p:txBody>
           <a:bodyPr/>
           <a:lstStyle/>
@@ -25306,8 +24679,24 @@
               <a:defRPr/>
             </a:pPr>
             <a:r>
-              <a:rPr lang="en-US"/>
-              <a:t>Beck, Hellerstein &amp; VanderPlas, 2018</a:t>
+              <a:rPr lang="en-US" dirty="0"/>
+              <a:t>Beck, </a:t>
+            </a:r>
+            <a:r>
+              <a:rPr lang="en-US" dirty="0" err="1"/>
+              <a:t>Hellerstein</a:t>
+            </a:r>
+            <a:r>
+              <a:rPr lang="en-US" dirty="0"/>
+              <a:t> &amp; </a:t>
+            </a:r>
+            <a:r>
+              <a:rPr lang="en-US" dirty="0" err="1"/>
+              <a:t>VanderPlas</a:t>
+            </a:r>
+            <a:r>
+              <a:rPr lang="en-US" dirty="0"/>
+              <a:t>, 2018</a:t>
             </a:r>
           </a:p>
         </p:txBody>
@@ -25359,277 +24748,16 @@
           <p:cNvGraphicFramePr>
             <a:graphicFrameLocks noGrp="1"/>
           </p:cNvGraphicFramePr>
-          <p:nvPr/>
+          <p:nvPr>
+            <p:extLst>
+              <p:ext uri="{D42A27DB-BD31-4B8C-83A1-F6EECF244321}">
+                <p14:modId xmlns:p14="http://schemas.microsoft.com/office/powerpoint/2010/main" val="281163492"/>
+              </p:ext>
+            </p:extLst>
+          </p:nvPr>
         </p:nvGraphicFramePr>
         <p:xfrm>
-          <a:off x="381000" y="838200"/>
-          <a:ext cx="8305800" cy="2147632"/>
-        </p:xfrm>
-        <a:graphic>
-          <a:graphicData uri="http://schemas.openxmlformats.org/drawingml/2006/table">
-            <a:tbl>
-              <a:tblPr firstRow="1" bandRow="1">
-                <a:tableStyleId>{5C22544A-7EE6-4342-B048-85BDC9FD1C3A}</a:tableStyleId>
-              </a:tblPr>
-              <a:tblGrid>
-                <a:gridCol w="2768600">
-                  <a:extLst>
-                    <a:ext uri="{9D8B030D-6E8A-4147-A177-3AD203B41FA5}">
-                      <a16:colId xmlns:a16="http://schemas.microsoft.com/office/drawing/2014/main" val="2723209"/>
-                    </a:ext>
-                  </a:extLst>
-                </a:gridCol>
-                <a:gridCol w="2768600">
-                  <a:extLst>
-                    <a:ext uri="{9D8B030D-6E8A-4147-A177-3AD203B41FA5}">
-                      <a16:colId xmlns:a16="http://schemas.microsoft.com/office/drawing/2014/main" val="851576297"/>
-                    </a:ext>
-                  </a:extLst>
-                </a:gridCol>
-                <a:gridCol w="2768600">
-                  <a:extLst>
-                    <a:ext uri="{9D8B030D-6E8A-4147-A177-3AD203B41FA5}">
-                      <a16:colId xmlns:a16="http://schemas.microsoft.com/office/drawing/2014/main" val="1773334228"/>
-                    </a:ext>
-                  </a:extLst>
-                </a:gridCol>
-              </a:tblGrid>
-              <a:tr h="437282">
-                <a:tc>
-                  <a:txBody>
-                    <a:bodyPr/>
-                    <a:lstStyle/>
-                    <a:p>
-                      <a:r>
-                        <a:rPr lang="en-US" sz="2800" dirty="0" err="1"/>
-                        <a:t>video_id</a:t>
-                      </a:r>
-                      <a:endParaRPr lang="en-US" sz="2800" dirty="0"/>
-                    </a:p>
-                  </a:txBody>
-                  <a:tcPr/>
-                </a:tc>
-                <a:tc>
-                  <a:txBody>
-                    <a:bodyPr/>
-                    <a:lstStyle/>
-                    <a:p>
-                      <a:r>
-                        <a:rPr lang="en-US" sz="2800" dirty="0" err="1"/>
-                        <a:t>category_id</a:t>
-                      </a:r>
-                      <a:endParaRPr lang="en-US" sz="2800" dirty="0"/>
-                    </a:p>
-                  </a:txBody>
-                  <a:tcPr/>
-                </a:tc>
-                <a:tc>
-                  <a:txBody>
-                    <a:bodyPr/>
-                    <a:lstStyle/>
-                    <a:p>
-                      <a:r>
-                        <a:rPr lang="en-US" sz="2800" dirty="0" err="1"/>
-                        <a:t>trending_date</a:t>
-                      </a:r>
-                      <a:endParaRPr lang="en-US" sz="2800" dirty="0"/>
-                    </a:p>
-                  </a:txBody>
-                  <a:tcPr/>
-                </a:tc>
-                <a:extLst>
-                  <a:ext uri="{0D108BD9-81ED-4DB2-BD59-A6C34878D82A}">
-                    <a16:rowId xmlns:a16="http://schemas.microsoft.com/office/drawing/2014/main" val="429027036"/>
-                  </a:ext>
-                </a:extLst>
-              </a:tr>
-              <a:tr h="437282">
-                <a:tc>
-                  <a:txBody>
-                    <a:bodyPr/>
-                    <a:lstStyle/>
-                    <a:p>
-                      <a:pPr algn="r"/>
-                      <a:r>
-                        <a:rPr lang="en-US" sz="2800" dirty="0"/>
-                        <a:t>a5$xcyda</a:t>
-                      </a:r>
-                    </a:p>
-                  </a:txBody>
-                  <a:tcPr/>
-                </a:tc>
-                <a:tc>
-                  <a:txBody>
-                    <a:bodyPr/>
-                    <a:lstStyle/>
-                    <a:p>
-                      <a:pPr algn="r"/>
-                      <a:r>
-                        <a:rPr lang="en-US" sz="2800" dirty="0"/>
-                        <a:t>33</a:t>
-                      </a:r>
-                    </a:p>
-                  </a:txBody>
-                  <a:tcPr/>
-                </a:tc>
-                <a:tc>
-                  <a:txBody>
-                    <a:bodyPr/>
-                    <a:lstStyle/>
-                    <a:p>
-                      <a:pPr algn="r"/>
-                      <a:r>
-                        <a:rPr lang="en-US" sz="2800" dirty="0"/>
-                        <a:t>02/01/2015</a:t>
-                      </a:r>
-                    </a:p>
-                  </a:txBody>
-                  <a:tcPr/>
-                </a:tc>
-                <a:extLst>
-                  <a:ext uri="{0D108BD9-81ED-4DB2-BD59-A6C34878D82A}">
-                    <a16:rowId xmlns:a16="http://schemas.microsoft.com/office/drawing/2014/main" val="2719732550"/>
-                  </a:ext>
-                </a:extLst>
-              </a:tr>
-              <a:tr h="437282">
-                <a:tc>
-                  <a:txBody>
-                    <a:bodyPr/>
-                    <a:lstStyle/>
-                    <a:p>
-                      <a:pPr algn="r"/>
-                      <a:r>
-                        <a:rPr lang="en-US" sz="2800" dirty="0"/>
-                        <a:t>xB#2gy8t</a:t>
-                      </a:r>
-                    </a:p>
-                  </a:txBody>
-                  <a:tcPr/>
-                </a:tc>
-                <a:tc>
-                  <a:txBody>
-                    <a:bodyPr/>
-                    <a:lstStyle/>
-                    <a:p>
-                      <a:pPr algn="r"/>
-                      <a:r>
-                        <a:rPr lang="en-US" sz="2800" dirty="0"/>
-                        <a:t>12</a:t>
-                      </a:r>
-                    </a:p>
-                  </a:txBody>
-                  <a:tcPr/>
-                </a:tc>
-                <a:tc>
-                  <a:txBody>
-                    <a:bodyPr/>
-                    <a:lstStyle/>
-                    <a:p>
-                      <a:pPr algn="r"/>
-                      <a:r>
-                        <a:rPr lang="en-US" sz="2800" dirty="0"/>
-                        <a:t>03/30/2014</a:t>
-                      </a:r>
-                    </a:p>
-                  </a:txBody>
-                  <a:tcPr/>
-                </a:tc>
-                <a:extLst>
-                  <a:ext uri="{0D108BD9-81ED-4DB2-BD59-A6C34878D82A}">
-                    <a16:rowId xmlns:a16="http://schemas.microsoft.com/office/drawing/2014/main" val="2207789598"/>
-                  </a:ext>
-                </a:extLst>
-              </a:tr>
-              <a:tr h="593152">
-                <a:tc>
-                  <a:txBody>
-                    <a:bodyPr/>
-                    <a:lstStyle/>
-                    <a:p>
-                      <a:pPr marL="0" marR="0" lvl="0" indent="0" algn="r" defTabSz="457200" rtl="0" eaLnBrk="1" fontAlgn="auto" latinLnBrk="0" hangingPunct="1">
-                        <a:lnSpc>
-                          <a:spcPct val="100000"/>
-                        </a:lnSpc>
-                        <a:spcBef>
-                          <a:spcPts val="0"/>
-                        </a:spcBef>
-                        <a:spcAft>
-                          <a:spcPts val="0"/>
-                        </a:spcAft>
-                        <a:buClrTx/>
-                        <a:buSzTx/>
-                        <a:buFontTx/>
-                        <a:buNone/>
-                        <a:tabLst/>
-                        <a:defRPr/>
-                      </a:pPr>
-                      <a:r>
-                        <a:rPr lang="en-US" sz="2800" dirty="0" err="1"/>
-                        <a:t>yQ</a:t>
-                      </a:r>
-                      <a:r>
-                        <a:rPr lang="en-US" sz="2800" dirty="0"/>
-                        <a:t>??2gy8t</a:t>
-                      </a:r>
-                    </a:p>
-                  </a:txBody>
-                  <a:tcPr/>
-                </a:tc>
-                <a:tc>
-                  <a:txBody>
-                    <a:bodyPr/>
-                    <a:lstStyle/>
-                    <a:p>
-                      <a:pPr algn="r"/>
-                      <a:r>
-                        <a:rPr lang="en-US" sz="2800" dirty="0"/>
-                        <a:t>44</a:t>
-                      </a:r>
-                    </a:p>
-                  </a:txBody>
-                  <a:tcPr/>
-                </a:tc>
-                <a:tc>
-                  <a:txBody>
-                    <a:bodyPr/>
-                    <a:lstStyle/>
-                    <a:p>
-                      <a:pPr algn="r"/>
-                      <a:r>
-                        <a:rPr lang="en-US" sz="2800" dirty="0"/>
-                        <a:t>10/14/2014</a:t>
-                      </a:r>
-                    </a:p>
-                  </a:txBody>
-                  <a:tcPr/>
-                </a:tc>
-                <a:extLst>
-                  <a:ext uri="{0D108BD9-81ED-4DB2-BD59-A6C34878D82A}">
-                    <a16:rowId xmlns:a16="http://schemas.microsoft.com/office/drawing/2014/main" val="2088838681"/>
-                  </a:ext>
-                </a:extLst>
-              </a:tr>
-            </a:tbl>
-          </a:graphicData>
-        </a:graphic>
-      </p:graphicFrame>
-      <p:graphicFrame>
-        <p:nvGraphicFramePr>
-          <p:cNvPr id="9" name="Table 8">
-            <a:extLst>
-              <a:ext uri="{FF2B5EF4-FFF2-40B4-BE49-F238E27FC236}">
-                <a16:creationId xmlns:a16="http://schemas.microsoft.com/office/drawing/2014/main" id="{4B475980-ABC7-E947-99BA-94B664563AA2}"/>
-              </a:ext>
-            </a:extLst>
-          </p:cNvPr>
-          <p:cNvGraphicFramePr>
-            <a:graphicFrameLocks noGrp="1"/>
-          </p:cNvGraphicFramePr>
-          <p:nvPr/>
-        </p:nvGraphicFramePr>
-        <p:xfrm>
-          <a:off x="381000" y="3810000"/>
+          <a:off x="381000" y="1341437"/>
           <a:ext cx="8305800" cy="2147632"/>
         </p:xfrm>
         <a:graphic>
@@ -25883,86 +25011,44 @@
       </p:graphicFrame>
       <p:sp>
         <p:nvSpPr>
-          <p:cNvPr id="10" name="Down Arrow 9">
+          <p:cNvPr id="6" name="TextBox 5">
             <a:extLst>
               <a:ext uri="{FF2B5EF4-FFF2-40B4-BE49-F238E27FC236}">
-                <a16:creationId xmlns:a16="http://schemas.microsoft.com/office/drawing/2014/main" id="{861049F6-54B2-B84F-BBE3-7A73F78F670D}"/>
+                <a16:creationId xmlns:a16="http://schemas.microsoft.com/office/drawing/2014/main" id="{D548CC9C-AC2A-7C47-970B-6F00B06677AE}"/>
               </a:ext>
             </a:extLst>
           </p:cNvPr>
-          <p:cNvSpPr/>
+          <p:cNvSpPr txBox="1"/>
           <p:nvPr/>
         </p:nvSpPr>
-        <p:spPr bwMode="auto">
+        <p:spPr>
           <a:xfrm>
-            <a:off x="4343400" y="3124200"/>
-            <a:ext cx="381000" cy="609600"/>
+            <a:off x="381000" y="909935"/>
+            <a:ext cx="1593513" cy="461665"/>
           </a:xfrm>
-          <a:prstGeom prst="downArrow">
+          <a:prstGeom prst="rect">
             <a:avLst/>
           </a:prstGeom>
           <a:noFill/>
-          <a:ln w="57150" cap="flat" cmpd="sng" algn="ctr">
-            <a:solidFill>
-              <a:srgbClr val="FF0000"/>
-            </a:solidFill>
-            <a:prstDash val="solid"/>
-            <a:round/>
-            <a:headEnd type="none" w="med" len="med"/>
-            <a:tailEnd type="none" w="med" len="med"/>
-          </a:ln>
-          <a:effectLst/>
-          <a:extLst>
-            <a:ext uri="{AF507438-7753-43e0-B8FC-AC1667EBCBE1}">
-              <a14:hiddenEffects xmlns="" xmlns:a14="http://schemas.microsoft.com/office/drawing/2010/main">
-                <a:effectLst>
-                  <a:outerShdw blurRad="63500" dist="38099" dir="2700000" algn="ctr" rotWithShape="0">
-                    <a:schemeClr val="bg2">
-                      <a:alpha val="74998"/>
-                    </a:schemeClr>
-                  </a:outerShdw>
-                </a:effectLst>
-              </a14:hiddenEffects>
-            </a:ext>
-          </a:extLst>
         </p:spPr>
         <p:txBody>
-          <a:bodyPr vert="horz" wrap="square" lIns="91440" tIns="45720" rIns="91440" bIns="45720" numCol="1" rtlCol="0" anchor="t" anchorCtr="0" compatLnSpc="1">
-            <a:prstTxWarp prst="textNoShape">
-              <a:avLst/>
-            </a:prstTxWarp>
+          <a:bodyPr wrap="none" rtlCol="0">
+            <a:spAutoFit/>
           </a:bodyPr>
           <a:lstStyle/>
           <a:p>
-            <a:pPr marL="0" marR="0" indent="0" algn="l" defTabSz="457200" rtl="0" eaLnBrk="1" fontAlgn="base" latinLnBrk="0" hangingPunct="1">
-              <a:lnSpc>
-                <a:spcPct val="100000"/>
-              </a:lnSpc>
-              <a:spcBef>
-                <a:spcPct val="0"/>
-              </a:spcBef>
-              <a:spcAft>
-                <a:spcPct val="0"/>
-              </a:spcAft>
-              <a:buClr>
-                <a:srgbClr val="000000"/>
-              </a:buClr>
-              <a:buSzPct val="100000"/>
-              <a:buFont typeface="Times New Roman" charset="0"/>
-              <a:buNone/>
-              <a:tabLst/>
-            </a:pPr>
-            <a:endParaRPr kumimoji="0" lang="en-US" sz="2400" b="0" i="0" u="none" strike="noStrike" cap="none" normalizeH="0" baseline="0">
-              <a:ln>
-                <a:noFill/>
-              </a:ln>
+            <a:r>
+              <a:rPr lang="en-US" b="1" dirty="0" err="1">
+                <a:solidFill>
+                  <a:schemeClr val="tx1"/>
+                </a:solidFill>
+              </a:rPr>
+              <a:t>CAvideos</a:t>
+            </a:r>
+            <a:endParaRPr lang="en-US" b="1" dirty="0">
               <a:solidFill>
-                <a:schemeClr val="bg1"/>
+                <a:schemeClr val="tx1"/>
               </a:solidFill>
-              <a:effectLst/>
-              <a:latin typeface="Arial" charset="0"/>
-              <a:ea typeface="ＭＳ Ｐゴシック" charset="0"/>
-              <a:cs typeface="ＭＳ Ｐゴシック" charset="0"/>
             </a:endParaRPr>
           </a:p>
         </p:txBody>
@@ -25970,7 +25056,7 @@
     </p:spTree>
     <p:extLst>
       <p:ext uri="{BB962C8B-B14F-4D97-AF65-F5344CB8AC3E}">
-        <p14:creationId xmlns:p14="http://schemas.microsoft.com/office/powerpoint/2010/main" val="4139601290"/>
+        <p14:creationId xmlns:p14="http://schemas.microsoft.com/office/powerpoint/2010/main" val="3000712881"/>
       </p:ext>
     </p:extLst>
   </p:cSld>
@@ -25998,7 +25084,7 @@
                             </p:stCondLst>
                             <p:childTnLst>
                               <p:par>
-                                <p:cTn id="5" presetID="1" presetClass="entr" presetSubtype="0" fill="hold" grpId="0" nodeType="clickEffect">
+                                <p:cTn id="5" presetID="1" presetClass="entr" presetSubtype="0" fill="hold" nodeType="clickEffect">
                                   <p:stCondLst>
                                     <p:cond delay="0"/>
                                   </p:stCondLst>
@@ -26011,7 +25097,11 @@
                                           </p:stCondLst>
                                         </p:cTn>
                                         <p:tgtEl>
-                                          <p:spTgt spid="10"/>
+                                          <p:spTgt spid="5">
+                                            <p:txEl>
+                                              <p:pRg st="0" end="0"/>
+                                            </p:txEl>
+                                          </p:spTgt>
                                         </p:tgtEl>
                                         <p:attrNameLst>
                                           <p:attrName>style.visibility</p:attrName>
@@ -26051,9 +25141,6 @@
         </p:cTn>
       </p:par>
     </p:tnLst>
-    <p:bldLst>
-      <p:bldP spid="10" grpId="0" animBg="1"/>
-    </p:bldLst>
   </p:timing>
 </p:sld>
 </file>

--- a/Data-Essentials/01c-Data-Essentials.pptx
+++ b/Data-Essentials/01c-Data-Essentials.pptx
@@ -6,10 +6,10 @@
     <p:sldMasterId id="2147483649" r:id="rId2"/>
   </p:sldMasterIdLst>
   <p:notesMasterIdLst>
-    <p:notesMasterId r:id="rId18"/>
+    <p:notesMasterId r:id="rId19"/>
   </p:notesMasterIdLst>
   <p:handoutMasterIdLst>
-    <p:handoutMasterId r:id="rId19"/>
+    <p:handoutMasterId r:id="rId20"/>
   </p:handoutMasterIdLst>
   <p:sldIdLst>
     <p:sldId id="256" r:id="rId3"/>
@@ -27,6 +27,7 @@
     <p:sldId id="273" r:id="rId15"/>
     <p:sldId id="269" r:id="rId16"/>
     <p:sldId id="276" r:id="rId17"/>
+    <p:sldId id="277" r:id="rId18"/>
   </p:sldIdLst>
   <p:sldSz cx="9144000" cy="6858000" type="screen4x3"/>
   <p:notesSz cx="6858000" cy="9144000"/>
@@ -317,7 +318,7 @@
               <a:pPr>
                 <a:defRPr/>
               </a:pPr>
-              <a:t>3/23/18</a:t>
+              <a:t>3/27/18</a:t>
             </a:fld>
             <a:endParaRPr lang="en-US" altLang="x-none"/>
           </a:p>
@@ -17031,7 +17032,7 @@
           <a:effectLst/>
           <a:extLst>
             <a:ext uri="{AF507438-7753-43e0-B8FC-AC1667EBCBE1}">
-              <a14:hiddenEffects xmlns="" xmlns:a14="http://schemas.microsoft.com/office/drawing/2010/main">
+              <a14:hiddenEffects xmlns:a14="http://schemas.microsoft.com/office/drawing/2010/main" xmlns="">
                 <a:effectLst>
                   <a:outerShdw blurRad="63500" dist="38099" dir="2700000" algn="ctr" rotWithShape="0">
                     <a:schemeClr val="bg2">
@@ -17117,7 +17118,7 @@
           <a:effectLst/>
           <a:extLst>
             <a:ext uri="{AF507438-7753-43e0-B8FC-AC1667EBCBE1}">
-              <a14:hiddenEffects xmlns="" xmlns:a14="http://schemas.microsoft.com/office/drawing/2010/main">
+              <a14:hiddenEffects xmlns:a14="http://schemas.microsoft.com/office/drawing/2010/main" xmlns="">
                 <a:effectLst>
                   <a:outerShdw blurRad="63500" dist="38099" dir="2700000" algn="ctr" rotWithShape="0">
                     <a:schemeClr val="bg2">
@@ -18373,7 +18374,7 @@
           <a:effectLst/>
           <a:extLst>
             <a:ext uri="{AF507438-7753-43e0-B8FC-AC1667EBCBE1}">
-              <a14:hiddenEffects xmlns="" xmlns:a14="http://schemas.microsoft.com/office/drawing/2010/main">
+              <a14:hiddenEffects xmlns:a14="http://schemas.microsoft.com/office/drawing/2010/main" xmlns="">
                 <a:effectLst>
                   <a:outerShdw blurRad="63500" dist="38099" dir="2700000" algn="ctr" rotWithShape="0">
                     <a:schemeClr val="bg2">
@@ -18419,7 +18420,7 @@
           <a:effectLst/>
           <a:extLst>
             <a:ext uri="{AF507438-7753-43e0-B8FC-AC1667EBCBE1}">
-              <a14:hiddenEffects xmlns="" xmlns:a14="http://schemas.microsoft.com/office/drawing/2010/main">
+              <a14:hiddenEffects xmlns:a14="http://schemas.microsoft.com/office/drawing/2010/main" xmlns="">
                 <a:effectLst>
                   <a:outerShdw blurRad="63500" dist="38099" dir="2700000" algn="ctr" rotWithShape="0">
                     <a:schemeClr val="bg2">
@@ -18505,7 +18506,7 @@
           <a:effectLst/>
           <a:extLst>
             <a:ext uri="{AF507438-7753-43e0-B8FC-AC1667EBCBE1}">
-              <a14:hiddenEffects xmlns="" xmlns:a14="http://schemas.microsoft.com/office/drawing/2010/main">
+              <a14:hiddenEffects xmlns:a14="http://schemas.microsoft.com/office/drawing/2010/main" xmlns="">
                 <a:effectLst>
                   <a:outerShdw blurRad="63500" dist="38099" dir="2700000" algn="ctr" rotWithShape="0">
                     <a:schemeClr val="bg2">
@@ -18598,7 +18599,7 @@
           <a:effectLst/>
           <a:extLst>
             <a:ext uri="{AF507438-7753-43e0-B8FC-AC1667EBCBE1}">
-              <a14:hiddenEffects xmlns="" xmlns:a14="http://schemas.microsoft.com/office/drawing/2010/main">
+              <a14:hiddenEffects xmlns:a14="http://schemas.microsoft.com/office/drawing/2010/main" xmlns="">
                 <a:effectLst>
                   <a:outerShdw blurRad="63500" dist="38099" dir="2700000" algn="ctr" rotWithShape="0">
                     <a:schemeClr val="bg2">
@@ -19419,6 +19420,275 @@
       </p:par>
     </p:tnLst>
   </p:timing>
+</p:sld>
+</file>
+
+<file path=ppt/slides/slide16.xml><?xml version="1.0" encoding="utf-8"?>
+<p:sld xmlns:a="http://schemas.openxmlformats.org/drawingml/2006/main" xmlns:r="http://schemas.openxmlformats.org/officeDocument/2006/relationships" xmlns:p="http://schemas.openxmlformats.org/presentationml/2006/main">
+  <p:cSld>
+    <p:spTree>
+      <p:nvGrpSpPr>
+        <p:cNvPr id="1" name=""/>
+        <p:cNvGrpSpPr/>
+        <p:nvPr/>
+      </p:nvGrpSpPr>
+      <p:grpSpPr>
+        <a:xfrm>
+          <a:off x="0" y="0"/>
+          <a:ext cx="0" cy="0"/>
+          <a:chOff x="0" y="0"/>
+          <a:chExt cx="0" cy="0"/>
+        </a:xfrm>
+      </p:grpSpPr>
+      <p:sp>
+        <p:nvSpPr>
+          <p:cNvPr id="6" name="Title 5">
+            <a:extLst>
+              <a:ext uri="{FF2B5EF4-FFF2-40B4-BE49-F238E27FC236}">
+                <a16:creationId xmlns:a16="http://schemas.microsoft.com/office/drawing/2014/main" id="{0A3911DF-5F6B-6C40-AF84-04D9D16CF296}"/>
+              </a:ext>
+            </a:extLst>
+          </p:cNvPr>
+          <p:cNvSpPr>
+            <a:spLocks noGrp="1"/>
+          </p:cNvSpPr>
+          <p:nvPr>
+            <p:ph type="title"/>
+          </p:nvPr>
+        </p:nvSpPr>
+        <p:spPr/>
+        <p:txBody>
+          <a:bodyPr/>
+          <a:lstStyle/>
+          <a:p>
+            <a:r>
+              <a:rPr lang="en-US" dirty="0"/>
+              <a:t>Table Created</a:t>
+            </a:r>
+          </a:p>
+        </p:txBody>
+      </p:sp>
+      <p:sp>
+        <p:nvSpPr>
+          <p:cNvPr id="4" name="Footer Placeholder 3">
+            <a:extLst>
+              <a:ext uri="{FF2B5EF4-FFF2-40B4-BE49-F238E27FC236}">
+                <a16:creationId xmlns:a16="http://schemas.microsoft.com/office/drawing/2014/main" id="{4019CE03-C944-D649-B526-C7A47280F9F2}"/>
+              </a:ext>
+            </a:extLst>
+          </p:cNvPr>
+          <p:cNvSpPr>
+            <a:spLocks noGrp="1"/>
+          </p:cNvSpPr>
+          <p:nvPr>
+            <p:ph type="ftr" idx="10"/>
+          </p:nvPr>
+        </p:nvSpPr>
+        <p:spPr/>
+        <p:txBody>
+          <a:bodyPr/>
+          <a:lstStyle/>
+          <a:p>
+            <a:pPr>
+              <a:defRPr/>
+            </a:pPr>
+            <a:r>
+              <a:rPr lang="en-US"/>
+              <a:t>Beck, Hellerstein &amp; VanderPlas, 2018</a:t>
+            </a:r>
+          </a:p>
+        </p:txBody>
+      </p:sp>
+      <p:sp>
+        <p:nvSpPr>
+          <p:cNvPr id="5" name="Slide Number Placeholder 4">
+            <a:extLst>
+              <a:ext uri="{FF2B5EF4-FFF2-40B4-BE49-F238E27FC236}">
+                <a16:creationId xmlns:a16="http://schemas.microsoft.com/office/drawing/2014/main" id="{F11A60EF-C47B-4847-AC98-FE9DEB9CA984}"/>
+              </a:ext>
+            </a:extLst>
+          </p:cNvPr>
+          <p:cNvSpPr>
+            <a:spLocks noGrp="1"/>
+          </p:cNvSpPr>
+          <p:nvPr>
+            <p:ph type="sldNum" idx="11"/>
+          </p:nvPr>
+        </p:nvSpPr>
+        <p:spPr/>
+        <p:txBody>
+          <a:bodyPr/>
+          <a:lstStyle/>
+          <a:p>
+            <a:pPr>
+              <a:defRPr/>
+            </a:pPr>
+            <a:fld id="{F6FD405F-ECD7-524B-88E3-E7A9D294D1F8}" type="slidenum">
+              <a:rPr lang="en-US" altLang="x-none" smtClean="0"/>
+              <a:pPr>
+                <a:defRPr/>
+              </a:pPr>
+              <a:t>16</a:t>
+            </a:fld>
+            <a:endParaRPr lang="en-US" altLang="x-none" dirty="0"/>
+          </a:p>
+        </p:txBody>
+      </p:sp>
+      <p:graphicFrame>
+        <p:nvGraphicFramePr>
+          <p:cNvPr id="7" name="Table 6">
+            <a:extLst>
+              <a:ext uri="{FF2B5EF4-FFF2-40B4-BE49-F238E27FC236}">
+                <a16:creationId xmlns:a16="http://schemas.microsoft.com/office/drawing/2014/main" id="{D25CDF8E-A071-764C-9695-AB34CACAF21E}"/>
+              </a:ext>
+            </a:extLst>
+          </p:cNvPr>
+          <p:cNvGraphicFramePr>
+            <a:graphicFrameLocks noGrp="1"/>
+          </p:cNvGraphicFramePr>
+          <p:nvPr>
+            <p:extLst>
+              <p:ext uri="{D42A27DB-BD31-4B8C-83A1-F6EECF244321}">
+                <p14:modId xmlns:p14="http://schemas.microsoft.com/office/powerpoint/2010/main" val="2466995269"/>
+              </p:ext>
+            </p:extLst>
+          </p:nvPr>
+        </p:nvGraphicFramePr>
+        <p:xfrm>
+          <a:off x="1524000" y="1397000"/>
+          <a:ext cx="6096000" cy="736600"/>
+        </p:xfrm>
+        <a:graphic>
+          <a:graphicData uri="http://schemas.openxmlformats.org/drawingml/2006/table">
+            <a:tbl>
+              <a:tblPr firstRow="1" bandRow="1">
+                <a:tableStyleId>{5C22544A-7EE6-4342-B048-85BDC9FD1C3A}</a:tableStyleId>
+              </a:tblPr>
+              <a:tblGrid>
+                <a:gridCol w="2032000">
+                  <a:extLst>
+                    <a:ext uri="{9D8B030D-6E8A-4147-A177-3AD203B41FA5}">
+                      <a16:colId xmlns:a16="http://schemas.microsoft.com/office/drawing/2014/main" val="3246020123"/>
+                    </a:ext>
+                  </a:extLst>
+                </a:gridCol>
+                <a:gridCol w="2032000">
+                  <a:extLst>
+                    <a:ext uri="{9D8B030D-6E8A-4147-A177-3AD203B41FA5}">
+                      <a16:colId xmlns:a16="http://schemas.microsoft.com/office/drawing/2014/main" val="2639670299"/>
+                    </a:ext>
+                  </a:extLst>
+                </a:gridCol>
+                <a:gridCol w="2032000">
+                  <a:extLst>
+                    <a:ext uri="{9D8B030D-6E8A-4147-A177-3AD203B41FA5}">
+                      <a16:colId xmlns:a16="http://schemas.microsoft.com/office/drawing/2014/main" val="3766512342"/>
+                    </a:ext>
+                  </a:extLst>
+                </a:gridCol>
+              </a:tblGrid>
+              <a:tr h="370840">
+                <a:tc>
+                  <a:txBody>
+                    <a:bodyPr/>
+                    <a:lstStyle/>
+                    <a:p>
+                      <a:r>
+                        <a:rPr lang="en-US" dirty="0" err="1"/>
+                        <a:t>Video_id</a:t>
+                      </a:r>
+                      <a:endParaRPr lang="en-US" dirty="0"/>
+                    </a:p>
+                  </a:txBody>
+                  <a:tcPr/>
+                </a:tc>
+                <a:tc>
+                  <a:txBody>
+                    <a:bodyPr/>
+                    <a:lstStyle/>
+                    <a:p>
+                      <a:r>
+                        <a:rPr lang="en-US" dirty="0" err="1"/>
+                        <a:t>Category_id</a:t>
+                      </a:r>
+                      <a:endParaRPr lang="en-US" dirty="0"/>
+                    </a:p>
+                  </a:txBody>
+                  <a:tcPr/>
+                </a:tc>
+                <a:tc>
+                  <a:txBody>
+                    <a:bodyPr/>
+                    <a:lstStyle/>
+                    <a:p>
+                      <a:r>
+                        <a:rPr lang="en-US" dirty="0"/>
+                        <a:t>language</a:t>
+                      </a:r>
+                    </a:p>
+                  </a:txBody>
+                  <a:tcPr/>
+                </a:tc>
+                <a:extLst>
+                  <a:ext uri="{0D108BD9-81ED-4DB2-BD59-A6C34878D82A}">
+                    <a16:rowId xmlns:a16="http://schemas.microsoft.com/office/drawing/2014/main" val="3608852870"/>
+                  </a:ext>
+                </a:extLst>
+              </a:tr>
+              <a:tr h="365760">
+                <a:tc>
+                  <a:txBody>
+                    <a:bodyPr/>
+                    <a:lstStyle/>
+                    <a:p>
+                      <a:endParaRPr lang="en-US" dirty="0"/>
+                    </a:p>
+                  </a:txBody>
+                  <a:tcPr/>
+                </a:tc>
+                <a:tc>
+                  <a:txBody>
+                    <a:bodyPr/>
+                    <a:lstStyle/>
+                    <a:p>
+                      <a:endParaRPr lang="en-US"/>
+                    </a:p>
+                  </a:txBody>
+                  <a:tcPr/>
+                </a:tc>
+                <a:tc>
+                  <a:txBody>
+                    <a:bodyPr/>
+                    <a:lstStyle/>
+                    <a:p>
+                      <a:r>
+                        <a:rPr lang="en-US" dirty="0"/>
+                        <a:t>us</a:t>
+                      </a:r>
+                    </a:p>
+                  </a:txBody>
+                  <a:tcPr/>
+                </a:tc>
+                <a:extLst>
+                  <a:ext uri="{0D108BD9-81ED-4DB2-BD59-A6C34878D82A}">
+                    <a16:rowId xmlns:a16="http://schemas.microsoft.com/office/drawing/2014/main" val="598982910"/>
+                  </a:ext>
+                </a:extLst>
+              </a:tr>
+            </a:tbl>
+          </a:graphicData>
+        </a:graphic>
+      </p:graphicFrame>
+    </p:spTree>
+    <p:extLst>
+      <p:ext uri="{BB962C8B-B14F-4D97-AF65-F5344CB8AC3E}">
+        <p14:creationId xmlns:p14="http://schemas.microsoft.com/office/powerpoint/2010/main" val="3590714128"/>
+      </p:ext>
+    </p:extLst>
+  </p:cSld>
+  <p:clrMapOvr>
+    <a:masterClrMapping/>
+  </p:clrMapOvr>
 </p:sld>
 </file>
 
@@ -22153,7 +22423,7 @@
           <a:effectLst/>
           <a:extLst>
             <a:ext uri="{AF507438-7753-43e0-B8FC-AC1667EBCBE1}">
-              <a14:hiddenEffects xmlns="" xmlns:a14="http://schemas.microsoft.com/office/drawing/2010/main">
+              <a14:hiddenEffects xmlns:a14="http://schemas.microsoft.com/office/drawing/2010/main" xmlns="">
                 <a:effectLst>
                   <a:outerShdw blurRad="63500" dist="38099" dir="2700000" algn="ctr" rotWithShape="0">
                     <a:schemeClr val="bg2">
@@ -22239,7 +22509,7 @@
           <a:effectLst/>
           <a:extLst>
             <a:ext uri="{AF507438-7753-43e0-B8FC-AC1667EBCBE1}">
-              <a14:hiddenEffects xmlns="" xmlns:a14="http://schemas.microsoft.com/office/drawing/2010/main">
+              <a14:hiddenEffects xmlns:a14="http://schemas.microsoft.com/office/drawing/2010/main" xmlns="">
                 <a:effectLst>
                   <a:outerShdw blurRad="63500" dist="38099" dir="2700000" algn="ctr" rotWithShape="0">
                     <a:schemeClr val="bg2">
@@ -25391,7 +25661,7 @@
         <a:effectLst/>
         <a:extLst>
           <a:ext uri="{AF507438-7753-43e0-B8FC-AC1667EBCBE1}">
-            <a14:hiddenEffects xmlns="" xmlns:a14="http://schemas.microsoft.com/office/drawing/2010/main">
+            <a14:hiddenEffects xmlns:a14="http://schemas.microsoft.com/office/drawing/2010/main" xmlns="">
               <a:effectLst>
                 <a:outerShdw blurRad="63500" dist="38099" dir="2700000" algn="ctr" rotWithShape="0">
                   <a:schemeClr val="bg2">
@@ -25470,7 +25740,7 @@
         <a:effectLst/>
         <a:extLst>
           <a:ext uri="{AF507438-7753-43e0-B8FC-AC1667EBCBE1}">
-            <a14:hiddenEffects xmlns="" xmlns:a14="http://schemas.microsoft.com/office/drawing/2010/main">
+            <a14:hiddenEffects xmlns:a14="http://schemas.microsoft.com/office/drawing/2010/main" xmlns="">
               <a:effectLst>
                 <a:outerShdw blurRad="63500" dist="38099" dir="2700000" algn="ctr" rotWithShape="0">
                   <a:schemeClr val="bg2">
@@ -26059,7 +26329,7 @@
         <a:effectLst/>
         <a:extLst>
           <a:ext uri="{AF507438-7753-43e0-B8FC-AC1667EBCBE1}">
-            <a14:hiddenEffects xmlns="" xmlns:a14="http://schemas.microsoft.com/office/drawing/2010/main">
+            <a14:hiddenEffects xmlns:a14="http://schemas.microsoft.com/office/drawing/2010/main" xmlns="">
               <a:effectLst>
                 <a:outerShdw blurRad="63500" dist="38099" dir="2700000" algn="ctr" rotWithShape="0">
                   <a:schemeClr val="bg2">
@@ -26138,7 +26408,7 @@
         <a:effectLst/>
         <a:extLst>
           <a:ext uri="{AF507438-7753-43e0-B8FC-AC1667EBCBE1}">
-            <a14:hiddenEffects xmlns="" xmlns:a14="http://schemas.microsoft.com/office/drawing/2010/main">
+            <a14:hiddenEffects xmlns:a14="http://schemas.microsoft.com/office/drawing/2010/main" xmlns="">
               <a:effectLst>
                 <a:outerShdw blurRad="63500" dist="38099" dir="2700000" algn="ctr" rotWithShape="0">
                   <a:schemeClr val="bg2">
